--- a/3.设计模式/提高扩展性/提高可扩展性(1).pptx
+++ b/3.设计模式/提高扩展性/提高可扩展性(1).pptx
@@ -1,40 +1,40 @@
 
 <file path=ppt/presentation.xml><?xml version="1.0" encoding="utf-8"?>
-<p:presentation xmlns:a="http://schemas.openxmlformats.org/drawingml/2006/main" xmlns:r="http://schemas.openxmlformats.org/officeDocument/2006/relationships" xmlns:p="http://schemas.openxmlformats.org/presentationml/2006/main" saveSubsetFonts="1">
+<p:presentation xmlns:a="http://schemas.openxmlformats.org/drawingml/2006/main" xmlns:r="http://schemas.openxmlformats.org/officeDocument/2006/relationships" xmlns:p="http://schemas.openxmlformats.org/presentationml/2006/main">
   <p:sldMasterIdLst>
     <p:sldMasterId id="2147483648" r:id="rId1"/>
   </p:sldMasterIdLst>
   <p:notesMasterIdLst>
-    <p:notesMasterId r:id="rId18"/>
+    <p:notesMasterId r:id="rId19"/>
   </p:notesMasterIdLst>
   <p:handoutMasterIdLst>
-    <p:handoutMasterId r:id="rId19"/>
+    <p:handoutMasterId r:id="rId20"/>
   </p:handoutMasterIdLst>
   <p:sldIdLst>
-    <p:sldId id="364" r:id="rId2"/>
-    <p:sldId id="539" r:id="rId3"/>
-    <p:sldId id="540" r:id="rId4"/>
-    <p:sldId id="324" r:id="rId5"/>
-    <p:sldId id="557" r:id="rId6"/>
-    <p:sldId id="563" r:id="rId7"/>
-    <p:sldId id="558" r:id="rId8"/>
-    <p:sldId id="554" r:id="rId9"/>
-    <p:sldId id="559" r:id="rId10"/>
-    <p:sldId id="564" r:id="rId11"/>
-    <p:sldId id="561" r:id="rId12"/>
-    <p:sldId id="548" r:id="rId13"/>
-    <p:sldId id="562" r:id="rId14"/>
-    <p:sldId id="565" r:id="rId15"/>
-    <p:sldId id="351" r:id="rId16"/>
-    <p:sldId id="312" r:id="rId17"/>
+    <p:sldId id="364" r:id="rId3"/>
+    <p:sldId id="539" r:id="rId4"/>
+    <p:sldId id="540" r:id="rId5"/>
+    <p:sldId id="324" r:id="rId6"/>
+    <p:sldId id="557" r:id="rId7"/>
+    <p:sldId id="563" r:id="rId8"/>
+    <p:sldId id="558" r:id="rId9"/>
+    <p:sldId id="554" r:id="rId10"/>
+    <p:sldId id="559" r:id="rId11"/>
+    <p:sldId id="564" r:id="rId12"/>
+    <p:sldId id="561" r:id="rId13"/>
+    <p:sldId id="548" r:id="rId14"/>
+    <p:sldId id="562" r:id="rId15"/>
+    <p:sldId id="565" r:id="rId16"/>
+    <p:sldId id="351" r:id="rId17"/>
+    <p:sldId id="312" r:id="rId18"/>
   </p:sldIdLst>
-  <p:sldSz cx="23039388" cy="12960350"/>
+  <p:sldSz cx="23039070" cy="12960350"/>
   <p:notesSz cx="6858000" cy="9144000"/>
   <p:defaultTextStyle>
     <a:defPPr>
       <a:defRPr lang="zh-CN"/>
     </a:defPPr>
-    <a:lvl1pPr marL="0" algn="l" defTabSz="1219170" rtl="0" eaLnBrk="1" latinLnBrk="0" hangingPunct="1">
+    <a:lvl1pPr marL="0" algn="l" defTabSz="1218565" rtl="0" eaLnBrk="1" latinLnBrk="0" hangingPunct="1">
       <a:defRPr sz="2400" kern="1200">
         <a:solidFill>
           <a:schemeClr val="tx1"/>
@@ -44,7 +44,7 @@
         <a:cs typeface="+mn-cs"/>
       </a:defRPr>
     </a:lvl1pPr>
-    <a:lvl2pPr marL="609585" algn="l" defTabSz="1219170" rtl="0" eaLnBrk="1" latinLnBrk="0" hangingPunct="1">
+    <a:lvl2pPr marL="609600" algn="l" defTabSz="1218565" rtl="0" eaLnBrk="1" latinLnBrk="0" hangingPunct="1">
       <a:defRPr sz="2400" kern="1200">
         <a:solidFill>
           <a:schemeClr val="tx1"/>
@@ -54,7 +54,7 @@
         <a:cs typeface="+mn-cs"/>
       </a:defRPr>
     </a:lvl2pPr>
-    <a:lvl3pPr marL="1219170" algn="l" defTabSz="1219170" rtl="0" eaLnBrk="1" latinLnBrk="0" hangingPunct="1">
+    <a:lvl3pPr marL="1219200" algn="l" defTabSz="1218565" rtl="0" eaLnBrk="1" latinLnBrk="0" hangingPunct="1">
       <a:defRPr sz="2400" kern="1200">
         <a:solidFill>
           <a:schemeClr val="tx1"/>
@@ -64,7 +64,7 @@
         <a:cs typeface="+mn-cs"/>
       </a:defRPr>
     </a:lvl3pPr>
-    <a:lvl4pPr marL="1828754" algn="l" defTabSz="1219170" rtl="0" eaLnBrk="1" latinLnBrk="0" hangingPunct="1">
+    <a:lvl4pPr marL="1828800" algn="l" defTabSz="1218565" rtl="0" eaLnBrk="1" latinLnBrk="0" hangingPunct="1">
       <a:defRPr sz="2400" kern="1200">
         <a:solidFill>
           <a:schemeClr val="tx1"/>
@@ -74,7 +74,7 @@
         <a:cs typeface="+mn-cs"/>
       </a:defRPr>
     </a:lvl4pPr>
-    <a:lvl5pPr marL="2438339" algn="l" defTabSz="1219170" rtl="0" eaLnBrk="1" latinLnBrk="0" hangingPunct="1">
+    <a:lvl5pPr marL="2438400" algn="l" defTabSz="1218565" rtl="0" eaLnBrk="1" latinLnBrk="0" hangingPunct="1">
       <a:defRPr sz="2400" kern="1200">
         <a:solidFill>
           <a:schemeClr val="tx1"/>
@@ -84,7 +84,7 @@
         <a:cs typeface="+mn-cs"/>
       </a:defRPr>
     </a:lvl5pPr>
-    <a:lvl6pPr marL="3047924" algn="l" defTabSz="1219170" rtl="0" eaLnBrk="1" latinLnBrk="0" hangingPunct="1">
+    <a:lvl6pPr marL="3048000" algn="l" defTabSz="1218565" rtl="0" eaLnBrk="1" latinLnBrk="0" hangingPunct="1">
       <a:defRPr sz="2400" kern="1200">
         <a:solidFill>
           <a:schemeClr val="tx1"/>
@@ -94,7 +94,7 @@
         <a:cs typeface="+mn-cs"/>
       </a:defRPr>
     </a:lvl6pPr>
-    <a:lvl7pPr marL="3657509" algn="l" defTabSz="1219170" rtl="0" eaLnBrk="1" latinLnBrk="0" hangingPunct="1">
+    <a:lvl7pPr marL="3657600" algn="l" defTabSz="1218565" rtl="0" eaLnBrk="1" latinLnBrk="0" hangingPunct="1">
       <a:defRPr sz="2400" kern="1200">
         <a:solidFill>
           <a:schemeClr val="tx1"/>
@@ -104,7 +104,7 @@
         <a:cs typeface="+mn-cs"/>
       </a:defRPr>
     </a:lvl7pPr>
-    <a:lvl8pPr marL="4267093" algn="l" defTabSz="1219170" rtl="0" eaLnBrk="1" latinLnBrk="0" hangingPunct="1">
+    <a:lvl8pPr marL="4267200" algn="l" defTabSz="1218565" rtl="0" eaLnBrk="1" latinLnBrk="0" hangingPunct="1">
       <a:defRPr sz="2400" kern="1200">
         <a:solidFill>
           <a:schemeClr val="tx1"/>
@@ -114,7 +114,7 @@
         <a:cs typeface="+mn-cs"/>
       </a:defRPr>
     </a:lvl8pPr>
-    <a:lvl9pPr marL="4876678" algn="l" defTabSz="1219170" rtl="0" eaLnBrk="1" latinLnBrk="0" hangingPunct="1">
+    <a:lvl9pPr marL="4876800" algn="l" defTabSz="1218565" rtl="0" eaLnBrk="1" latinLnBrk="0" hangingPunct="1">
       <a:defRPr sz="2400" kern="1200">
         <a:solidFill>
           <a:schemeClr val="tx1"/>
@@ -131,62 +131,24 @@
         <p14:section name="默认节" id="{68CA6741-D517-47A3-B4C6-5CB7F7DC5A2E}">
           <p14:sldIdLst>
             <p14:sldId id="364"/>
-            <p14:sldId id="539"/>
-            <p14:sldId id="540"/>
-            <p14:sldId id="324"/>
-            <p14:sldId id="557"/>
-            <p14:sldId id="563"/>
             <p14:sldId id="558"/>
             <p14:sldId id="554"/>
-            <p14:sldId id="559"/>
-            <p14:sldId id="564"/>
             <p14:sldId id="561"/>
             <p14:sldId id="548"/>
             <p14:sldId id="562"/>
             <p14:sldId id="565"/>
             <p14:sldId id="351"/>
             <p14:sldId id="312"/>
+            <p14:sldId id="539"/>
+            <p14:sldId id="559"/>
+            <p14:sldId id="540"/>
+            <p14:sldId id="324"/>
+            <p14:sldId id="563"/>
+            <p14:sldId id="557"/>
+            <p14:sldId id="564"/>
           </p14:sldIdLst>
         </p14:section>
       </p14:sectionLst>
-    </p:ext>
-    <p:ext uri="{EFAFB233-063F-42B5-8137-9DF3F51BA10A}">
-      <p15:sldGuideLst xmlns:p15="http://schemas.microsoft.com/office/powerpoint/2012/main">
-        <p15:guide id="1" orient="horz" pos="3816" userDrawn="1">
-          <p15:clr>
-            <a:srgbClr val="A4A3A4"/>
-          </p15:clr>
-        </p15:guide>
-        <p15:guide id="2" pos="7256" userDrawn="1">
-          <p15:clr>
-            <a:srgbClr val="A4A3A4"/>
-          </p15:clr>
-        </p15:guide>
-        <p15:guide id="3" pos="4599" userDrawn="1">
-          <p15:clr>
-            <a:srgbClr val="A4A3A4"/>
-          </p15:clr>
-        </p15:guide>
-        <p15:guide id="4" pos="9960" userDrawn="1">
-          <p15:clr>
-            <a:srgbClr val="A4A3A4"/>
-          </p15:clr>
-        </p15:guide>
-      </p15:sldGuideLst>
-    </p:ext>
-    <p:ext uri="{2D200454-40CA-4A62-9FC3-DE9A4176ACB9}">
-      <p15:notesGuideLst xmlns:p15="http://schemas.microsoft.com/office/powerpoint/2012/main">
-        <p15:guide id="1" orient="horz" pos="2693">
-          <p15:clr>
-            <a:srgbClr val="A4A3A4"/>
-          </p15:clr>
-        </p15:guide>
-        <p15:guide id="2" pos="2160">
-          <p15:clr>
-            <a:srgbClr val="A4A3A4"/>
-          </p15:clr>
-        </p15:guide>
-      </p15:notesGuideLst>
     </p:ext>
   </p:extLst>
 </p:presentation>
@@ -274,7 +236,6 @@
           <a:p>
             <a:fld id="{8699DAC0-913F-4CFB-852F-43CCF0357516}" type="datetimeFigureOut">
               <a:rPr lang="zh-CN" altLang="en-US" smtClean="0"/>
-              <a:t>2020/4/21</a:t>
             </a:fld>
             <a:endParaRPr lang="zh-CN" altLang="en-US"/>
           </a:p>
@@ -340,7 +301,6 @@
           <a:p>
             <a:fld id="{62891DBA-2A2E-4F32-BB14-713FAEE65AFF}" type="slidenum">
               <a:rPr lang="zh-CN" altLang="en-US" smtClean="0"/>
-              <a:t>‹#›</a:t>
             </a:fld>
             <a:endParaRPr lang="zh-CN" altLang="en-US"/>
           </a:p>
@@ -435,7 +395,6 @@
           <a:p>
             <a:fld id="{C35B019A-55AE-4BF7-B4D3-0D825A3F122A}" type="datetimeFigureOut">
               <a:rPr lang="zh-CN" altLang="en-US" smtClean="0"/>
-              <a:t>2020/4/21</a:t>
             </a:fld>
             <a:endParaRPr lang="zh-CN" altLang="en-US"/>
           </a:p>
@@ -504,6 +463,7 @@
               <a:rPr lang="zh-CN" altLang="en-US"/>
               <a:t>单击此处编辑母版文本样式</a:t>
             </a:r>
+            <a:endParaRPr lang="zh-CN" altLang="en-US"/>
           </a:p>
           <a:p>
             <a:pPr lvl="1"/>
@@ -511,6 +471,7 @@
               <a:rPr lang="zh-CN" altLang="en-US"/>
               <a:t>第二级</a:t>
             </a:r>
+            <a:endParaRPr lang="zh-CN" altLang="en-US"/>
           </a:p>
           <a:p>
             <a:pPr lvl="2"/>
@@ -518,6 +479,7 @@
               <a:rPr lang="zh-CN" altLang="en-US"/>
               <a:t>第三级</a:t>
             </a:r>
+            <a:endParaRPr lang="zh-CN" altLang="en-US"/>
           </a:p>
           <a:p>
             <a:pPr lvl="3"/>
@@ -525,6 +487,7 @@
               <a:rPr lang="zh-CN" altLang="en-US"/>
               <a:t>第四级</a:t>
             </a:r>
+            <a:endParaRPr lang="zh-CN" altLang="en-US"/>
           </a:p>
           <a:p>
             <a:pPr lvl="4"/>
@@ -532,6 +495,7 @@
               <a:rPr lang="zh-CN" altLang="en-US"/>
               <a:t>第五级</a:t>
             </a:r>
+            <a:endParaRPr lang="zh-CN" altLang="en-US"/>
           </a:p>
         </p:txBody>
       </p:sp>
@@ -595,7 +559,6 @@
           <a:p>
             <a:fld id="{F0846743-8D4B-4DFC-A9C0-210E1C1A603E}" type="slidenum">
               <a:rPr lang="zh-CN" altLang="en-US" smtClean="0"/>
-              <a:t>‹#›</a:t>
             </a:fld>
             <a:endParaRPr lang="zh-CN" altLang="en-US"/>
           </a:p>
@@ -606,7 +569,7 @@
   <p:clrMap bg1="lt1" tx1="dk1" bg2="lt2" tx2="dk2" accent1="accent1" accent2="accent2" accent3="accent3" accent4="accent4" accent5="accent5" accent6="accent6" hlink="hlink" folHlink="folHlink"/>
   <p:hf sldNum="0" hdr="0" ftr="0" dt="0"/>
   <p:notesStyle>
-    <a:lvl1pPr marL="0" algn="l" defTabSz="1219170" rtl="0" eaLnBrk="1" latinLnBrk="0" hangingPunct="1">
+    <a:lvl1pPr marL="0" algn="l" defTabSz="1218565" rtl="0" eaLnBrk="1" latinLnBrk="0" hangingPunct="1">
       <a:defRPr sz="1600" kern="1200">
         <a:solidFill>
           <a:schemeClr val="tx1"/>
@@ -616,7 +579,7 @@
         <a:cs typeface="+mn-cs"/>
       </a:defRPr>
     </a:lvl1pPr>
-    <a:lvl2pPr marL="609585" algn="l" defTabSz="1219170" rtl="0" eaLnBrk="1" latinLnBrk="0" hangingPunct="1">
+    <a:lvl2pPr marL="609600" algn="l" defTabSz="1218565" rtl="0" eaLnBrk="1" latinLnBrk="0" hangingPunct="1">
       <a:defRPr sz="1600" kern="1200">
         <a:solidFill>
           <a:schemeClr val="tx1"/>
@@ -626,7 +589,7 @@
         <a:cs typeface="+mn-cs"/>
       </a:defRPr>
     </a:lvl2pPr>
-    <a:lvl3pPr marL="1219170" algn="l" defTabSz="1219170" rtl="0" eaLnBrk="1" latinLnBrk="0" hangingPunct="1">
+    <a:lvl3pPr marL="1219200" algn="l" defTabSz="1218565" rtl="0" eaLnBrk="1" latinLnBrk="0" hangingPunct="1">
       <a:defRPr sz="1600" kern="1200">
         <a:solidFill>
           <a:schemeClr val="tx1"/>
@@ -636,7 +599,7 @@
         <a:cs typeface="+mn-cs"/>
       </a:defRPr>
     </a:lvl3pPr>
-    <a:lvl4pPr marL="1828754" algn="l" defTabSz="1219170" rtl="0" eaLnBrk="1" latinLnBrk="0" hangingPunct="1">
+    <a:lvl4pPr marL="1828800" algn="l" defTabSz="1218565" rtl="0" eaLnBrk="1" latinLnBrk="0" hangingPunct="1">
       <a:defRPr sz="1600" kern="1200">
         <a:solidFill>
           <a:schemeClr val="tx1"/>
@@ -646,7 +609,7 @@
         <a:cs typeface="+mn-cs"/>
       </a:defRPr>
     </a:lvl4pPr>
-    <a:lvl5pPr marL="2438339" algn="l" defTabSz="1219170" rtl="0" eaLnBrk="1" latinLnBrk="0" hangingPunct="1">
+    <a:lvl5pPr marL="2438400" algn="l" defTabSz="1218565" rtl="0" eaLnBrk="1" latinLnBrk="0" hangingPunct="1">
       <a:defRPr sz="1600" kern="1200">
         <a:solidFill>
           <a:schemeClr val="tx1"/>
@@ -656,7 +619,7 @@
         <a:cs typeface="+mn-cs"/>
       </a:defRPr>
     </a:lvl5pPr>
-    <a:lvl6pPr marL="3047924" algn="l" defTabSz="1219170" rtl="0" eaLnBrk="1" latinLnBrk="0" hangingPunct="1">
+    <a:lvl6pPr marL="3048000" algn="l" defTabSz="1218565" rtl="0" eaLnBrk="1" latinLnBrk="0" hangingPunct="1">
       <a:defRPr sz="1600" kern="1200">
         <a:solidFill>
           <a:schemeClr val="tx1"/>
@@ -666,7 +629,7 @@
         <a:cs typeface="+mn-cs"/>
       </a:defRPr>
     </a:lvl6pPr>
-    <a:lvl7pPr marL="3657509" algn="l" defTabSz="1219170" rtl="0" eaLnBrk="1" latinLnBrk="0" hangingPunct="1">
+    <a:lvl7pPr marL="3657600" algn="l" defTabSz="1218565" rtl="0" eaLnBrk="1" latinLnBrk="0" hangingPunct="1">
       <a:defRPr sz="1600" kern="1200">
         <a:solidFill>
           <a:schemeClr val="tx1"/>
@@ -676,7 +639,7 @@
         <a:cs typeface="+mn-cs"/>
       </a:defRPr>
     </a:lvl7pPr>
-    <a:lvl8pPr marL="4267093" algn="l" defTabSz="1219170" rtl="0" eaLnBrk="1" latinLnBrk="0" hangingPunct="1">
+    <a:lvl8pPr marL="4267200" algn="l" defTabSz="1218565" rtl="0" eaLnBrk="1" latinLnBrk="0" hangingPunct="1">
       <a:defRPr sz="1600" kern="1200">
         <a:solidFill>
           <a:schemeClr val="tx1"/>
@@ -686,7 +649,7 @@
         <a:cs typeface="+mn-cs"/>
       </a:defRPr>
     </a:lvl8pPr>
-    <a:lvl9pPr marL="4876678" algn="l" defTabSz="1219170" rtl="0" eaLnBrk="1" latinLnBrk="0" hangingPunct="1">
+    <a:lvl9pPr marL="4876800" algn="l" defTabSz="1218565" rtl="0" eaLnBrk="1" latinLnBrk="0" hangingPunct="1">
       <a:defRPr sz="1600" kern="1200">
         <a:solidFill>
           <a:schemeClr val="tx1"/>
@@ -775,13 +738,7 @@
       </p:grpSpPr>
       <p:pic>
         <p:nvPicPr>
-          <p:cNvPr id="3" name="图片 2">
-            <a:extLst>
-              <a:ext uri="{FF2B5EF4-FFF2-40B4-BE49-F238E27FC236}">
-                <a16:creationId xmlns:a16="http://schemas.microsoft.com/office/drawing/2014/main" id="{9E4CA55F-9739-43C3-A825-A134A524E59F}"/>
-              </a:ext>
-            </a:extLst>
-          </p:cNvPr>
+          <p:cNvPr id="3" name="图片 2"/>
           <p:cNvPicPr>
             <a:picLocks noChangeAspect="1"/>
           </p:cNvPicPr>
@@ -806,13 +763,7 @@
       </p:pic>
       <p:sp>
         <p:nvSpPr>
-          <p:cNvPr id="4" name="流程图: 过程 3">
-            <a:extLst>
-              <a:ext uri="{FF2B5EF4-FFF2-40B4-BE49-F238E27FC236}">
-                <a16:creationId xmlns:a16="http://schemas.microsoft.com/office/drawing/2014/main" id="{7A2D8E61-D0FC-47F9-8C11-8CB3D51B95F9}"/>
-              </a:ext>
-            </a:extLst>
-          </p:cNvPr>
+          <p:cNvPr id="4" name="流程图: 过程 3"/>
           <p:cNvSpPr/>
           <p:nvPr userDrawn="1"/>
         </p:nvSpPr>
@@ -852,19 +803,13 @@
           <a:lstStyle/>
           <a:p>
             <a:pPr algn="ctr"/>
-            <a:endParaRPr lang="zh-CN" altLang="en-US" sz="4533"/>
+            <a:endParaRPr lang="zh-CN" altLang="en-US" sz="4535"/>
           </a:p>
         </p:txBody>
       </p:sp>
       <p:grpSp>
         <p:nvGrpSpPr>
-          <p:cNvPr id="5" name="组合 4">
-            <a:extLst>
-              <a:ext uri="{FF2B5EF4-FFF2-40B4-BE49-F238E27FC236}">
-                <a16:creationId xmlns:a16="http://schemas.microsoft.com/office/drawing/2014/main" id="{3212AFB2-6545-4568-BD86-6B1983B49465}"/>
-              </a:ext>
-            </a:extLst>
-          </p:cNvPr>
+          <p:cNvPr id="5" name="组合 4"/>
           <p:cNvGrpSpPr/>
           <p:nvPr userDrawn="1"/>
         </p:nvGrpSpPr>
@@ -878,22 +823,14 @@
         </p:grpSpPr>
         <p:pic>
           <p:nvPicPr>
-            <p:cNvPr id="6" name="网易云课堂logo.png" descr="网易云课堂logo.png">
-              <a:extLst>
-                <a:ext uri="{FF2B5EF4-FFF2-40B4-BE49-F238E27FC236}">
-                  <a16:creationId xmlns:a16="http://schemas.microsoft.com/office/drawing/2014/main" id="{DBE05E54-699D-4E84-BBEA-3970E079D60E}"/>
-                </a:ext>
-              </a:extLst>
-            </p:cNvPr>
+            <p:cNvPr id="6" name="网易云课堂logo.png" descr="网易云课堂logo.png"/>
             <p:cNvPicPr>
               <a:picLocks noChangeAspect="1"/>
             </p:cNvPicPr>
             <p:nvPr/>
           </p:nvPicPr>
           <p:blipFill>
-            <a:blip r:embed="rId3">
-              <a:extLst/>
-            </a:blip>
+            <a:blip r:embed="rId3"/>
             <a:stretch>
               <a:fillRect/>
             </a:stretch>
@@ -908,18 +845,14 @@
             </a:prstGeom>
             <a:ln w="12700">
               <a:miter lim="400000"/>
+              <a:headEnd/>
+              <a:tailEnd/>
             </a:ln>
           </p:spPr>
         </p:pic>
         <p:sp>
           <p:nvSpPr>
-            <p:cNvPr id="7" name="线条">
-              <a:extLst>
-                <a:ext uri="{FF2B5EF4-FFF2-40B4-BE49-F238E27FC236}">
-                  <a16:creationId xmlns:a16="http://schemas.microsoft.com/office/drawing/2014/main" id="{C7814494-1433-40EE-83EE-D8A4EE7C31F9}"/>
-                </a:ext>
-              </a:extLst>
-            </p:cNvPr>
+            <p:cNvPr id="7" name="线条"/>
             <p:cNvSpPr/>
             <p:nvPr/>
           </p:nvSpPr>
@@ -943,8 +876,8 @@
               <a:defPPr>
                 <a:defRPr lang="zh-CN"/>
               </a:defPPr>
-              <a:lvl1pPr marL="0" algn="l" defTabSz="1727942" rtl="0" eaLnBrk="1" latinLnBrk="0" hangingPunct="1">
-                <a:defRPr sz="3401" kern="1200">
+              <a:lvl1pPr marL="0" algn="l" defTabSz="1727835" rtl="0" eaLnBrk="1" latinLnBrk="0" hangingPunct="1">
+                <a:defRPr sz="3400" kern="1200">
                   <a:solidFill>
                     <a:schemeClr val="tx1"/>
                   </a:solidFill>
@@ -953,8 +886,8 @@
                   <a:cs typeface="+mn-cs"/>
                 </a:defRPr>
               </a:lvl1pPr>
-              <a:lvl2pPr marL="863971" algn="l" defTabSz="1727942" rtl="0" eaLnBrk="1" latinLnBrk="0" hangingPunct="1">
-                <a:defRPr sz="3401" kern="1200">
+              <a:lvl2pPr marL="864235" algn="l" defTabSz="1727835" rtl="0" eaLnBrk="1" latinLnBrk="0" hangingPunct="1">
+                <a:defRPr sz="3400" kern="1200">
                   <a:solidFill>
                     <a:schemeClr val="tx1"/>
                   </a:solidFill>
@@ -963,8 +896,8 @@
                   <a:cs typeface="+mn-cs"/>
                 </a:defRPr>
               </a:lvl2pPr>
-              <a:lvl3pPr marL="1727942" algn="l" defTabSz="1727942" rtl="0" eaLnBrk="1" latinLnBrk="0" hangingPunct="1">
-                <a:defRPr sz="3401" kern="1200">
+              <a:lvl3pPr marL="1727835" algn="l" defTabSz="1727835" rtl="0" eaLnBrk="1" latinLnBrk="0" hangingPunct="1">
+                <a:defRPr sz="3400" kern="1200">
                   <a:solidFill>
                     <a:schemeClr val="tx1"/>
                   </a:solidFill>
@@ -973,8 +906,8 @@
                   <a:cs typeface="+mn-cs"/>
                 </a:defRPr>
               </a:lvl3pPr>
-              <a:lvl4pPr marL="2591913" algn="l" defTabSz="1727942" rtl="0" eaLnBrk="1" latinLnBrk="0" hangingPunct="1">
-                <a:defRPr sz="3401" kern="1200">
+              <a:lvl4pPr marL="2592070" algn="l" defTabSz="1727835" rtl="0" eaLnBrk="1" latinLnBrk="0" hangingPunct="1">
+                <a:defRPr sz="3400" kern="1200">
                   <a:solidFill>
                     <a:schemeClr val="tx1"/>
                   </a:solidFill>
@@ -983,8 +916,8 @@
                   <a:cs typeface="+mn-cs"/>
                 </a:defRPr>
               </a:lvl4pPr>
-              <a:lvl5pPr marL="3455883" algn="l" defTabSz="1727942" rtl="0" eaLnBrk="1" latinLnBrk="0" hangingPunct="1">
-                <a:defRPr sz="3401" kern="1200">
+              <a:lvl5pPr marL="3455670" algn="l" defTabSz="1727835" rtl="0" eaLnBrk="1" latinLnBrk="0" hangingPunct="1">
+                <a:defRPr sz="3400" kern="1200">
                   <a:solidFill>
                     <a:schemeClr val="tx1"/>
                   </a:solidFill>
@@ -993,8 +926,8 @@
                   <a:cs typeface="+mn-cs"/>
                 </a:defRPr>
               </a:lvl5pPr>
-              <a:lvl6pPr marL="4319854" algn="l" defTabSz="1727942" rtl="0" eaLnBrk="1" latinLnBrk="0" hangingPunct="1">
-                <a:defRPr sz="3401" kern="1200">
+              <a:lvl6pPr marL="4319905" algn="l" defTabSz="1727835" rtl="0" eaLnBrk="1" latinLnBrk="0" hangingPunct="1">
+                <a:defRPr sz="3400" kern="1200">
                   <a:solidFill>
                     <a:schemeClr val="tx1"/>
                   </a:solidFill>
@@ -1003,8 +936,8 @@
                   <a:cs typeface="+mn-cs"/>
                 </a:defRPr>
               </a:lvl6pPr>
-              <a:lvl7pPr marL="5183825" algn="l" defTabSz="1727942" rtl="0" eaLnBrk="1" latinLnBrk="0" hangingPunct="1">
-                <a:defRPr sz="3401" kern="1200">
+              <a:lvl7pPr marL="5184140" algn="l" defTabSz="1727835" rtl="0" eaLnBrk="1" latinLnBrk="0" hangingPunct="1">
+                <a:defRPr sz="3400" kern="1200">
                   <a:solidFill>
                     <a:schemeClr val="tx1"/>
                   </a:solidFill>
@@ -1013,8 +946,8 @@
                   <a:cs typeface="+mn-cs"/>
                 </a:defRPr>
               </a:lvl7pPr>
-              <a:lvl8pPr marL="6047796" algn="l" defTabSz="1727942" rtl="0" eaLnBrk="1" latinLnBrk="0" hangingPunct="1">
-                <a:defRPr sz="3401" kern="1200">
+              <a:lvl8pPr marL="6047740" algn="l" defTabSz="1727835" rtl="0" eaLnBrk="1" latinLnBrk="0" hangingPunct="1">
+                <a:defRPr sz="3400" kern="1200">
                   <a:solidFill>
                     <a:schemeClr val="tx1"/>
                   </a:solidFill>
@@ -1023,8 +956,8 @@
                   <a:cs typeface="+mn-cs"/>
                 </a:defRPr>
               </a:lvl8pPr>
-              <a:lvl9pPr marL="6911767" algn="l" defTabSz="1727942" rtl="0" eaLnBrk="1" latinLnBrk="0" hangingPunct="1">
-                <a:defRPr sz="3401" kern="1200">
+              <a:lvl9pPr marL="6911975" algn="l" defTabSz="1727835" rtl="0" eaLnBrk="1" latinLnBrk="0" hangingPunct="1">
+                <a:defRPr sz="3400" kern="1200">
                   <a:solidFill>
                     <a:schemeClr val="tx1"/>
                   </a:solidFill>
@@ -1034,29 +967,19 @@
                 </a:defRPr>
               </a:lvl9pPr>
             </a:lstStyle>
-            <a:p>
-              <a:endParaRPr/>
-            </a:p>
+            <a:p/>
           </p:txBody>
         </p:sp>
         <p:pic>
           <p:nvPicPr>
-            <p:cNvPr id="8" name="图片 7" descr="图片 2">
-              <a:extLst>
-                <a:ext uri="{FF2B5EF4-FFF2-40B4-BE49-F238E27FC236}">
-                  <a16:creationId xmlns:a16="http://schemas.microsoft.com/office/drawing/2014/main" id="{C1AAB4F0-F6C6-4DB5-B776-3555E67C97DA}"/>
-                </a:ext>
-              </a:extLst>
-            </p:cNvPr>
+            <p:cNvPr id="8" name="图片 7" descr="图片 2"/>
             <p:cNvPicPr>
               <a:picLocks noChangeAspect="1"/>
             </p:cNvPicPr>
             <p:nvPr/>
           </p:nvPicPr>
           <p:blipFill>
-            <a:blip r:embed="rId4">
-              <a:extLst/>
-            </a:blip>
+            <a:blip r:embed="rId4"/>
             <a:stretch>
               <a:fillRect/>
             </a:stretch>
@@ -1071,19 +994,15 @@
             </a:prstGeom>
             <a:ln w="12700">
               <a:miter lim="400000"/>
+              <a:headEnd/>
+              <a:tailEnd/>
             </a:ln>
           </p:spPr>
         </p:pic>
       </p:grpSp>
       <p:sp>
         <p:nvSpPr>
-          <p:cNvPr id="13" name="文本占位符 12">
-            <a:extLst>
-              <a:ext uri="{FF2B5EF4-FFF2-40B4-BE49-F238E27FC236}">
-                <a16:creationId xmlns:a16="http://schemas.microsoft.com/office/drawing/2014/main" id="{31FA6CDF-8CED-4FE7-A688-0098C4E67CD8}"/>
-              </a:ext>
-            </a:extLst>
-          </p:cNvPr>
+          <p:cNvPr id="13" name="文本占位符 12"/>
           <p:cNvSpPr>
             <a:spLocks noGrp="1"/>
           </p:cNvSpPr>
@@ -1119,7 +1038,7 @@
             </a:lvl1pPr>
           </a:lstStyle>
           <a:p>
-            <a:pPr marL="0" lvl="0" algn="ctr" defTabSz="1219170">
+            <a:pPr marL="0" lvl="0" algn="ctr" defTabSz="1218565">
               <a:lnSpc>
                 <a:spcPct val="105000"/>
               </a:lnSpc>
@@ -1128,18 +1047,13 @@
               <a:rPr lang="zh-CN" altLang="en-US" dirty="0"/>
               <a:t>编辑标题文本</a:t>
             </a:r>
+            <a:endParaRPr lang="zh-CN" altLang="en-US" dirty="0"/>
           </a:p>
         </p:txBody>
       </p:sp>
       <p:sp>
         <p:nvSpPr>
-          <p:cNvPr id="15" name="文本占位符 14">
-            <a:extLst>
-              <a:ext uri="{FF2B5EF4-FFF2-40B4-BE49-F238E27FC236}">
-                <a16:creationId xmlns:a16="http://schemas.microsoft.com/office/drawing/2014/main" id="{67C6E9EB-A47D-4615-91DC-D824C0BE0A9E}"/>
-              </a:ext>
-            </a:extLst>
-          </p:cNvPr>
+          <p:cNvPr id="15" name="文本占位符 14"/>
           <p:cNvSpPr>
             <a:spLocks noGrp="1"/>
           </p:cNvSpPr>
@@ -1175,29 +1089,25 @@
             </a:lvl1pPr>
           </a:lstStyle>
           <a:p>
-            <a:pPr marL="0" lvl="0" algn="ctr" defTabSz="1219170"/>
+            <a:pPr marL="0" lvl="0" algn="ctr" defTabSz="1218565"/>
             <a:r>
               <a:rPr lang="zh-CN" altLang="en-US" dirty="0"/>
               <a:t>编辑副标题文本</a:t>
             </a:r>
+            <a:endParaRPr lang="zh-CN" altLang="en-US" dirty="0"/>
           </a:p>
         </p:txBody>
       </p:sp>
     </p:spTree>
-    <p:extLst>
-      <p:ext uri="{BB962C8B-B14F-4D97-AF65-F5344CB8AC3E}">
-        <p14:creationId xmlns:p14="http://schemas.microsoft.com/office/powerpoint/2010/main" val="1364594986"/>
-      </p:ext>
-    </p:extLst>
   </p:cSld>
   <p:clrMapOvr>
     <a:masterClrMapping/>
   </p:clrMapOvr>
-  <mc:AlternateContent xmlns:mc="http://schemas.openxmlformats.org/markup-compatibility/2006" xmlns:p14="http://schemas.microsoft.com/office/powerpoint/2010/main">
-    <mc:Choice Requires="p14">
+  <mc:AlternateContent xmlns:mc="http://schemas.openxmlformats.org/markup-compatibility/2006">
+    <mc:Choice xmlns:p14="http://schemas.microsoft.com/office/powerpoint/2010/main" Requires="p14">
       <p:transition p14:dur="250"/>
     </mc:Choice>
-    <mc:Fallback xmlns="">
+    <mc:Fallback>
       <p:transition/>
     </mc:Fallback>
   </mc:AlternateContent>
@@ -1223,13 +1133,7 @@
       </p:grpSpPr>
       <p:sp>
         <p:nvSpPr>
-          <p:cNvPr id="3" name="标题占位符 1">
-            <a:extLst>
-              <a:ext uri="{FF2B5EF4-FFF2-40B4-BE49-F238E27FC236}">
-                <a16:creationId xmlns:a16="http://schemas.microsoft.com/office/drawing/2014/main" id="{CAB2867E-9B5C-4ECA-A4A6-981C127840EB}"/>
-              </a:ext>
-            </a:extLst>
-          </p:cNvPr>
+          <p:cNvPr id="3" name="标题占位符 1"/>
           <p:cNvSpPr>
             <a:spLocks noGrp="1"/>
           </p:cNvSpPr>
@@ -1256,18 +1160,13 @@
               <a:rPr lang="zh-CN" altLang="en-US" dirty="0"/>
               <a:t>单击此处编辑标题样式</a:t>
             </a:r>
+            <a:endParaRPr lang="zh-CN" altLang="en-US" dirty="0"/>
           </a:p>
         </p:txBody>
       </p:sp>
       <p:sp>
         <p:nvSpPr>
-          <p:cNvPr id="4" name="矩形 3">
-            <a:extLst>
-              <a:ext uri="{FF2B5EF4-FFF2-40B4-BE49-F238E27FC236}">
-                <a16:creationId xmlns:a16="http://schemas.microsoft.com/office/drawing/2014/main" id="{3CBB117A-7A32-4734-96D9-311F2E8D4167}"/>
-              </a:ext>
-            </a:extLst>
-          </p:cNvPr>
+          <p:cNvPr id="4" name="矩形 3"/>
           <p:cNvSpPr/>
           <p:nvPr userDrawn="1"/>
         </p:nvSpPr>
@@ -1307,22 +1206,14 @@
           <a:lstStyle/>
           <a:p>
             <a:pPr algn="ctr"/>
-            <a:endParaRPr lang="zh-CN" altLang="en-US" sz="4533"/>
+            <a:endParaRPr lang="zh-CN" altLang="en-US" sz="4535"/>
           </a:p>
         </p:txBody>
       </p:sp>
       <p:pic>
         <p:nvPicPr>
-          <p:cNvPr id="5" name="图片 4">
-            <a:extLst>
-              <a:ext uri="{FF2B5EF4-FFF2-40B4-BE49-F238E27FC236}">
-                <a16:creationId xmlns:a16="http://schemas.microsoft.com/office/drawing/2014/main" id="{016C09CD-D4C8-4449-9375-B14FAEA58BEF}"/>
-              </a:ext>
-            </a:extLst>
-          </p:cNvPr>
-          <p:cNvPicPr>
-            <a:picLocks/>
-          </p:cNvPicPr>
+          <p:cNvPr id="5" name="图片 4"/>
+          <p:cNvPicPr/>
           <p:nvPr userDrawn="1"/>
         </p:nvPicPr>
         <p:blipFill>
@@ -1349,13 +1240,7 @@
       </p:pic>
       <p:sp>
         <p:nvSpPr>
-          <p:cNvPr id="10" name="文本占位符 8">
-            <a:extLst>
-              <a:ext uri="{FF2B5EF4-FFF2-40B4-BE49-F238E27FC236}">
-                <a16:creationId xmlns:a16="http://schemas.microsoft.com/office/drawing/2014/main" id="{546CA23A-C8B4-4D01-89D3-6C019BD81C71}"/>
-              </a:ext>
-            </a:extLst>
-          </p:cNvPr>
+          <p:cNvPr id="10" name="文本占位符 8"/>
           <p:cNvSpPr>
             <a:spLocks noGrp="1"/>
           </p:cNvSpPr>
@@ -1378,20 +1263,20 @@
             <a:spAutoFit/>
           </a:bodyPr>
           <a:lstStyle>
-            <a:lvl1pPr marL="609585" indent="-609585">
+            <a:lvl1pPr marL="609600" indent="-609600">
               <a:buClr>
                 <a:srgbClr val="1577BA"/>
               </a:buClr>
               <a:buFont typeface="Wingdings" panose="05000000000000000000" pitchFamily="2" charset="2"/>
               <a:buChar char="n"/>
-              <a:defRPr lang="zh-CN" altLang="en-US" sz="4533" dirty="0">
-                <a:latin typeface="思源黑体 CN Medium" panose="020B0600000000000000" charset="-122"/>
-                <a:ea typeface="思源黑体 CN Medium" panose="020B0600000000000000" charset="-122"/>
+              <a:defRPr lang="zh-CN" altLang="en-US" sz="4535" dirty="0">
+                <a:latin typeface="思源黑体 CN Medium" panose="020B0600000000000000" pitchFamily="34" charset="-122"/>
+                <a:ea typeface="思源黑体 CN Medium" panose="020B0600000000000000" pitchFamily="34" charset="-122"/>
               </a:defRPr>
             </a:lvl1pPr>
           </a:lstStyle>
           <a:p>
-            <a:pPr marL="609585" indent="-609585">
+            <a:pPr marL="609600" indent="-609600">
               <a:buClr>
                 <a:srgbClr val="1577BA"/>
               </a:buClr>
@@ -1399,35 +1284,29 @@
               <a:buChar char="n"/>
             </a:pPr>
             <a:r>
-              <a:rPr lang="zh-CN" altLang="en-US" sz="4533" dirty="0">
-                <a:solidFill>
-                  <a:schemeClr val="tx1"/>
-                </a:solidFill>
-                <a:latin typeface="思源黑体 CN Medium" panose="020B0600000000000000" charset="-122"/>
-                <a:ea typeface="思源黑体 CN Medium" panose="020B0600000000000000" charset="-122"/>
+              <a:rPr lang="zh-CN" altLang="en-US" sz="4535" dirty="0">
+                <a:solidFill>
+                  <a:schemeClr val="tx1"/>
+                </a:solidFill>
+                <a:latin typeface="思源黑体 CN Medium" panose="020B0600000000000000" pitchFamily="34" charset="-122"/>
+                <a:ea typeface="思源黑体 CN Medium" panose="020B0600000000000000" pitchFamily="34" charset="-122"/>
                 <a:sym typeface="+mn-ea"/>
               </a:rPr>
               <a:t> 母版已经空格了无需再增加空格</a:t>
             </a:r>
-            <a:endParaRPr lang="zh-CN" altLang="en-US" sz="4533" dirty="0">
+            <a:endParaRPr lang="zh-CN" altLang="en-US" sz="4535" dirty="0">
               <a:solidFill>
                 <a:schemeClr val="tx1"/>
               </a:solidFill>
-              <a:latin typeface="思源黑体 CN Medium" panose="020B0600000000000000" charset="-122"/>
-              <a:ea typeface="思源黑体 CN Medium" panose="020B0600000000000000" charset="-122"/>
+              <a:latin typeface="思源黑体 CN Medium" panose="020B0600000000000000" pitchFamily="34" charset="-122"/>
+              <a:ea typeface="思源黑体 CN Medium" panose="020B0600000000000000" pitchFamily="34" charset="-122"/>
             </a:endParaRPr>
           </a:p>
         </p:txBody>
       </p:sp>
       <p:sp>
         <p:nvSpPr>
-          <p:cNvPr id="11" name="文本占位符 8">
-            <a:extLst>
-              <a:ext uri="{FF2B5EF4-FFF2-40B4-BE49-F238E27FC236}">
-                <a16:creationId xmlns:a16="http://schemas.microsoft.com/office/drawing/2014/main" id="{C1A25A41-C8A4-415C-B20B-D701BB5AD920}"/>
-              </a:ext>
-            </a:extLst>
-          </p:cNvPr>
+          <p:cNvPr id="11" name="文本占位符 8"/>
           <p:cNvSpPr>
             <a:spLocks noGrp="1"/>
           </p:cNvSpPr>
@@ -1450,20 +1329,20 @@
             <a:spAutoFit/>
           </a:bodyPr>
           <a:lstStyle>
-            <a:lvl1pPr marL="609585" indent="-609585">
+            <a:lvl1pPr marL="609600" indent="-609600">
               <a:buClr>
                 <a:srgbClr val="1577BA"/>
               </a:buClr>
               <a:buFont typeface="Wingdings" panose="05000000000000000000" pitchFamily="2" charset="2"/>
               <a:buChar char="n"/>
-              <a:defRPr lang="zh-CN" altLang="en-US" sz="4533" dirty="0">
-                <a:latin typeface="思源黑体 CN Medium" panose="020B0600000000000000" charset="-122"/>
-                <a:ea typeface="思源黑体 CN Medium" panose="020B0600000000000000" charset="-122"/>
+              <a:defRPr lang="zh-CN" altLang="en-US" sz="4535" dirty="0">
+                <a:latin typeface="思源黑体 CN Medium" panose="020B0600000000000000" pitchFamily="34" charset="-122"/>
+                <a:ea typeface="思源黑体 CN Medium" panose="020B0600000000000000" pitchFamily="34" charset="-122"/>
               </a:defRPr>
             </a:lvl1pPr>
           </a:lstStyle>
           <a:p>
-            <a:pPr marL="609585" indent="-609585">
+            <a:pPr marL="609600" indent="-609600">
               <a:buClr>
                 <a:srgbClr val="1577BA"/>
               </a:buClr>
@@ -1471,35 +1350,29 @@
               <a:buChar char="n"/>
             </a:pPr>
             <a:r>
-              <a:rPr lang="zh-CN" altLang="en-US" sz="4533" dirty="0">
-                <a:solidFill>
-                  <a:schemeClr val="tx1"/>
-                </a:solidFill>
-                <a:latin typeface="思源黑体 CN Medium" panose="020B0600000000000000" charset="-122"/>
-                <a:ea typeface="思源黑体 CN Medium" panose="020B0600000000000000" charset="-122"/>
+              <a:rPr lang="zh-CN" altLang="en-US" sz="4535" dirty="0">
+                <a:solidFill>
+                  <a:schemeClr val="tx1"/>
+                </a:solidFill>
+                <a:latin typeface="思源黑体 CN Medium" panose="020B0600000000000000" pitchFamily="34" charset="-122"/>
+                <a:ea typeface="思源黑体 CN Medium" panose="020B0600000000000000" pitchFamily="34" charset="-122"/>
                 <a:sym typeface="+mn-ea"/>
               </a:rPr>
               <a:t> 母版已经空格了无需再增加空格</a:t>
             </a:r>
-            <a:endParaRPr lang="zh-CN" altLang="en-US" sz="4533" dirty="0">
+            <a:endParaRPr lang="zh-CN" altLang="en-US" sz="4535" dirty="0">
               <a:solidFill>
                 <a:schemeClr val="tx1"/>
               </a:solidFill>
-              <a:latin typeface="思源黑体 CN Medium" panose="020B0600000000000000" charset="-122"/>
-              <a:ea typeface="思源黑体 CN Medium" panose="020B0600000000000000" charset="-122"/>
+              <a:latin typeface="思源黑体 CN Medium" panose="020B0600000000000000" pitchFamily="34" charset="-122"/>
+              <a:ea typeface="思源黑体 CN Medium" panose="020B0600000000000000" pitchFamily="34" charset="-122"/>
             </a:endParaRPr>
           </a:p>
         </p:txBody>
       </p:sp>
       <p:sp>
         <p:nvSpPr>
-          <p:cNvPr id="8" name="文本占位符 8">
-            <a:extLst>
-              <a:ext uri="{FF2B5EF4-FFF2-40B4-BE49-F238E27FC236}">
-                <a16:creationId xmlns:a16="http://schemas.microsoft.com/office/drawing/2014/main" id="{BEA69160-7C75-4900-8381-D99C6BAD57A1}"/>
-              </a:ext>
-            </a:extLst>
-          </p:cNvPr>
+          <p:cNvPr id="8" name="文本占位符 8"/>
           <p:cNvSpPr>
             <a:spLocks noGrp="1"/>
           </p:cNvSpPr>
@@ -1522,20 +1395,20 @@
             <a:spAutoFit/>
           </a:bodyPr>
           <a:lstStyle>
-            <a:lvl1pPr marL="609585" indent="-609585">
+            <a:lvl1pPr marL="609600" indent="-609600">
               <a:buClr>
                 <a:srgbClr val="1577BA"/>
               </a:buClr>
               <a:buFont typeface="Wingdings" panose="05000000000000000000" pitchFamily="2" charset="2"/>
               <a:buChar char="n"/>
-              <a:defRPr lang="zh-CN" altLang="en-US" sz="4533" dirty="0">
-                <a:latin typeface="思源黑体 CN Medium" panose="020B0600000000000000" charset="-122"/>
-                <a:ea typeface="思源黑体 CN Medium" panose="020B0600000000000000" charset="-122"/>
+              <a:defRPr lang="zh-CN" altLang="en-US" sz="4535" dirty="0">
+                <a:latin typeface="思源黑体 CN Medium" panose="020B0600000000000000" pitchFamily="34" charset="-122"/>
+                <a:ea typeface="思源黑体 CN Medium" panose="020B0600000000000000" pitchFamily="34" charset="-122"/>
               </a:defRPr>
             </a:lvl1pPr>
           </a:lstStyle>
           <a:p>
-            <a:pPr marL="609585" indent="-609585">
+            <a:pPr marL="609600" indent="-609600">
               <a:buClr>
                 <a:srgbClr val="1577BA"/>
               </a:buClr>
@@ -1543,41 +1416,36 @@
               <a:buChar char="n"/>
             </a:pPr>
             <a:r>
-              <a:rPr lang="zh-CN" altLang="en-US" sz="4533" dirty="0">
-                <a:solidFill>
-                  <a:schemeClr val="tx1"/>
-                </a:solidFill>
-                <a:latin typeface="思源黑体 CN Medium" panose="020B0600000000000000" charset="-122"/>
-                <a:ea typeface="思源黑体 CN Medium" panose="020B0600000000000000" charset="-122"/>
+              <a:rPr lang="zh-CN" altLang="en-US" sz="4535" dirty="0">
+                <a:solidFill>
+                  <a:schemeClr val="tx1"/>
+                </a:solidFill>
+                <a:latin typeface="思源黑体 CN Medium" panose="020B0600000000000000" pitchFamily="34" charset="-122"/>
+                <a:ea typeface="思源黑体 CN Medium" panose="020B0600000000000000" pitchFamily="34" charset="-122"/>
                 <a:sym typeface="+mn-ea"/>
               </a:rPr>
               <a:t> 母版已经空格了无需再增加空格</a:t>
             </a:r>
-            <a:endParaRPr lang="zh-CN" altLang="en-US" sz="4533" dirty="0">
+            <a:endParaRPr lang="zh-CN" altLang="en-US" sz="4535" dirty="0">
               <a:solidFill>
                 <a:schemeClr val="tx1"/>
               </a:solidFill>
-              <a:latin typeface="思源黑体 CN Medium" panose="020B0600000000000000" charset="-122"/>
-              <a:ea typeface="思源黑体 CN Medium" panose="020B0600000000000000" charset="-122"/>
+              <a:latin typeface="思源黑体 CN Medium" panose="020B0600000000000000" pitchFamily="34" charset="-122"/>
+              <a:ea typeface="思源黑体 CN Medium" panose="020B0600000000000000" pitchFamily="34" charset="-122"/>
             </a:endParaRPr>
           </a:p>
         </p:txBody>
       </p:sp>
     </p:spTree>
-    <p:extLst>
-      <p:ext uri="{BB962C8B-B14F-4D97-AF65-F5344CB8AC3E}">
-        <p14:creationId xmlns:p14="http://schemas.microsoft.com/office/powerpoint/2010/main" val="1520214203"/>
-      </p:ext>
-    </p:extLst>
   </p:cSld>
   <p:clrMapOvr>
     <a:masterClrMapping/>
   </p:clrMapOvr>
-  <mc:AlternateContent xmlns:mc="http://schemas.openxmlformats.org/markup-compatibility/2006" xmlns:p14="http://schemas.microsoft.com/office/powerpoint/2010/main">
-    <mc:Choice Requires="p14">
+  <mc:AlternateContent xmlns:mc="http://schemas.openxmlformats.org/markup-compatibility/2006">
+    <mc:Choice xmlns:p14="http://schemas.microsoft.com/office/powerpoint/2010/main" Requires="p14">
       <p:transition p14:dur="250"/>
     </mc:Choice>
-    <mc:Fallback xmlns="">
+    <mc:Fallback>
       <p:transition/>
     </mc:Fallback>
   </mc:AlternateContent>
@@ -1603,13 +1471,7 @@
       </p:grpSpPr>
       <p:sp>
         <p:nvSpPr>
-          <p:cNvPr id="14" name="文本占位符 13">
-            <a:extLst>
-              <a:ext uri="{FF2B5EF4-FFF2-40B4-BE49-F238E27FC236}">
-                <a16:creationId xmlns:a16="http://schemas.microsoft.com/office/drawing/2014/main" id="{25FC87A2-50F7-49CD-BC95-57A6C8AE6ABE}"/>
-              </a:ext>
-            </a:extLst>
-          </p:cNvPr>
+          <p:cNvPr id="14" name="文本占位符 13"/>
           <p:cNvSpPr>
             <a:spLocks noGrp="1"/>
           </p:cNvSpPr>
@@ -1663,23 +1525,18 @@
             </a:lvl1pPr>
           </a:lstStyle>
           <a:p>
-            <a:pPr marL="0" lvl="0" algn="ctr" defTabSz="1219170"/>
+            <a:pPr marL="0" lvl="0" algn="ctr" defTabSz="1218565"/>
             <a:r>
               <a:rPr lang="zh-CN" altLang="en-US" dirty="0"/>
               <a:t>点击编辑小节标题</a:t>
             </a:r>
+            <a:endParaRPr lang="zh-CN" altLang="en-US" dirty="0"/>
           </a:p>
         </p:txBody>
       </p:sp>
       <p:sp>
         <p:nvSpPr>
-          <p:cNvPr id="3" name="Oval 5">
-            <a:extLst>
-              <a:ext uri="{FF2B5EF4-FFF2-40B4-BE49-F238E27FC236}">
-                <a16:creationId xmlns:a16="http://schemas.microsoft.com/office/drawing/2014/main" id="{53BB81F4-4FD9-4FA9-862E-E761407242EE}"/>
-              </a:ext>
-            </a:extLst>
-          </p:cNvPr>
+          <p:cNvPr id="3" name="Oval 5"/>
           <p:cNvSpPr>
             <a:spLocks noChangeArrowheads="1"/>
           </p:cNvSpPr>
@@ -1708,7 +1565,7 @@
                 <a:solidFill>
                   <a:schemeClr val="tx1"/>
                 </a:solidFill>
-                <a:latin typeface="Arial" panose="020B0604020202020204" pitchFamily="34" charset="0"/>
+                <a:latin typeface="Arial" panose="020B0604020202090204" pitchFamily="34" charset="0"/>
                 <a:ea typeface="宋体" panose="02010600030101010101" pitchFamily="2" charset="-122"/>
               </a:defRPr>
             </a:lvl1pPr>
@@ -1717,7 +1574,7 @@
                 <a:solidFill>
                   <a:schemeClr val="tx1"/>
                 </a:solidFill>
-                <a:latin typeface="Arial" panose="020B0604020202020204" pitchFamily="34" charset="0"/>
+                <a:latin typeface="Arial" panose="020B0604020202090204" pitchFamily="34" charset="0"/>
                 <a:ea typeface="宋体" panose="02010600030101010101" pitchFamily="2" charset="-122"/>
               </a:defRPr>
             </a:lvl2pPr>
@@ -1726,7 +1583,7 @@
                 <a:solidFill>
                   <a:schemeClr val="tx1"/>
                 </a:solidFill>
-                <a:latin typeface="Arial" panose="020B0604020202020204" pitchFamily="34" charset="0"/>
+                <a:latin typeface="Arial" panose="020B0604020202090204" pitchFamily="34" charset="0"/>
                 <a:ea typeface="宋体" panose="02010600030101010101" pitchFamily="2" charset="-122"/>
               </a:defRPr>
             </a:lvl3pPr>
@@ -1735,7 +1592,7 @@
                 <a:solidFill>
                   <a:schemeClr val="tx1"/>
                 </a:solidFill>
-                <a:latin typeface="Arial" panose="020B0604020202020204" pitchFamily="34" charset="0"/>
+                <a:latin typeface="Arial" panose="020B0604020202090204" pitchFamily="34" charset="0"/>
                 <a:ea typeface="宋体" panose="02010600030101010101" pitchFamily="2" charset="-122"/>
               </a:defRPr>
             </a:lvl4pPr>
@@ -1744,7 +1601,7 @@
                 <a:solidFill>
                   <a:schemeClr val="tx1"/>
                 </a:solidFill>
-                <a:latin typeface="Arial" panose="020B0604020202020204" pitchFamily="34" charset="0"/>
+                <a:latin typeface="Arial" panose="020B0604020202090204" pitchFamily="34" charset="0"/>
                 <a:ea typeface="宋体" panose="02010600030101010101" pitchFamily="2" charset="-122"/>
               </a:defRPr>
             </a:lvl5pPr>
@@ -1755,12 +1612,12 @@
               <a:spcAft>
                 <a:spcPct val="0"/>
               </a:spcAft>
-              <a:buFont typeface="Arial" panose="020B0604020202020204" pitchFamily="34" charset="0"/>
+              <a:buFont typeface="Arial" panose="020B0604020202090204" pitchFamily="34" charset="0"/>
               <a:defRPr>
                 <a:solidFill>
                   <a:schemeClr val="tx1"/>
                 </a:solidFill>
-                <a:latin typeface="Arial" panose="020B0604020202020204" pitchFamily="34" charset="0"/>
+                <a:latin typeface="Arial" panose="020B0604020202090204" pitchFamily="34" charset="0"/>
                 <a:ea typeface="宋体" panose="02010600030101010101" pitchFamily="2" charset="-122"/>
               </a:defRPr>
             </a:lvl6pPr>
@@ -1771,12 +1628,12 @@
               <a:spcAft>
                 <a:spcPct val="0"/>
               </a:spcAft>
-              <a:buFont typeface="Arial" panose="020B0604020202020204" pitchFamily="34" charset="0"/>
+              <a:buFont typeface="Arial" panose="020B0604020202090204" pitchFamily="34" charset="0"/>
               <a:defRPr>
                 <a:solidFill>
                   <a:schemeClr val="tx1"/>
                 </a:solidFill>
-                <a:latin typeface="Arial" panose="020B0604020202020204" pitchFamily="34" charset="0"/>
+                <a:latin typeface="Arial" panose="020B0604020202090204" pitchFamily="34" charset="0"/>
                 <a:ea typeface="宋体" panose="02010600030101010101" pitchFamily="2" charset="-122"/>
               </a:defRPr>
             </a:lvl7pPr>
@@ -1787,12 +1644,12 @@
               <a:spcAft>
                 <a:spcPct val="0"/>
               </a:spcAft>
-              <a:buFont typeface="Arial" panose="020B0604020202020204" pitchFamily="34" charset="0"/>
+              <a:buFont typeface="Arial" panose="020B0604020202090204" pitchFamily="34" charset="0"/>
               <a:defRPr>
                 <a:solidFill>
                   <a:schemeClr val="tx1"/>
                 </a:solidFill>
-                <a:latin typeface="Arial" panose="020B0604020202020204" pitchFamily="34" charset="0"/>
+                <a:latin typeface="Arial" panose="020B0604020202090204" pitchFamily="34" charset="0"/>
                 <a:ea typeface="宋体" panose="02010600030101010101" pitchFamily="2" charset="-122"/>
               </a:defRPr>
             </a:lvl8pPr>
@@ -1803,19 +1660,19 @@
               <a:spcAft>
                 <a:spcPct val="0"/>
               </a:spcAft>
-              <a:buFont typeface="Arial" panose="020B0604020202020204" pitchFamily="34" charset="0"/>
+              <a:buFont typeface="Arial" panose="020B0604020202090204" pitchFamily="34" charset="0"/>
               <a:defRPr>
                 <a:solidFill>
                   <a:schemeClr val="tx1"/>
                 </a:solidFill>
-                <a:latin typeface="Arial" panose="020B0604020202020204" pitchFamily="34" charset="0"/>
+                <a:latin typeface="Arial" panose="020B0604020202090204" pitchFamily="34" charset="0"/>
                 <a:ea typeface="宋体" panose="02010600030101010101" pitchFamily="2" charset="-122"/>
               </a:defRPr>
             </a:lvl9pPr>
           </a:lstStyle>
           <a:p>
             <a:pPr eaLnBrk="1" hangingPunct="1"/>
-            <a:endParaRPr lang="zh-CN" altLang="en-US" sz="4533">
+            <a:endParaRPr lang="zh-CN" altLang="en-US" sz="4535">
               <a:solidFill>
                 <a:srgbClr val="1475B2"/>
               </a:solidFill>
@@ -1827,13 +1684,7 @@
       </p:sp>
       <p:sp>
         <p:nvSpPr>
-          <p:cNvPr id="4" name="Freeform 8">
-            <a:extLst>
-              <a:ext uri="{FF2B5EF4-FFF2-40B4-BE49-F238E27FC236}">
-                <a16:creationId xmlns:a16="http://schemas.microsoft.com/office/drawing/2014/main" id="{CDDE9BC8-0616-49F7-BFAE-2BADD4FD35BE}"/>
-              </a:ext>
-            </a:extLst>
-          </p:cNvPr>
+          <p:cNvPr id="4" name="Freeform 8"/>
           <p:cNvSpPr/>
           <p:nvPr userDrawn="1"/>
         </p:nvSpPr>
@@ -1915,7 +1766,7 @@
           <a:bodyPr/>
           <a:lstStyle/>
           <a:p>
-            <a:endParaRPr lang="zh-CN" altLang="en-US" sz="4533">
+            <a:endParaRPr lang="zh-CN" altLang="en-US" sz="4535">
               <a:latin typeface="微软雅黑" panose="020B0503020204020204" pitchFamily="34" charset="-122"/>
               <a:ea typeface="微软雅黑" panose="020B0503020204020204" pitchFamily="34" charset="-122"/>
             </a:endParaRPr>
@@ -1924,13 +1775,7 @@
       </p:sp>
       <p:sp>
         <p:nvSpPr>
-          <p:cNvPr id="5" name="Oval 9">
-            <a:extLst>
-              <a:ext uri="{FF2B5EF4-FFF2-40B4-BE49-F238E27FC236}">
-                <a16:creationId xmlns:a16="http://schemas.microsoft.com/office/drawing/2014/main" id="{DD3E640C-F295-48BA-9A92-8002506DB6A9}"/>
-              </a:ext>
-            </a:extLst>
-          </p:cNvPr>
+          <p:cNvPr id="5" name="Oval 9"/>
           <p:cNvSpPr>
             <a:spLocks noChangeArrowheads="1"/>
           </p:cNvSpPr>
@@ -1950,7 +1795,6 @@
           <a:ln>
             <a:noFill/>
           </a:ln>
-          <a:extLst/>
         </p:spPr>
         <p:txBody>
           <a:bodyPr/>
@@ -1960,7 +1804,7 @@
                 <a:solidFill>
                   <a:schemeClr val="tx1"/>
                 </a:solidFill>
-                <a:latin typeface="Arial" panose="020B0604020202020204" pitchFamily="34" charset="0"/>
+                <a:latin typeface="Arial" panose="020B0604020202090204" pitchFamily="34" charset="0"/>
                 <a:ea typeface="宋体" panose="02010600030101010101" pitchFamily="2" charset="-122"/>
               </a:defRPr>
             </a:lvl1pPr>
@@ -1969,7 +1813,7 @@
                 <a:solidFill>
                   <a:schemeClr val="tx1"/>
                 </a:solidFill>
-                <a:latin typeface="Arial" panose="020B0604020202020204" pitchFamily="34" charset="0"/>
+                <a:latin typeface="Arial" panose="020B0604020202090204" pitchFamily="34" charset="0"/>
                 <a:ea typeface="宋体" panose="02010600030101010101" pitchFamily="2" charset="-122"/>
               </a:defRPr>
             </a:lvl2pPr>
@@ -1978,7 +1822,7 @@
                 <a:solidFill>
                   <a:schemeClr val="tx1"/>
                 </a:solidFill>
-                <a:latin typeface="Arial" panose="020B0604020202020204" pitchFamily="34" charset="0"/>
+                <a:latin typeface="Arial" panose="020B0604020202090204" pitchFamily="34" charset="0"/>
                 <a:ea typeface="宋体" panose="02010600030101010101" pitchFamily="2" charset="-122"/>
               </a:defRPr>
             </a:lvl3pPr>
@@ -1987,7 +1831,7 @@
                 <a:solidFill>
                   <a:schemeClr val="tx1"/>
                 </a:solidFill>
-                <a:latin typeface="Arial" panose="020B0604020202020204" pitchFamily="34" charset="0"/>
+                <a:latin typeface="Arial" panose="020B0604020202090204" pitchFamily="34" charset="0"/>
                 <a:ea typeface="宋体" panose="02010600030101010101" pitchFamily="2" charset="-122"/>
               </a:defRPr>
             </a:lvl4pPr>
@@ -1996,7 +1840,7 @@
                 <a:solidFill>
                   <a:schemeClr val="tx1"/>
                 </a:solidFill>
-                <a:latin typeface="Arial" panose="020B0604020202020204" pitchFamily="34" charset="0"/>
+                <a:latin typeface="Arial" panose="020B0604020202090204" pitchFamily="34" charset="0"/>
                 <a:ea typeface="宋体" panose="02010600030101010101" pitchFamily="2" charset="-122"/>
               </a:defRPr>
             </a:lvl5pPr>
@@ -2007,12 +1851,12 @@
               <a:spcAft>
                 <a:spcPct val="0"/>
               </a:spcAft>
-              <a:buFont typeface="Arial" panose="020B0604020202020204" pitchFamily="34" charset="0"/>
+              <a:buFont typeface="Arial" panose="020B0604020202090204" pitchFamily="34" charset="0"/>
               <a:defRPr>
                 <a:solidFill>
                   <a:schemeClr val="tx1"/>
                 </a:solidFill>
-                <a:latin typeface="Arial" panose="020B0604020202020204" pitchFamily="34" charset="0"/>
+                <a:latin typeface="Arial" panose="020B0604020202090204" pitchFamily="34" charset="0"/>
                 <a:ea typeface="宋体" panose="02010600030101010101" pitchFamily="2" charset="-122"/>
               </a:defRPr>
             </a:lvl6pPr>
@@ -2023,12 +1867,12 @@
               <a:spcAft>
                 <a:spcPct val="0"/>
               </a:spcAft>
-              <a:buFont typeface="Arial" panose="020B0604020202020204" pitchFamily="34" charset="0"/>
+              <a:buFont typeface="Arial" panose="020B0604020202090204" pitchFamily="34" charset="0"/>
               <a:defRPr>
                 <a:solidFill>
                   <a:schemeClr val="tx1"/>
                 </a:solidFill>
-                <a:latin typeface="Arial" panose="020B0604020202020204" pitchFamily="34" charset="0"/>
+                <a:latin typeface="Arial" panose="020B0604020202090204" pitchFamily="34" charset="0"/>
                 <a:ea typeface="宋体" panose="02010600030101010101" pitchFamily="2" charset="-122"/>
               </a:defRPr>
             </a:lvl7pPr>
@@ -2039,12 +1883,12 @@
               <a:spcAft>
                 <a:spcPct val="0"/>
               </a:spcAft>
-              <a:buFont typeface="Arial" panose="020B0604020202020204" pitchFamily="34" charset="0"/>
+              <a:buFont typeface="Arial" panose="020B0604020202090204" pitchFamily="34" charset="0"/>
               <a:defRPr>
                 <a:solidFill>
                   <a:schemeClr val="tx1"/>
                 </a:solidFill>
-                <a:latin typeface="Arial" panose="020B0604020202020204" pitchFamily="34" charset="0"/>
+                <a:latin typeface="Arial" panose="020B0604020202090204" pitchFamily="34" charset="0"/>
                 <a:ea typeface="宋体" panose="02010600030101010101" pitchFamily="2" charset="-122"/>
               </a:defRPr>
             </a:lvl8pPr>
@@ -2055,19 +1899,19 @@
               <a:spcAft>
                 <a:spcPct val="0"/>
               </a:spcAft>
-              <a:buFont typeface="Arial" panose="020B0604020202020204" pitchFamily="34" charset="0"/>
+              <a:buFont typeface="Arial" panose="020B0604020202090204" pitchFamily="34" charset="0"/>
               <a:defRPr>
                 <a:solidFill>
                   <a:schemeClr val="tx1"/>
                 </a:solidFill>
-                <a:latin typeface="Arial" panose="020B0604020202020204" pitchFamily="34" charset="0"/>
+                <a:latin typeface="Arial" panose="020B0604020202090204" pitchFamily="34" charset="0"/>
                 <a:ea typeface="宋体" panose="02010600030101010101" pitchFamily="2" charset="-122"/>
               </a:defRPr>
             </a:lvl9pPr>
           </a:lstStyle>
           <a:p>
             <a:pPr eaLnBrk="1" hangingPunct="1"/>
-            <a:endParaRPr lang="zh-CN" altLang="en-US" sz="4533">
+            <a:endParaRPr lang="zh-CN" altLang="en-US" sz="4535">
               <a:latin typeface="微软雅黑" panose="020B0503020204020204" pitchFamily="34" charset="-122"/>
               <a:ea typeface="微软雅黑" panose="020B0503020204020204" pitchFamily="34" charset="-122"/>
             </a:endParaRPr>
@@ -2076,13 +1920,7 @@
       </p:sp>
       <p:sp>
         <p:nvSpPr>
-          <p:cNvPr id="6" name="Oval 10">
-            <a:extLst>
-              <a:ext uri="{FF2B5EF4-FFF2-40B4-BE49-F238E27FC236}">
-                <a16:creationId xmlns:a16="http://schemas.microsoft.com/office/drawing/2014/main" id="{AA61C3E7-406A-4941-8473-2CF8B63ED714}"/>
-              </a:ext>
-            </a:extLst>
-          </p:cNvPr>
+          <p:cNvPr id="6" name="Oval 10"/>
           <p:cNvSpPr>
             <a:spLocks noChangeArrowheads="1"/>
           </p:cNvSpPr>
@@ -2102,7 +1940,6 @@
           <a:ln>
             <a:noFill/>
           </a:ln>
-          <a:extLst/>
         </p:spPr>
         <p:txBody>
           <a:bodyPr/>
@@ -2112,7 +1949,7 @@
                 <a:solidFill>
                   <a:schemeClr val="tx1"/>
                 </a:solidFill>
-                <a:latin typeface="Arial" panose="020B0604020202020204" pitchFamily="34" charset="0"/>
+                <a:latin typeface="Arial" panose="020B0604020202090204" pitchFamily="34" charset="0"/>
                 <a:ea typeface="宋体" panose="02010600030101010101" pitchFamily="2" charset="-122"/>
               </a:defRPr>
             </a:lvl1pPr>
@@ -2121,7 +1958,7 @@
                 <a:solidFill>
                   <a:schemeClr val="tx1"/>
                 </a:solidFill>
-                <a:latin typeface="Arial" panose="020B0604020202020204" pitchFamily="34" charset="0"/>
+                <a:latin typeface="Arial" panose="020B0604020202090204" pitchFamily="34" charset="0"/>
                 <a:ea typeface="宋体" panose="02010600030101010101" pitchFamily="2" charset="-122"/>
               </a:defRPr>
             </a:lvl2pPr>
@@ -2130,7 +1967,7 @@
                 <a:solidFill>
                   <a:schemeClr val="tx1"/>
                 </a:solidFill>
-                <a:latin typeface="Arial" panose="020B0604020202020204" pitchFamily="34" charset="0"/>
+                <a:latin typeface="Arial" panose="020B0604020202090204" pitchFamily="34" charset="0"/>
                 <a:ea typeface="宋体" panose="02010600030101010101" pitchFamily="2" charset="-122"/>
               </a:defRPr>
             </a:lvl3pPr>
@@ -2139,7 +1976,7 @@
                 <a:solidFill>
                   <a:schemeClr val="tx1"/>
                 </a:solidFill>
-                <a:latin typeface="Arial" panose="020B0604020202020204" pitchFamily="34" charset="0"/>
+                <a:latin typeface="Arial" panose="020B0604020202090204" pitchFamily="34" charset="0"/>
                 <a:ea typeface="宋体" panose="02010600030101010101" pitchFamily="2" charset="-122"/>
               </a:defRPr>
             </a:lvl4pPr>
@@ -2148,7 +1985,7 @@
                 <a:solidFill>
                   <a:schemeClr val="tx1"/>
                 </a:solidFill>
-                <a:latin typeface="Arial" panose="020B0604020202020204" pitchFamily="34" charset="0"/>
+                <a:latin typeface="Arial" panose="020B0604020202090204" pitchFamily="34" charset="0"/>
                 <a:ea typeface="宋体" panose="02010600030101010101" pitchFamily="2" charset="-122"/>
               </a:defRPr>
             </a:lvl5pPr>
@@ -2159,12 +1996,12 @@
               <a:spcAft>
                 <a:spcPct val="0"/>
               </a:spcAft>
-              <a:buFont typeface="Arial" panose="020B0604020202020204" pitchFamily="34" charset="0"/>
+              <a:buFont typeface="Arial" panose="020B0604020202090204" pitchFamily="34" charset="0"/>
               <a:defRPr>
                 <a:solidFill>
                   <a:schemeClr val="tx1"/>
                 </a:solidFill>
-                <a:latin typeface="Arial" panose="020B0604020202020204" pitchFamily="34" charset="0"/>
+                <a:latin typeface="Arial" panose="020B0604020202090204" pitchFamily="34" charset="0"/>
                 <a:ea typeface="宋体" panose="02010600030101010101" pitchFamily="2" charset="-122"/>
               </a:defRPr>
             </a:lvl6pPr>
@@ -2175,12 +2012,12 @@
               <a:spcAft>
                 <a:spcPct val="0"/>
               </a:spcAft>
-              <a:buFont typeface="Arial" panose="020B0604020202020204" pitchFamily="34" charset="0"/>
+              <a:buFont typeface="Arial" panose="020B0604020202090204" pitchFamily="34" charset="0"/>
               <a:defRPr>
                 <a:solidFill>
                   <a:schemeClr val="tx1"/>
                 </a:solidFill>
-                <a:latin typeface="Arial" panose="020B0604020202020204" pitchFamily="34" charset="0"/>
+                <a:latin typeface="Arial" panose="020B0604020202090204" pitchFamily="34" charset="0"/>
                 <a:ea typeface="宋体" panose="02010600030101010101" pitchFamily="2" charset="-122"/>
               </a:defRPr>
             </a:lvl7pPr>
@@ -2191,12 +2028,12 @@
               <a:spcAft>
                 <a:spcPct val="0"/>
               </a:spcAft>
-              <a:buFont typeface="Arial" panose="020B0604020202020204" pitchFamily="34" charset="0"/>
+              <a:buFont typeface="Arial" panose="020B0604020202090204" pitchFamily="34" charset="0"/>
               <a:defRPr>
                 <a:solidFill>
                   <a:schemeClr val="tx1"/>
                 </a:solidFill>
-                <a:latin typeface="Arial" panose="020B0604020202020204" pitchFamily="34" charset="0"/>
+                <a:latin typeface="Arial" panose="020B0604020202090204" pitchFamily="34" charset="0"/>
                 <a:ea typeface="宋体" panose="02010600030101010101" pitchFamily="2" charset="-122"/>
               </a:defRPr>
             </a:lvl8pPr>
@@ -2207,19 +2044,19 @@
               <a:spcAft>
                 <a:spcPct val="0"/>
               </a:spcAft>
-              <a:buFont typeface="Arial" panose="020B0604020202020204" pitchFamily="34" charset="0"/>
+              <a:buFont typeface="Arial" panose="020B0604020202090204" pitchFamily="34" charset="0"/>
               <a:defRPr>
                 <a:solidFill>
                   <a:schemeClr val="tx1"/>
                 </a:solidFill>
-                <a:latin typeface="Arial" panose="020B0604020202020204" pitchFamily="34" charset="0"/>
+                <a:latin typeface="Arial" panose="020B0604020202090204" pitchFamily="34" charset="0"/>
                 <a:ea typeface="宋体" panose="02010600030101010101" pitchFamily="2" charset="-122"/>
               </a:defRPr>
             </a:lvl9pPr>
           </a:lstStyle>
           <a:p>
             <a:pPr eaLnBrk="1" hangingPunct="1"/>
-            <a:endParaRPr lang="zh-CN" altLang="en-US" sz="4533">
+            <a:endParaRPr lang="zh-CN" altLang="en-US" sz="4535">
               <a:latin typeface="微软雅黑" panose="020B0503020204020204" pitchFamily="34" charset="-122"/>
               <a:ea typeface="微软雅黑" panose="020B0503020204020204" pitchFamily="34" charset="-122"/>
             </a:endParaRPr>
@@ -2228,13 +2065,7 @@
       </p:sp>
       <p:cxnSp>
         <p:nvCxnSpPr>
-          <p:cNvPr id="8" name="直接连接符 15">
-            <a:extLst>
-              <a:ext uri="{FF2B5EF4-FFF2-40B4-BE49-F238E27FC236}">
-                <a16:creationId xmlns:a16="http://schemas.microsoft.com/office/drawing/2014/main" id="{F100A95F-33C9-4843-935E-18B401549000}"/>
-              </a:ext>
-            </a:extLst>
-          </p:cNvPr>
+          <p:cNvPr id="8" name="直接连接符 15"/>
           <p:cNvCxnSpPr>
             <a:cxnSpLocks noChangeShapeType="1"/>
           </p:cNvCxnSpPr>
@@ -2276,16 +2107,8 @@
       </p:cxnSp>
       <p:pic>
         <p:nvPicPr>
-          <p:cNvPr id="10" name="图片 9">
-            <a:extLst>
-              <a:ext uri="{FF2B5EF4-FFF2-40B4-BE49-F238E27FC236}">
-                <a16:creationId xmlns:a16="http://schemas.microsoft.com/office/drawing/2014/main" id="{F7B74D16-7210-4451-AA97-0FB8487D8182}"/>
-              </a:ext>
-            </a:extLst>
-          </p:cNvPr>
-          <p:cNvPicPr>
-            <a:picLocks/>
-          </p:cNvPicPr>
+          <p:cNvPr id="10" name="图片 9"/>
+          <p:cNvPicPr/>
           <p:nvPr userDrawn="1"/>
         </p:nvPicPr>
         <p:blipFill>
@@ -2312,13 +2135,7 @@
       </p:pic>
       <p:sp>
         <p:nvSpPr>
-          <p:cNvPr id="12" name="文本占位符 11">
-            <a:extLst>
-              <a:ext uri="{FF2B5EF4-FFF2-40B4-BE49-F238E27FC236}">
-                <a16:creationId xmlns:a16="http://schemas.microsoft.com/office/drawing/2014/main" id="{207E5A8C-5A43-4E29-9DEC-6CAB2C3AB75A}"/>
-              </a:ext>
-            </a:extLst>
-          </p:cNvPr>
+          <p:cNvPr id="12" name="文本占位符 11"/>
           <p:cNvSpPr>
             <a:spLocks noGrp="1"/>
           </p:cNvSpPr>
@@ -2375,7 +2192,7 @@
             </a:lvl1pPr>
           </a:lstStyle>
           <a:p>
-            <a:pPr marL="0" lvl="0" defTabSz="1219170"/>
+            <a:pPr marL="0" lvl="0" defTabSz="1218565"/>
             <a:r>
               <a:rPr lang="en-US" altLang="zh-CN" dirty="0"/>
               <a:t>01</a:t>
@@ -2385,20 +2202,15 @@
         </p:txBody>
       </p:sp>
     </p:spTree>
-    <p:extLst>
-      <p:ext uri="{BB962C8B-B14F-4D97-AF65-F5344CB8AC3E}">
-        <p14:creationId xmlns:p14="http://schemas.microsoft.com/office/powerpoint/2010/main" val="837172029"/>
-      </p:ext>
-    </p:extLst>
   </p:cSld>
   <p:clrMapOvr>
     <a:masterClrMapping/>
   </p:clrMapOvr>
-  <mc:AlternateContent xmlns:mc="http://schemas.openxmlformats.org/markup-compatibility/2006" xmlns:p14="http://schemas.microsoft.com/office/powerpoint/2010/main">
-    <mc:Choice Requires="p14">
+  <mc:AlternateContent xmlns:mc="http://schemas.openxmlformats.org/markup-compatibility/2006">
+    <mc:Choice xmlns:p14="http://schemas.microsoft.com/office/powerpoint/2010/main" Requires="p14">
       <p:transition p14:dur="250"/>
     </mc:Choice>
-    <mc:Fallback xmlns="">
+    <mc:Fallback>
       <p:transition/>
     </mc:Fallback>
   </mc:AlternateContent>
@@ -2464,7 +2276,7 @@
           <a:lstStyle/>
           <a:p>
             <a:pPr algn="ctr"/>
-            <a:endParaRPr lang="zh-CN" altLang="en-US" sz="4533"/>
+            <a:endParaRPr lang="zh-CN" altLang="en-US" sz="4535"/>
           </a:p>
         </p:txBody>
       </p:sp>
@@ -2510,19 +2322,13 @@
           <a:lstStyle/>
           <a:p>
             <a:pPr algn="ctr"/>
-            <a:endParaRPr lang="zh-CN" altLang="en-US" sz="4533"/>
+            <a:endParaRPr lang="zh-CN" altLang="en-US" sz="4535"/>
           </a:p>
         </p:txBody>
       </p:sp>
       <p:sp>
         <p:nvSpPr>
-          <p:cNvPr id="11" name="标题占位符 1">
-            <a:extLst>
-              <a:ext uri="{FF2B5EF4-FFF2-40B4-BE49-F238E27FC236}">
-                <a16:creationId xmlns:a16="http://schemas.microsoft.com/office/drawing/2014/main" id="{EA6C54D6-C8C8-4305-995F-2B10D81B93BB}"/>
-              </a:ext>
-            </a:extLst>
-          </p:cNvPr>
+          <p:cNvPr id="11" name="标题占位符 1"/>
           <p:cNvSpPr>
             <a:spLocks noGrp="1"/>
           </p:cNvSpPr>
@@ -2549,21 +2355,14 @@
               <a:rPr lang="zh-CN" altLang="en-US" dirty="0"/>
               <a:t>单击此处编辑标题样式</a:t>
             </a:r>
+            <a:endParaRPr lang="zh-CN" altLang="en-US" dirty="0"/>
           </a:p>
         </p:txBody>
       </p:sp>
       <p:pic>
         <p:nvPicPr>
-          <p:cNvPr id="12" name="图片 11">
-            <a:extLst>
-              <a:ext uri="{FF2B5EF4-FFF2-40B4-BE49-F238E27FC236}">
-                <a16:creationId xmlns:a16="http://schemas.microsoft.com/office/drawing/2014/main" id="{4B2ACB2B-1903-44A0-84E5-3FF920F9DC66}"/>
-              </a:ext>
-            </a:extLst>
-          </p:cNvPr>
-          <p:cNvPicPr>
-            <a:picLocks/>
-          </p:cNvPicPr>
+          <p:cNvPr id="12" name="图片 11"/>
+          <p:cNvPicPr/>
           <p:nvPr userDrawn="1"/>
         </p:nvPicPr>
         <p:blipFill>
@@ -2590,13 +2389,7 @@
       </p:pic>
       <p:sp>
         <p:nvSpPr>
-          <p:cNvPr id="6" name="文本占位符 10">
-            <a:extLst>
-              <a:ext uri="{FF2B5EF4-FFF2-40B4-BE49-F238E27FC236}">
-                <a16:creationId xmlns:a16="http://schemas.microsoft.com/office/drawing/2014/main" id="{BC0E6AFA-BE06-4A56-B047-70A6D6CA60FD}"/>
-              </a:ext>
-            </a:extLst>
-          </p:cNvPr>
+          <p:cNvPr id="6" name="文本占位符 10"/>
           <p:cNvSpPr>
             <a:spLocks noGrp="1"/>
           </p:cNvSpPr>
@@ -2616,18 +2409,18 @@
         <p:txBody>
           <a:bodyPr/>
           <a:lstStyle>
-            <a:lvl1pPr marL="863578" indent="-863578">
+            <a:lvl1pPr marL="863600" indent="-863600">
               <a:buClr>
                 <a:srgbClr val="1577BA"/>
               </a:buClr>
-              <a:buFont typeface="Arial" panose="020B0604020202020204" pitchFamily="34" charset="0"/>
+              <a:buFont typeface="Arial" panose="020B0604020202090204" pitchFamily="34" charset="0"/>
               <a:buChar char="•"/>
               <a:defRPr lang="zh-CN" altLang="en-US" sz="6400" b="0" kern="1200" dirty="0" smtClean="0">
                 <a:solidFill>
                   <a:srgbClr val="1577BA"/>
                 </a:solidFill>
-                <a:latin typeface="思源黑体 CN Normal" panose="020B0400000000000000" pitchFamily="34" charset="-122"/>
-                <a:ea typeface="思源黑体 CN Normal" panose="020B0400000000000000" pitchFamily="34" charset="-122"/>
+                <a:latin typeface="思源黑体 CN Normal" panose="020B0400000000000000" charset="-122"/>
+                <a:ea typeface="思源黑体 CN Normal" panose="020B0400000000000000" charset="-122"/>
                 <a:cs typeface="+mn-cs"/>
               </a:defRPr>
             </a:lvl1pPr>
@@ -2636,20 +2429,21 @@
             </a:lvl2pPr>
           </a:lstStyle>
           <a:p>
-            <a:pPr marL="863578" lvl="0" indent="-863578" algn="l" defTabSz="2303722" rtl="0" eaLnBrk="1" latinLnBrk="0" hangingPunct="1">
+            <a:pPr marL="863600" lvl="0" indent="-863600" algn="l" defTabSz="2303145" rtl="0" eaLnBrk="1" latinLnBrk="0" hangingPunct="1">
               <a:lnSpc>
                 <a:spcPct val="150000"/>
               </a:lnSpc>
               <a:spcBef>
-                <a:spcPts val="247"/>
+                <a:spcPts val="245"/>
               </a:spcBef>
-              <a:buFont typeface="Arial" panose="020B0604020202020204" pitchFamily="34" charset="0"/>
+              <a:buFont typeface="Arial" panose="020B0604020202090204" pitchFamily="34" charset="0"/>
               <a:buChar char="•"/>
             </a:pPr>
             <a:r>
               <a:rPr lang="zh-CN" altLang="en-US" dirty="0"/>
               <a:t>编辑文本样式</a:t>
             </a:r>
+            <a:endParaRPr lang="zh-CN" altLang="en-US" dirty="0"/>
           </a:p>
           <a:p>
             <a:pPr lvl="1"/>
@@ -2657,6 +2451,7 @@
               <a:rPr lang="zh-CN" altLang="en-US" dirty="0"/>
               <a:t>第二级</a:t>
             </a:r>
+            <a:endParaRPr lang="zh-CN" altLang="en-US" dirty="0"/>
           </a:p>
           <a:p>
             <a:pPr lvl="2"/>
@@ -2664,6 +2459,7 @@
               <a:rPr lang="zh-CN" altLang="en-US" dirty="0"/>
               <a:t>第三级</a:t>
             </a:r>
+            <a:endParaRPr lang="zh-CN" altLang="en-US" dirty="0"/>
           </a:p>
           <a:p>
             <a:pPr lvl="3"/>
@@ -2671,6 +2467,7 @@
               <a:rPr lang="zh-CN" altLang="en-US" dirty="0"/>
               <a:t>第四级</a:t>
             </a:r>
+            <a:endParaRPr lang="zh-CN" altLang="en-US" dirty="0"/>
           </a:p>
           <a:p>
             <a:pPr lvl="4"/>
@@ -2678,6 +2475,7 @@
               <a:rPr lang="zh-CN" altLang="en-US" dirty="0"/>
               <a:t>第五级</a:t>
             </a:r>
+            <a:endParaRPr lang="zh-CN" altLang="en-US" dirty="0"/>
           </a:p>
         </p:txBody>
       </p:sp>
@@ -2686,11 +2484,11 @@
   <p:clrMapOvr>
     <a:masterClrMapping/>
   </p:clrMapOvr>
-  <mc:AlternateContent xmlns:mc="http://schemas.openxmlformats.org/markup-compatibility/2006" xmlns:p14="http://schemas.microsoft.com/office/powerpoint/2010/main">
-    <mc:Choice Requires="p14">
+  <mc:AlternateContent xmlns:mc="http://schemas.openxmlformats.org/markup-compatibility/2006">
+    <mc:Choice xmlns:p14="http://schemas.microsoft.com/office/powerpoint/2010/main" Requires="p14">
       <p:transition p14:dur="250"/>
     </mc:Choice>
-    <mc:Fallback xmlns="">
+    <mc:Fallback>
       <p:transition/>
     </mc:Fallback>
   </mc:AlternateContent>
@@ -2716,13 +2514,7 @@
       </p:grpSpPr>
       <p:sp>
         <p:nvSpPr>
-          <p:cNvPr id="12" name="文本占位符 10">
-            <a:extLst>
-              <a:ext uri="{FF2B5EF4-FFF2-40B4-BE49-F238E27FC236}">
-                <a16:creationId xmlns:a16="http://schemas.microsoft.com/office/drawing/2014/main" id="{1E07D668-9210-479A-B0E4-037C210B5209}"/>
-              </a:ext>
-            </a:extLst>
-          </p:cNvPr>
+          <p:cNvPr id="12" name="文本占位符 10"/>
           <p:cNvSpPr>
             <a:spLocks noGrp="1"/>
           </p:cNvSpPr>
@@ -2742,13 +2534,13 @@
         <p:txBody>
           <a:bodyPr/>
           <a:lstStyle>
-            <a:lvl1pPr marL="863578" indent="-863578">
+            <a:lvl1pPr marL="863600" indent="-863600">
               <a:defRPr lang="zh-CN" altLang="en-US" sz="6400" b="0" kern="1200" dirty="0" smtClean="0">
                 <a:solidFill>
                   <a:srgbClr val="1577BA"/>
                 </a:solidFill>
-                <a:latin typeface="思源黑体 CN Normal" panose="020B0400000000000000" pitchFamily="34" charset="-122"/>
-                <a:ea typeface="思源黑体 CN Normal" panose="020B0400000000000000" pitchFamily="34" charset="-122"/>
+                <a:latin typeface="思源黑体 CN Normal" panose="020B0400000000000000" charset="-122"/>
+                <a:ea typeface="思源黑体 CN Normal" panose="020B0400000000000000" charset="-122"/>
                 <a:cs typeface="+mn-cs"/>
               </a:defRPr>
             </a:lvl1pPr>
@@ -2757,20 +2549,21 @@
             </a:lvl2pPr>
           </a:lstStyle>
           <a:p>
-            <a:pPr marL="863578" lvl="0" indent="-863578" algn="l" defTabSz="2303722" rtl="0" eaLnBrk="1" latinLnBrk="0" hangingPunct="1">
+            <a:pPr marL="863600" lvl="0" indent="-863600" algn="l" defTabSz="2303145" rtl="0" eaLnBrk="1" latinLnBrk="0" hangingPunct="1">
               <a:lnSpc>
                 <a:spcPct val="150000"/>
               </a:lnSpc>
               <a:spcBef>
-                <a:spcPts val="247"/>
+                <a:spcPts val="245"/>
               </a:spcBef>
-              <a:buFont typeface="Arial" panose="020B0604020202020204" pitchFamily="34" charset="0"/>
+              <a:buFont typeface="Arial" panose="020B0604020202090204" pitchFamily="34" charset="0"/>
               <a:buChar char="•"/>
             </a:pPr>
             <a:r>
               <a:rPr lang="zh-CN" altLang="en-US" dirty="0"/>
               <a:t>编辑文本样式</a:t>
             </a:r>
+            <a:endParaRPr lang="zh-CN" altLang="en-US" dirty="0"/>
           </a:p>
           <a:p>
             <a:pPr lvl="1"/>
@@ -2778,6 +2571,7 @@
               <a:rPr lang="zh-CN" altLang="en-US" dirty="0"/>
               <a:t>第二级</a:t>
             </a:r>
+            <a:endParaRPr lang="zh-CN" altLang="en-US" dirty="0"/>
           </a:p>
           <a:p>
             <a:pPr lvl="2"/>
@@ -2785,6 +2579,7 @@
               <a:rPr lang="zh-CN" altLang="en-US" dirty="0"/>
               <a:t>第三级</a:t>
             </a:r>
+            <a:endParaRPr lang="zh-CN" altLang="en-US" dirty="0"/>
           </a:p>
           <a:p>
             <a:pPr lvl="3"/>
@@ -2792,6 +2587,7 @@
               <a:rPr lang="zh-CN" altLang="en-US" dirty="0"/>
               <a:t>第四级</a:t>
             </a:r>
+            <a:endParaRPr lang="zh-CN" altLang="en-US" dirty="0"/>
           </a:p>
           <a:p>
             <a:pPr lvl="4"/>
@@ -2799,18 +2595,13 @@
               <a:rPr lang="zh-CN" altLang="en-US" dirty="0"/>
               <a:t>第五级</a:t>
             </a:r>
+            <a:endParaRPr lang="zh-CN" altLang="en-US" dirty="0"/>
           </a:p>
         </p:txBody>
       </p:sp>
       <p:sp>
         <p:nvSpPr>
-          <p:cNvPr id="3" name="标题占位符 1">
-            <a:extLst>
-              <a:ext uri="{FF2B5EF4-FFF2-40B4-BE49-F238E27FC236}">
-                <a16:creationId xmlns:a16="http://schemas.microsoft.com/office/drawing/2014/main" id="{CAB2867E-9B5C-4ECA-A4A6-981C127840EB}"/>
-              </a:ext>
-            </a:extLst>
-          </p:cNvPr>
+          <p:cNvPr id="3" name="标题占位符 1"/>
           <p:cNvSpPr>
             <a:spLocks noGrp="1"/>
           </p:cNvSpPr>
@@ -2837,18 +2628,13 @@
               <a:rPr lang="zh-CN" altLang="en-US" dirty="0"/>
               <a:t>单击此处编辑标题样式</a:t>
             </a:r>
+            <a:endParaRPr lang="zh-CN" altLang="en-US" dirty="0"/>
           </a:p>
         </p:txBody>
       </p:sp>
       <p:sp>
         <p:nvSpPr>
-          <p:cNvPr id="4" name="矩形 3">
-            <a:extLst>
-              <a:ext uri="{FF2B5EF4-FFF2-40B4-BE49-F238E27FC236}">
-                <a16:creationId xmlns:a16="http://schemas.microsoft.com/office/drawing/2014/main" id="{3CBB117A-7A32-4734-96D9-311F2E8D4167}"/>
-              </a:ext>
-            </a:extLst>
-          </p:cNvPr>
+          <p:cNvPr id="4" name="矩形 3"/>
           <p:cNvSpPr/>
           <p:nvPr userDrawn="1"/>
         </p:nvSpPr>
@@ -2888,22 +2674,14 @@
           <a:lstStyle/>
           <a:p>
             <a:pPr algn="ctr"/>
-            <a:endParaRPr lang="zh-CN" altLang="en-US" sz="4533"/>
+            <a:endParaRPr lang="zh-CN" altLang="en-US" sz="4535"/>
           </a:p>
         </p:txBody>
       </p:sp>
       <p:pic>
         <p:nvPicPr>
-          <p:cNvPr id="5" name="图片 4">
-            <a:extLst>
-              <a:ext uri="{FF2B5EF4-FFF2-40B4-BE49-F238E27FC236}">
-                <a16:creationId xmlns:a16="http://schemas.microsoft.com/office/drawing/2014/main" id="{016C09CD-D4C8-4449-9375-B14FAEA58BEF}"/>
-              </a:ext>
-            </a:extLst>
-          </p:cNvPr>
-          <p:cNvPicPr>
-            <a:picLocks/>
-          </p:cNvPicPr>
+          <p:cNvPr id="5" name="图片 4"/>
+          <p:cNvPicPr/>
           <p:nvPr userDrawn="1"/>
         </p:nvPicPr>
         <p:blipFill>
@@ -2930,13 +2708,7 @@
       </p:pic>
       <p:sp>
         <p:nvSpPr>
-          <p:cNvPr id="11" name="文本占位符 10">
-            <a:extLst>
-              <a:ext uri="{FF2B5EF4-FFF2-40B4-BE49-F238E27FC236}">
-                <a16:creationId xmlns:a16="http://schemas.microsoft.com/office/drawing/2014/main" id="{8BE14DE9-A25D-4339-ACE2-0F82AE58BB40}"/>
-              </a:ext>
-            </a:extLst>
-          </p:cNvPr>
+          <p:cNvPr id="11" name="文本占位符 10"/>
           <p:cNvSpPr>
             <a:spLocks noGrp="1"/>
           </p:cNvSpPr>
@@ -2956,13 +2728,13 @@
         <p:txBody>
           <a:bodyPr/>
           <a:lstStyle>
-            <a:lvl1pPr marL="863578" indent="-863578">
+            <a:lvl1pPr marL="863600" indent="-863600">
               <a:defRPr lang="zh-CN" altLang="en-US" sz="6400" b="0" kern="1200" dirty="0" smtClean="0">
                 <a:solidFill>
                   <a:srgbClr val="1577BA"/>
                 </a:solidFill>
-                <a:latin typeface="思源黑体 CN Normal" panose="020B0400000000000000" pitchFamily="34" charset="-122"/>
-                <a:ea typeface="思源黑体 CN Normal" panose="020B0400000000000000" pitchFamily="34" charset="-122"/>
+                <a:latin typeface="思源黑体 CN Normal" panose="020B0400000000000000" charset="-122"/>
+                <a:ea typeface="思源黑体 CN Normal" panose="020B0400000000000000" charset="-122"/>
                 <a:cs typeface="+mn-cs"/>
               </a:defRPr>
             </a:lvl1pPr>
@@ -2971,20 +2743,21 @@
             </a:lvl2pPr>
           </a:lstStyle>
           <a:p>
-            <a:pPr marL="863578" lvl="0" indent="-863578" algn="l" defTabSz="2303722" rtl="0" eaLnBrk="1" latinLnBrk="0" hangingPunct="1">
+            <a:pPr marL="863600" lvl="0" indent="-863600" algn="l" defTabSz="2303145" rtl="0" eaLnBrk="1" latinLnBrk="0" hangingPunct="1">
               <a:lnSpc>
                 <a:spcPct val="150000"/>
               </a:lnSpc>
               <a:spcBef>
-                <a:spcPts val="247"/>
+                <a:spcPts val="245"/>
               </a:spcBef>
-              <a:buFont typeface="Arial" panose="020B0604020202020204" pitchFamily="34" charset="0"/>
+              <a:buFont typeface="Arial" panose="020B0604020202090204" pitchFamily="34" charset="0"/>
               <a:buChar char="•"/>
             </a:pPr>
             <a:r>
               <a:rPr lang="zh-CN" altLang="en-US" dirty="0"/>
               <a:t>编辑文本样式</a:t>
             </a:r>
+            <a:endParaRPr lang="zh-CN" altLang="en-US" dirty="0"/>
           </a:p>
           <a:p>
             <a:pPr lvl="1"/>
@@ -2992,6 +2765,7 @@
               <a:rPr lang="zh-CN" altLang="en-US" dirty="0"/>
               <a:t>第二级</a:t>
             </a:r>
+            <a:endParaRPr lang="zh-CN" altLang="en-US" dirty="0"/>
           </a:p>
           <a:p>
             <a:pPr lvl="2"/>
@@ -2999,6 +2773,7 @@
               <a:rPr lang="zh-CN" altLang="en-US" dirty="0"/>
               <a:t>第三级</a:t>
             </a:r>
+            <a:endParaRPr lang="zh-CN" altLang="en-US" dirty="0"/>
           </a:p>
           <a:p>
             <a:pPr lvl="3"/>
@@ -3006,6 +2781,7 @@
               <a:rPr lang="zh-CN" altLang="en-US" dirty="0"/>
               <a:t>第四级</a:t>
             </a:r>
+            <a:endParaRPr lang="zh-CN" altLang="en-US" dirty="0"/>
           </a:p>
           <a:p>
             <a:pPr lvl="4"/>
@@ -3013,6 +2789,7 @@
               <a:rPr lang="zh-CN" altLang="en-US" dirty="0"/>
               <a:t>第五级</a:t>
             </a:r>
+            <a:endParaRPr lang="zh-CN" altLang="en-US" dirty="0"/>
           </a:p>
         </p:txBody>
       </p:sp>
@@ -3021,11 +2798,11 @@
   <p:clrMapOvr>
     <a:masterClrMapping/>
   </p:clrMapOvr>
-  <mc:AlternateContent xmlns:mc="http://schemas.openxmlformats.org/markup-compatibility/2006" xmlns:p14="http://schemas.microsoft.com/office/powerpoint/2010/main">
-    <mc:Choice Requires="p14">
+  <mc:AlternateContent xmlns:mc="http://schemas.openxmlformats.org/markup-compatibility/2006">
+    <mc:Choice xmlns:p14="http://schemas.microsoft.com/office/powerpoint/2010/main" Requires="p14">
       <p:transition p14:dur="250"/>
     </mc:Choice>
-    <mc:Fallback xmlns="">
+    <mc:Fallback>
       <p:transition/>
     </mc:Fallback>
   </mc:AlternateContent>
@@ -3051,13 +2828,7 @@
       </p:grpSpPr>
       <p:sp>
         <p:nvSpPr>
-          <p:cNvPr id="3" name="流程图: 过程 2">
-            <a:extLst>
-              <a:ext uri="{FF2B5EF4-FFF2-40B4-BE49-F238E27FC236}">
-                <a16:creationId xmlns:a16="http://schemas.microsoft.com/office/drawing/2014/main" id="{D4948CA5-5C16-41AE-8E1C-1DA29260DD48}"/>
-              </a:ext>
-            </a:extLst>
-          </p:cNvPr>
+          <p:cNvPr id="3" name="流程图: 过程 2"/>
           <p:cNvSpPr/>
           <p:nvPr userDrawn="1"/>
         </p:nvSpPr>
@@ -3097,19 +2868,13 @@
           <a:lstStyle/>
           <a:p>
             <a:pPr algn="ctr"/>
-            <a:endParaRPr lang="zh-CN" altLang="en-US" sz="4533"/>
+            <a:endParaRPr lang="zh-CN" altLang="en-US" sz="4535"/>
           </a:p>
         </p:txBody>
       </p:sp>
       <p:pic>
         <p:nvPicPr>
-          <p:cNvPr id="4" name="图片 3">
-            <a:extLst>
-              <a:ext uri="{FF2B5EF4-FFF2-40B4-BE49-F238E27FC236}">
-                <a16:creationId xmlns:a16="http://schemas.microsoft.com/office/drawing/2014/main" id="{82AA536A-767A-4EDC-A78B-2FF14A4EB452}"/>
-              </a:ext>
-            </a:extLst>
-          </p:cNvPr>
+          <p:cNvPr id="4" name="图片 3"/>
           <p:cNvPicPr>
             <a:picLocks noChangeAspect="1"/>
           </p:cNvPicPr>
@@ -3134,13 +2899,7 @@
       </p:pic>
       <p:sp>
         <p:nvSpPr>
-          <p:cNvPr id="5" name="流程图: 过程 4">
-            <a:extLst>
-              <a:ext uri="{FF2B5EF4-FFF2-40B4-BE49-F238E27FC236}">
-                <a16:creationId xmlns:a16="http://schemas.microsoft.com/office/drawing/2014/main" id="{22B1AF27-A059-44B2-9EF8-E230255A8B1A}"/>
-              </a:ext>
-            </a:extLst>
-          </p:cNvPr>
+          <p:cNvPr id="5" name="流程图: 过程 4"/>
           <p:cNvSpPr/>
           <p:nvPr userDrawn="1"/>
         </p:nvSpPr>
@@ -3180,19 +2939,13 @@
           <a:lstStyle/>
           <a:p>
             <a:pPr algn="ctr"/>
-            <a:endParaRPr lang="zh-CN" altLang="en-US" sz="4533"/>
+            <a:endParaRPr lang="zh-CN" altLang="en-US" sz="4535"/>
           </a:p>
         </p:txBody>
       </p:sp>
       <p:sp>
         <p:nvSpPr>
-          <p:cNvPr id="6" name="矩形 5">
-            <a:extLst>
-              <a:ext uri="{FF2B5EF4-FFF2-40B4-BE49-F238E27FC236}">
-                <a16:creationId xmlns:a16="http://schemas.microsoft.com/office/drawing/2014/main" id="{1FBC0FE5-4AFA-4E34-8EE1-5891EADEC13F}"/>
-              </a:ext>
-            </a:extLst>
-          </p:cNvPr>
+          <p:cNvPr id="6" name="矩形 5"/>
           <p:cNvSpPr/>
           <p:nvPr userDrawn="1"/>
         </p:nvSpPr>
@@ -3238,13 +2991,7 @@
       </p:sp>
       <p:cxnSp>
         <p:nvCxnSpPr>
-          <p:cNvPr id="7" name="直线连接符 14">
-            <a:extLst>
-              <a:ext uri="{FF2B5EF4-FFF2-40B4-BE49-F238E27FC236}">
-                <a16:creationId xmlns:a16="http://schemas.microsoft.com/office/drawing/2014/main" id="{68A9C55E-0BFB-460E-8F25-FD0B1F7F8A93}"/>
-              </a:ext>
-            </a:extLst>
-          </p:cNvPr>
+          <p:cNvPr id="7" name="直线连接符 14"/>
           <p:cNvCxnSpPr/>
           <p:nvPr userDrawn="1"/>
         </p:nvCxnSpPr>
@@ -3279,16 +3026,8 @@
       </p:cxnSp>
       <p:pic>
         <p:nvPicPr>
-          <p:cNvPr id="9" name="图片 8">
-            <a:extLst>
-              <a:ext uri="{FF2B5EF4-FFF2-40B4-BE49-F238E27FC236}">
-                <a16:creationId xmlns:a16="http://schemas.microsoft.com/office/drawing/2014/main" id="{278D5601-B2CE-40A9-B5B5-75CCA3E4C778}"/>
-              </a:ext>
-            </a:extLst>
-          </p:cNvPr>
-          <p:cNvPicPr>
-            <a:picLocks/>
-          </p:cNvPicPr>
+          <p:cNvPr id="9" name="图片 8"/>
+          <p:cNvPicPr/>
           <p:nvPr userDrawn="1"/>
         </p:nvPicPr>
         <p:blipFill>
@@ -3315,13 +3054,7 @@
       </p:pic>
       <p:sp>
         <p:nvSpPr>
-          <p:cNvPr id="11" name="标题 1">
-            <a:extLst>
-              <a:ext uri="{FF2B5EF4-FFF2-40B4-BE49-F238E27FC236}">
-                <a16:creationId xmlns:a16="http://schemas.microsoft.com/office/drawing/2014/main" id="{2873B6DF-FBC4-4A83-9ECC-82C9AB036859}"/>
-              </a:ext>
-            </a:extLst>
-          </p:cNvPr>
+          <p:cNvPr id="11" name="标题 1"/>
           <p:cNvSpPr>
             <a:spLocks noGrp="1"/>
           </p:cNvSpPr>
@@ -3350,30 +3083,33 @@
                 <a:solidFill>
                   <a:schemeClr val="bg1"/>
                 </a:solidFill>
-                <a:latin typeface="思源黑体 CN Normal" panose="020B0400000000000000" pitchFamily="34" charset="-122"/>
-                <a:ea typeface="思源黑体 CN Normal" panose="020B0400000000000000" pitchFamily="34" charset="-122"/>
+                <a:latin typeface="思源黑体 CN Normal" panose="020B0400000000000000" charset="-122"/>
+                <a:ea typeface="思源黑体 CN Normal" panose="020B0400000000000000" charset="-122"/>
                 <a:cs typeface="Times New Roman" panose="02020603050405020304" pitchFamily="18" charset="0"/>
               </a:rPr>
               <a:t>谢谢观看</a:t>
             </a:r>
+            <a:endParaRPr lang="zh-CN" altLang="en-US" sz="14000" b="1" dirty="0">
+              <a:solidFill>
+                <a:schemeClr val="bg1"/>
+              </a:solidFill>
+              <a:latin typeface="思源黑体 CN Normal" panose="020B0400000000000000" charset="-122"/>
+              <a:ea typeface="思源黑体 CN Normal" panose="020B0400000000000000" charset="-122"/>
+              <a:cs typeface="Times New Roman" panose="02020603050405020304" pitchFamily="18" charset="0"/>
+            </a:endParaRPr>
           </a:p>
         </p:txBody>
       </p:sp>
     </p:spTree>
-    <p:extLst>
-      <p:ext uri="{BB962C8B-B14F-4D97-AF65-F5344CB8AC3E}">
-        <p14:creationId xmlns:p14="http://schemas.microsoft.com/office/powerpoint/2010/main" val="922774534"/>
-      </p:ext>
-    </p:extLst>
   </p:cSld>
   <p:clrMapOvr>
     <a:masterClrMapping/>
   </p:clrMapOvr>
-  <mc:AlternateContent xmlns:mc="http://schemas.openxmlformats.org/markup-compatibility/2006" xmlns:p14="http://schemas.microsoft.com/office/powerpoint/2010/main">
-    <mc:Choice Requires="p14">
+  <mc:AlternateContent xmlns:mc="http://schemas.openxmlformats.org/markup-compatibility/2006">
+    <mc:Choice xmlns:p14="http://schemas.microsoft.com/office/powerpoint/2010/main" Requires="p14">
       <p:transition p14:dur="250"/>
     </mc:Choice>
-    <mc:Fallback xmlns="">
+    <mc:Fallback>
       <p:transition/>
     </mc:Fallback>
   </mc:AlternateContent>
@@ -3406,25 +3142,25 @@
   </p:cSld>
   <p:clrMap bg1="lt1" tx1="dk1" bg2="lt2" tx2="dk2" accent1="accent1" accent2="accent2" accent3="accent3" accent4="accent4" accent5="accent5" accent6="accent6" hlink="hlink" folHlink="folHlink"/>
   <p:sldLayoutIdLst>
-    <p:sldLayoutId id="2147483652" r:id="rId1"/>
-    <p:sldLayoutId id="2147483651" r:id="rId2"/>
-    <p:sldLayoutId id="2147483653" r:id="rId3"/>
-    <p:sldLayoutId id="2147483649" r:id="rId4"/>
-    <p:sldLayoutId id="2147483650" r:id="rId5"/>
+    <p:sldLayoutId id="2147483649" r:id="rId1"/>
+    <p:sldLayoutId id="2147483650" r:id="rId2"/>
+    <p:sldLayoutId id="2147483651" r:id="rId3"/>
+    <p:sldLayoutId id="2147483652" r:id="rId4"/>
+    <p:sldLayoutId id="2147483653" r:id="rId5"/>
     <p:sldLayoutId id="2147483654" r:id="rId6"/>
   </p:sldLayoutIdLst>
-  <mc:AlternateContent xmlns:mc="http://schemas.openxmlformats.org/markup-compatibility/2006" xmlns:p14="http://schemas.microsoft.com/office/powerpoint/2010/main">
-    <mc:Choice Requires="p14">
+  <mc:AlternateContent xmlns:mc="http://schemas.openxmlformats.org/markup-compatibility/2006">
+    <mc:Choice xmlns:p14="http://schemas.microsoft.com/office/powerpoint/2010/main" Requires="p14">
       <p:transition p14:dur="250"/>
     </mc:Choice>
-    <mc:Fallback xmlns="">
+    <mc:Fallback>
       <p:transition/>
     </mc:Fallback>
   </mc:AlternateContent>
   <p:hf sldNum="0" hdr="0" dt="0"/>
   <p:txStyles>
     <p:titleStyle>
-      <a:lvl1pPr algn="l" defTabSz="2303722" rtl="0" eaLnBrk="1" latinLnBrk="0" hangingPunct="1">
+      <a:lvl1pPr algn="l" defTabSz="2303145" rtl="0" eaLnBrk="1" latinLnBrk="0" hangingPunct="1">
         <a:spcBef>
           <a:spcPct val="0"/>
         </a:spcBef>
@@ -3440,16 +3176,16 @@
       </a:lvl1pPr>
     </p:titleStyle>
     <p:bodyStyle>
-      <a:lvl1pPr marL="863578" indent="-863578" algn="l" defTabSz="2303722" rtl="0" eaLnBrk="1" latinLnBrk="0" hangingPunct="1">
+      <a:lvl1pPr marL="863600" indent="-863600" algn="l" defTabSz="2303145" rtl="0" eaLnBrk="1" latinLnBrk="0" hangingPunct="1">
         <a:lnSpc>
           <a:spcPct val="150000"/>
         </a:lnSpc>
         <a:spcBef>
-          <a:spcPts val="247"/>
+          <a:spcPts val="245"/>
         </a:spcBef>
-        <a:buFont typeface="Arial" panose="020B0604020202020204" pitchFamily="34" charset="0"/>
+        <a:buFont typeface="Arial" panose="020B0604020202090204" pitchFamily="34" charset="0"/>
         <a:buChar char="•"/>
-        <a:defRPr sz="6047" b="0" kern="1200">
+        <a:defRPr sz="6045" b="0" kern="1200">
           <a:solidFill>
             <a:schemeClr val="tx1"/>
           </a:solidFill>
@@ -3458,16 +3194,16 @@
           <a:cs typeface="+mn-cs"/>
         </a:defRPr>
       </a:lvl1pPr>
-      <a:lvl2pPr marL="1871933" indent="-719649" algn="l" defTabSz="2303722" rtl="0" eaLnBrk="1" latinLnBrk="0" hangingPunct="1">
+      <a:lvl2pPr marL="1871980" indent="-719455" algn="l" defTabSz="2303145" rtl="0" eaLnBrk="1" latinLnBrk="0" hangingPunct="1">
         <a:lnSpc>
           <a:spcPct val="150000"/>
         </a:lnSpc>
         <a:spcBef>
-          <a:spcPts val="247"/>
+          <a:spcPts val="245"/>
         </a:spcBef>
-        <a:buFont typeface="Arial" panose="020B0604020202020204" pitchFamily="34" charset="0"/>
+        <a:buFont typeface="Arial" panose="020B0604020202090204" pitchFamily="34" charset="0"/>
         <a:buChar char="–"/>
-        <a:defRPr sz="4533" b="0" kern="1200">
+        <a:defRPr sz="4535" b="0" kern="1200">
           <a:solidFill>
             <a:schemeClr val="tx1"/>
           </a:solidFill>
@@ -3476,16 +3212,16 @@
           <a:cs typeface="+mn-cs"/>
         </a:defRPr>
       </a:lvl2pPr>
-      <a:lvl3pPr marL="2880288" indent="-575719" algn="l" defTabSz="2303722" rtl="0" eaLnBrk="1" latinLnBrk="0" hangingPunct="1">
+      <a:lvl3pPr marL="2880360" indent="-575945" algn="l" defTabSz="2303145" rtl="0" eaLnBrk="1" latinLnBrk="0" hangingPunct="1">
         <a:lnSpc>
           <a:spcPct val="150000"/>
         </a:lnSpc>
         <a:spcBef>
-          <a:spcPts val="247"/>
+          <a:spcPts val="245"/>
         </a:spcBef>
-        <a:buFont typeface="Arial" panose="020B0604020202020204" pitchFamily="34" charset="0"/>
+        <a:buFont typeface="Arial" panose="020B0604020202090204" pitchFamily="34" charset="0"/>
         <a:buChar char="•"/>
-        <a:defRPr sz="4533" b="0" kern="1200">
+        <a:defRPr sz="4535" b="0" kern="1200">
           <a:solidFill>
             <a:schemeClr val="tx1"/>
           </a:solidFill>
@@ -3494,16 +3230,16 @@
           <a:cs typeface="+mn-cs"/>
         </a:defRPr>
       </a:lvl3pPr>
-      <a:lvl4pPr marL="4031726" indent="-575719" algn="l" defTabSz="2303722" rtl="0" eaLnBrk="1" latinLnBrk="0" hangingPunct="1">
+      <a:lvl4pPr marL="4031615" indent="-575945" algn="l" defTabSz="2303145" rtl="0" eaLnBrk="1" latinLnBrk="0" hangingPunct="1">
         <a:lnSpc>
           <a:spcPct val="150000"/>
         </a:lnSpc>
         <a:spcBef>
-          <a:spcPts val="247"/>
+          <a:spcPts val="245"/>
         </a:spcBef>
-        <a:buFont typeface="Arial" panose="020B0604020202020204" pitchFamily="34" charset="0"/>
+        <a:buFont typeface="Arial" panose="020B0604020202090204" pitchFamily="34" charset="0"/>
         <a:buChar char="–"/>
-        <a:defRPr sz="4533" b="0" kern="1200">
+        <a:defRPr sz="4535" b="0" kern="1200">
           <a:solidFill>
             <a:schemeClr val="tx1"/>
           </a:solidFill>
@@ -3512,16 +3248,16 @@
           <a:cs typeface="+mn-cs"/>
         </a:defRPr>
       </a:lvl4pPr>
-      <a:lvl5pPr marL="5184010" indent="-575719" algn="l" defTabSz="2303722" rtl="0" eaLnBrk="1" latinLnBrk="0" hangingPunct="1">
+      <a:lvl5pPr marL="5184140" indent="-575945" algn="l" defTabSz="2303145" rtl="0" eaLnBrk="1" latinLnBrk="0" hangingPunct="1">
         <a:lnSpc>
           <a:spcPct val="150000"/>
         </a:lnSpc>
         <a:spcBef>
-          <a:spcPts val="247"/>
+          <a:spcPts val="245"/>
         </a:spcBef>
-        <a:buFont typeface="Arial" panose="020B0604020202020204" pitchFamily="34" charset="0"/>
+        <a:buFont typeface="Arial" panose="020B0604020202090204" pitchFamily="34" charset="0"/>
         <a:buChar char="»"/>
-        <a:defRPr sz="4533" b="0" kern="1200">
+        <a:defRPr sz="4535" b="0" kern="1200">
           <a:solidFill>
             <a:schemeClr val="tx1"/>
           </a:solidFill>
@@ -3530,11 +3266,11 @@
           <a:cs typeface="+mn-cs"/>
         </a:defRPr>
       </a:lvl5pPr>
-      <a:lvl6pPr marL="6335448" indent="-575719" algn="l" defTabSz="2303722" rtl="0" eaLnBrk="1" latinLnBrk="0" hangingPunct="1">
+      <a:lvl6pPr marL="6335395" indent="-575945" algn="l" defTabSz="2303145" rtl="0" eaLnBrk="1" latinLnBrk="0" hangingPunct="1">
         <a:spcBef>
-          <a:spcPts val="247"/>
+          <a:spcPts val="245"/>
         </a:spcBef>
-        <a:buFont typeface="Arial" panose="020B0604020202020204" pitchFamily="34" charset="0"/>
+        <a:buFont typeface="Arial" panose="020B0604020202090204" pitchFamily="34" charset="0"/>
         <a:buChar char="•"/>
         <a:defRPr sz="5040" kern="1200">
           <a:solidFill>
@@ -3545,11 +3281,11 @@
           <a:cs typeface="+mn-cs"/>
         </a:defRPr>
       </a:lvl6pPr>
-      <a:lvl7pPr marL="7487733" indent="-575719" algn="l" defTabSz="2303722" rtl="0" eaLnBrk="1" latinLnBrk="0" hangingPunct="1">
+      <a:lvl7pPr marL="7487920" indent="-575945" algn="l" defTabSz="2303145" rtl="0" eaLnBrk="1" latinLnBrk="0" hangingPunct="1">
         <a:spcBef>
-          <a:spcPts val="247"/>
+          <a:spcPts val="245"/>
         </a:spcBef>
-        <a:buFont typeface="Arial" panose="020B0604020202020204" pitchFamily="34" charset="0"/>
+        <a:buFont typeface="Arial" panose="020B0604020202090204" pitchFamily="34" charset="0"/>
         <a:buChar char="•"/>
         <a:defRPr sz="5040" kern="1200">
           <a:solidFill>
@@ -3560,11 +3296,11 @@
           <a:cs typeface="+mn-cs"/>
         </a:defRPr>
       </a:lvl7pPr>
-      <a:lvl8pPr marL="8640017" indent="-575719" algn="l" defTabSz="2303722" rtl="0" eaLnBrk="1" latinLnBrk="0" hangingPunct="1">
+      <a:lvl8pPr marL="8639810" indent="-575945" algn="l" defTabSz="2303145" rtl="0" eaLnBrk="1" latinLnBrk="0" hangingPunct="1">
         <a:spcBef>
-          <a:spcPts val="247"/>
+          <a:spcPts val="245"/>
         </a:spcBef>
-        <a:buFont typeface="Arial" panose="020B0604020202020204" pitchFamily="34" charset="0"/>
+        <a:buFont typeface="Arial" panose="020B0604020202090204" pitchFamily="34" charset="0"/>
         <a:buChar char="•"/>
         <a:defRPr sz="5040" kern="1200">
           <a:solidFill>
@@ -3575,11 +3311,11 @@
           <a:cs typeface="+mn-cs"/>
         </a:defRPr>
       </a:lvl8pPr>
-      <a:lvl9pPr marL="9791455" indent="-575719" algn="l" defTabSz="2303722" rtl="0" eaLnBrk="1" latinLnBrk="0" hangingPunct="1">
+      <a:lvl9pPr marL="9791700" indent="-575945" algn="l" defTabSz="2303145" rtl="0" eaLnBrk="1" latinLnBrk="0" hangingPunct="1">
         <a:spcBef>
-          <a:spcPts val="247"/>
+          <a:spcPts val="245"/>
         </a:spcBef>
-        <a:buFont typeface="Arial" panose="020B0604020202020204" pitchFamily="34" charset="0"/>
+        <a:buFont typeface="Arial" panose="020B0604020202090204" pitchFamily="34" charset="0"/>
         <a:buChar char="•"/>
         <a:defRPr sz="5040" kern="1200">
           <a:solidFill>
@@ -3595,8 +3331,8 @@
       <a:defPPr>
         <a:defRPr lang="zh-CN"/>
       </a:defPPr>
-      <a:lvl1pPr marL="0" algn="l" defTabSz="2303722" rtl="0" eaLnBrk="1" latinLnBrk="0" hangingPunct="1">
-        <a:defRPr sz="4533" kern="1200">
+      <a:lvl1pPr marL="0" algn="l" defTabSz="2303145" rtl="0" eaLnBrk="1" latinLnBrk="0" hangingPunct="1">
+        <a:defRPr sz="4535" kern="1200">
           <a:solidFill>
             <a:schemeClr val="tx1"/>
           </a:solidFill>
@@ -3605,8 +3341,8 @@
           <a:cs typeface="+mn-cs"/>
         </a:defRPr>
       </a:lvl1pPr>
-      <a:lvl2pPr marL="1152285" algn="l" defTabSz="2303722" rtl="0" eaLnBrk="1" latinLnBrk="0" hangingPunct="1">
-        <a:defRPr sz="4533" kern="1200">
+      <a:lvl2pPr marL="1152525" algn="l" defTabSz="2303145" rtl="0" eaLnBrk="1" latinLnBrk="0" hangingPunct="1">
+        <a:defRPr sz="4535" kern="1200">
           <a:solidFill>
             <a:schemeClr val="tx1"/>
           </a:solidFill>
@@ -3615,8 +3351,8 @@
           <a:cs typeface="+mn-cs"/>
         </a:defRPr>
       </a:lvl2pPr>
-      <a:lvl3pPr marL="2303722" algn="l" defTabSz="2303722" rtl="0" eaLnBrk="1" latinLnBrk="0" hangingPunct="1">
-        <a:defRPr sz="4533" kern="1200">
+      <a:lvl3pPr marL="2303780" algn="l" defTabSz="2303145" rtl="0" eaLnBrk="1" latinLnBrk="0" hangingPunct="1">
+        <a:defRPr sz="4535" kern="1200">
           <a:solidFill>
             <a:schemeClr val="tx1"/>
           </a:solidFill>
@@ -3625,8 +3361,8 @@
           <a:cs typeface="+mn-cs"/>
         </a:defRPr>
       </a:lvl3pPr>
-      <a:lvl4pPr marL="3456007" algn="l" defTabSz="2303722" rtl="0" eaLnBrk="1" latinLnBrk="0" hangingPunct="1">
-        <a:defRPr sz="4533" kern="1200">
+      <a:lvl4pPr marL="3456305" algn="l" defTabSz="2303145" rtl="0" eaLnBrk="1" latinLnBrk="0" hangingPunct="1">
+        <a:defRPr sz="4535" kern="1200">
           <a:solidFill>
             <a:schemeClr val="tx1"/>
           </a:solidFill>
@@ -3635,8 +3371,8 @@
           <a:cs typeface="+mn-cs"/>
         </a:defRPr>
       </a:lvl4pPr>
-      <a:lvl5pPr marL="4608291" algn="l" defTabSz="2303722" rtl="0" eaLnBrk="1" latinLnBrk="0" hangingPunct="1">
-        <a:defRPr sz="4533" kern="1200">
+      <a:lvl5pPr marL="4608195" algn="l" defTabSz="2303145" rtl="0" eaLnBrk="1" latinLnBrk="0" hangingPunct="1">
+        <a:defRPr sz="4535" kern="1200">
           <a:solidFill>
             <a:schemeClr val="tx1"/>
           </a:solidFill>
@@ -3645,8 +3381,8 @@
           <a:cs typeface="+mn-cs"/>
         </a:defRPr>
       </a:lvl5pPr>
-      <a:lvl6pPr marL="5759729" algn="l" defTabSz="2303722" rtl="0" eaLnBrk="1" latinLnBrk="0" hangingPunct="1">
-        <a:defRPr sz="4533" kern="1200">
+      <a:lvl6pPr marL="5759450" algn="l" defTabSz="2303145" rtl="0" eaLnBrk="1" latinLnBrk="0" hangingPunct="1">
+        <a:defRPr sz="4535" kern="1200">
           <a:solidFill>
             <a:schemeClr val="tx1"/>
           </a:solidFill>
@@ -3655,8 +3391,8 @@
           <a:cs typeface="+mn-cs"/>
         </a:defRPr>
       </a:lvl6pPr>
-      <a:lvl7pPr marL="6912014" algn="l" defTabSz="2303722" rtl="0" eaLnBrk="1" latinLnBrk="0" hangingPunct="1">
-        <a:defRPr sz="4533" kern="1200">
+      <a:lvl7pPr marL="6911975" algn="l" defTabSz="2303145" rtl="0" eaLnBrk="1" latinLnBrk="0" hangingPunct="1">
+        <a:defRPr sz="4535" kern="1200">
           <a:solidFill>
             <a:schemeClr val="tx1"/>
           </a:solidFill>
@@ -3665,8 +3401,8 @@
           <a:cs typeface="+mn-cs"/>
         </a:defRPr>
       </a:lvl7pPr>
-      <a:lvl8pPr marL="8063452" algn="l" defTabSz="2303722" rtl="0" eaLnBrk="1" latinLnBrk="0" hangingPunct="1">
-        <a:defRPr sz="4533" kern="1200">
+      <a:lvl8pPr marL="8063230" algn="l" defTabSz="2303145" rtl="0" eaLnBrk="1" latinLnBrk="0" hangingPunct="1">
+        <a:defRPr sz="4535" kern="1200">
           <a:solidFill>
             <a:schemeClr val="tx1"/>
           </a:solidFill>
@@ -3675,8 +3411,8 @@
           <a:cs typeface="+mn-cs"/>
         </a:defRPr>
       </a:lvl8pPr>
-      <a:lvl9pPr marL="9215736" algn="l" defTabSz="2303722" rtl="0" eaLnBrk="1" latinLnBrk="0" hangingPunct="1">
-        <a:defRPr sz="4533" kern="1200">
+      <a:lvl9pPr marL="9215755" algn="l" defTabSz="2303145" rtl="0" eaLnBrk="1" latinLnBrk="0" hangingPunct="1">
+        <a:defRPr sz="4535" kern="1200">
           <a:solidFill>
             <a:schemeClr val="tx1"/>
           </a:solidFill>
@@ -3709,13 +3445,7 @@
       </p:grpSpPr>
       <p:sp>
         <p:nvSpPr>
-          <p:cNvPr id="2" name="文本占位符 1">
-            <a:extLst>
-              <a:ext uri="{FF2B5EF4-FFF2-40B4-BE49-F238E27FC236}">
-                <a16:creationId xmlns:a16="http://schemas.microsoft.com/office/drawing/2014/main" id="{F8C5E892-D689-4757-A262-EF90F1C77580}"/>
-              </a:ext>
-            </a:extLst>
-          </p:cNvPr>
+          <p:cNvPr id="2" name="文本占位符 1"/>
           <p:cNvSpPr>
             <a:spLocks noGrp="1"/>
           </p:cNvSpPr>
@@ -3746,13 +3476,7 @@
       </p:sp>
       <p:sp>
         <p:nvSpPr>
-          <p:cNvPr id="3" name="文本占位符 2">
-            <a:extLst>
-              <a:ext uri="{FF2B5EF4-FFF2-40B4-BE49-F238E27FC236}">
-                <a16:creationId xmlns:a16="http://schemas.microsoft.com/office/drawing/2014/main" id="{464A9890-4674-4D0F-8809-336B91D5FC82}"/>
-              </a:ext>
-            </a:extLst>
-          </p:cNvPr>
+          <p:cNvPr id="3" name="文本占位符 2"/>
           <p:cNvSpPr>
             <a:spLocks noGrp="1"/>
           </p:cNvSpPr>
@@ -3779,20 +3503,15 @@
         </p:txBody>
       </p:sp>
     </p:spTree>
-    <p:extLst>
-      <p:ext uri="{BB962C8B-B14F-4D97-AF65-F5344CB8AC3E}">
-        <p14:creationId xmlns:p14="http://schemas.microsoft.com/office/powerpoint/2010/main" val="1268967648"/>
-      </p:ext>
-    </p:extLst>
   </p:cSld>
   <p:clrMapOvr>
     <a:masterClrMapping/>
   </p:clrMapOvr>
-  <mc:AlternateContent xmlns:mc="http://schemas.openxmlformats.org/markup-compatibility/2006" xmlns:p14="http://schemas.microsoft.com/office/powerpoint/2010/main">
-    <mc:Choice Requires="p14">
+  <mc:AlternateContent xmlns:mc="http://schemas.openxmlformats.org/markup-compatibility/2006">
+    <mc:Choice xmlns:p14="http://schemas.microsoft.com/office/powerpoint/2010/main" Requires="p14">
       <p:transition p14:dur="250"/>
     </mc:Choice>
-    <mc:Fallback xmlns="">
+    <mc:Fallback>
       <p:transition/>
     </mc:Fallback>
   </mc:AlternateContent>
@@ -3825,13 +3544,7 @@
       </p:grpSpPr>
       <p:sp>
         <p:nvSpPr>
-          <p:cNvPr id="2" name="标题 1">
-            <a:extLst>
-              <a:ext uri="{FF2B5EF4-FFF2-40B4-BE49-F238E27FC236}">
-                <a16:creationId xmlns:a16="http://schemas.microsoft.com/office/drawing/2014/main" id="{7696DFAD-5D60-4A4E-9357-D1CC052F52E4}"/>
-              </a:ext>
-            </a:extLst>
-          </p:cNvPr>
+          <p:cNvPr id="2" name="标题 1"/>
           <p:cNvSpPr>
             <a:spLocks noGrp="1"/>
           </p:cNvSpPr>
@@ -3846,11 +3559,7 @@
           <a:p>
             <a:r>
               <a:rPr lang="zh-CN" altLang="en-US" dirty="0" smtClean="0"/>
-              <a:t>命令模式</a:t>
-            </a:r>
-            <a:r>
-              <a:rPr lang="zh-CN" altLang="en-US" dirty="0" smtClean="0"/>
-              <a:t>的基本结构</a:t>
+              <a:t>命令模式的基本结构</a:t>
             </a:r>
             <a:endParaRPr lang="zh-CN" altLang="en-US" dirty="0"/>
           </a:p>
@@ -3858,13 +3567,7 @@
       </p:sp>
       <p:sp>
         <p:nvSpPr>
-          <p:cNvPr id="28" name="矩形 27">
-            <a:extLst>
-              <a:ext uri="{FF2B5EF4-FFF2-40B4-BE49-F238E27FC236}">
-                <a16:creationId xmlns:a16="http://schemas.microsoft.com/office/drawing/2014/main" id="{5C115680-B283-4F0D-8FAB-16C24DEA3D48}"/>
-              </a:ext>
-            </a:extLst>
-          </p:cNvPr>
+          <p:cNvPr id="28" name="矩形 27"/>
           <p:cNvSpPr/>
           <p:nvPr/>
         </p:nvSpPr>
@@ -3910,13 +3613,7 @@
       </p:sp>
       <p:sp>
         <p:nvSpPr>
-          <p:cNvPr id="29" name="统计每日学习时长…">
-            <a:extLst>
-              <a:ext uri="{FF2B5EF4-FFF2-40B4-BE49-F238E27FC236}">
-                <a16:creationId xmlns:a16="http://schemas.microsoft.com/office/drawing/2014/main" id="{2A438058-9625-422A-8F1B-63D2D81603E5}"/>
-              </a:ext>
-            </a:extLst>
-          </p:cNvPr>
+          <p:cNvPr id="29" name="统计每日学习时长…"/>
           <p:cNvSpPr txBox="1"/>
           <p:nvPr/>
         </p:nvSpPr>
@@ -3931,11 +3628,6 @@
           <a:ln w="12700">
             <a:miter lim="400000"/>
           </a:ln>
-          <a:extLst>
-            <a:ext uri="{C572A759-6A51-4108-AA02-DFA0A04FC94B}">
-              <ma14:wrappingTextBoxFlag xmlns="" xmlns:ma14="http://schemas.microsoft.com/office/mac/drawingml/2011/main" val="1"/>
-            </a:ext>
-          </a:extLst>
         </p:spPr>
         <p:txBody>
           <a:bodyPr wrap="square" lIns="45721" tIns="45721" rIns="45721" bIns="45721">
@@ -3959,7 +3651,7 @@
           </a:lstStyle>
           <a:p>
             <a:pPr marL="457200" indent="-457200" defTabSz="914400">
-              <a:buFont typeface="Wingdings" charset="2"/>
+              <a:buFont typeface="Wingdings" panose="05000000000000000000" pitchFamily="2" charset="2"/>
               <a:buChar char="l"/>
               <a:defRPr sz="3400">
                 <a:solidFill>
@@ -3972,21 +3664,15 @@
               </a:defRPr>
             </a:pPr>
             <a:endParaRPr lang="zh-CN" altLang="en-US" dirty="0">
-              <a:latin typeface="思源黑体 CN Normal" panose="020B0400000000000000" pitchFamily="34" charset="-122"/>
-              <a:ea typeface="思源黑体 CN Normal" panose="020B0400000000000000" pitchFamily="34" charset="-122"/>
+              <a:latin typeface="思源黑体 CN Normal" panose="020B0400000000000000" charset="-122"/>
+              <a:ea typeface="思源黑体 CN Normal" panose="020B0400000000000000" charset="-122"/>
             </a:endParaRPr>
           </a:p>
         </p:txBody>
       </p:sp>
       <p:sp>
         <p:nvSpPr>
-          <p:cNvPr id="31" name="矩形 30">
-            <a:extLst>
-              <a:ext uri="{FF2B5EF4-FFF2-40B4-BE49-F238E27FC236}">
-                <a16:creationId xmlns:a16="http://schemas.microsoft.com/office/drawing/2014/main" id="{DD4663EC-2B6E-484A-8652-B4D4FE5658C8}"/>
-              </a:ext>
-            </a:extLst>
-          </p:cNvPr>
+          <p:cNvPr id="31" name="矩形 30"/>
           <p:cNvSpPr/>
           <p:nvPr/>
         </p:nvSpPr>
@@ -4136,6 +3822,14 @@
               </a:rPr>
               <a:t>?</a:t>
             </a:r>
+            <a:endParaRPr kumimoji="1" lang="en-US" altLang="zh-CN" sz="2800" dirty="0">
+              <a:solidFill>
+                <a:srgbClr val="C9C9C9"/>
+              </a:solidFill>
+              <a:latin typeface="DejaVu Sans Mono" panose="020B0609030804020204" pitchFamily="49" charset="0"/>
+              <a:ea typeface="DejaVu Sans Mono" panose="020B0609030804020204" pitchFamily="49" charset="0"/>
+              <a:cs typeface="DejaVu Sans Mono" panose="020B0609030804020204" pitchFamily="49" charset="0"/>
+            </a:endParaRPr>
           </a:p>
           <a:p>
             <a:pPr lvl="1"/>
@@ -4170,7 +3864,7 @@
           <p:nvPr/>
         </p:nvPicPr>
         <p:blipFill>
-          <a:blip r:embed="rId2">
+          <a:blip r:embed="rId1">
             <a:extLst>
               <a:ext uri="{28A0092B-C50C-407E-A947-70E740481C1C}">
                 <a14:useLocalDpi xmlns:a14="http://schemas.microsoft.com/office/drawing/2010/main" val="0"/>
@@ -4193,20 +3887,14 @@
       </p:pic>
       <p:sp>
         <p:nvSpPr>
-          <p:cNvPr id="9" name="统计每日学习时长…">
-            <a:extLst>
-              <a:ext uri="{FF2B5EF4-FFF2-40B4-BE49-F238E27FC236}">
-                <a16:creationId xmlns:a16="http://schemas.microsoft.com/office/drawing/2014/main" id="{2A438058-9625-422A-8F1B-63D2D81603E5}"/>
-              </a:ext>
-            </a:extLst>
-          </p:cNvPr>
+          <p:cNvPr id="9" name="统计每日学习时长…"/>
           <p:cNvSpPr txBox="1"/>
           <p:nvPr/>
         </p:nvSpPr>
         <p:spPr>
           <a:xfrm>
             <a:off x="3282205" y="9090328"/>
-            <a:ext cx="16826809" cy="676341"/>
+            <a:ext cx="16826809" cy="1346835"/>
           </a:xfrm>
           <a:prstGeom prst="rect">
             <a:avLst/>
@@ -4214,11 +3902,6 @@
           <a:ln w="12700">
             <a:miter lim="400000"/>
           </a:ln>
-          <a:extLst>
-            <a:ext uri="{C572A759-6A51-4108-AA02-DFA0A04FC94B}">
-              <ma14:wrappingTextBoxFlag xmlns="" xmlns:ma14="http://schemas.microsoft.com/office/mac/drawingml/2011/main" val="1"/>
-            </a:ext>
-          </a:extLst>
         </p:spPr>
         <p:txBody>
           <a:bodyPr wrap="square" lIns="45721" tIns="45721" rIns="45721" bIns="45721">
@@ -4242,7 +3925,7 @@
           </a:lstStyle>
           <a:p>
             <a:pPr marL="457200" indent="-457200" defTabSz="914400">
-              <a:buFont typeface="Wingdings" charset="2"/>
+              <a:buFont typeface="Wingdings" panose="05000000000000000000" pitchFamily="2" charset="2"/>
               <a:buChar char="l"/>
               <a:defRPr sz="3400">
                 <a:solidFill>
@@ -4256,33 +3939,152 @@
             </a:pPr>
             <a:r>
               <a:rPr lang="zh-CN" altLang="en-US" dirty="0" smtClean="0">
-                <a:latin typeface="思源黑体 CN Normal" panose="020B0400000000000000" pitchFamily="34" charset="-122"/>
-                <a:ea typeface="思源黑体 CN Normal" panose="020B0400000000000000" pitchFamily="34" charset="-122"/>
+                <a:latin typeface="思源黑体 CN Normal" panose="020B0400000000000000" charset="-122"/>
+                <a:ea typeface="思源黑体 CN Normal" panose="020B0400000000000000" charset="-122"/>
               </a:rPr>
-              <a:t>再调用 与实现 间加上一层命令层</a:t>
-            </a:r>
-            <a:endParaRPr lang="zh-CN" altLang="en-US" dirty="0">
-              <a:latin typeface="思源黑体 CN Normal" panose="020B0400000000000000" pitchFamily="34" charset="-122"/>
-              <a:ea typeface="思源黑体 CN Normal" panose="020B0400000000000000" pitchFamily="34" charset="-122"/>
+              <a:t>在调用 与实现 间加上一层命令层</a:t>
+            </a:r>
+            <a:r>
+              <a:rPr lang="en-US" altLang="zh-CN" dirty="0" smtClean="0">
+                <a:latin typeface="思源黑体 CN Normal" panose="020B0400000000000000" charset="-122"/>
+                <a:ea typeface="思源黑体 CN Normal" panose="020B0400000000000000" charset="-122"/>
+              </a:rPr>
+              <a:t>action</a:t>
+            </a:r>
+            <a:r>
+              <a:rPr lang="zh-CN" altLang="en-US" dirty="0" smtClean="0">
+                <a:latin typeface="思源黑体 CN Normal" panose="020B0400000000000000" charset="-122"/>
+                <a:ea typeface="思源黑体 CN Normal" panose="020B0400000000000000" charset="-122"/>
+              </a:rPr>
+              <a:t>方法实现</a:t>
+            </a:r>
+            <a:r>
+              <a:rPr lang="en-US" altLang="zh-CN" dirty="0" smtClean="0">
+                <a:latin typeface="思源黑体 CN Normal" panose="020B0400000000000000" charset="-122"/>
+                <a:ea typeface="思源黑体 CN Normal" panose="020B0400000000000000" charset="-122"/>
+              </a:rPr>
+              <a:t>excute</a:t>
+            </a:r>
+            <a:r>
+              <a:rPr lang="zh-CN" altLang="en-US" dirty="0" smtClean="0">
+                <a:latin typeface="思源黑体 CN Normal" panose="020B0400000000000000" charset="-122"/>
+                <a:ea typeface="思源黑体 CN Normal" panose="020B0400000000000000" charset="-122"/>
+              </a:rPr>
+              <a:t>命令层</a:t>
+            </a:r>
+            <a:endParaRPr lang="zh-CN" altLang="en-US" dirty="0" smtClean="0">
+              <a:latin typeface="思源黑体 CN Normal" panose="020B0400000000000000" charset="-122"/>
+              <a:ea typeface="思源黑体 CN Normal" panose="020B0400000000000000" charset="-122"/>
+            </a:endParaRPr>
+          </a:p>
+          <a:p>
+            <a:pPr marL="457200" indent="-457200" defTabSz="914400">
+              <a:buFont typeface="Wingdings" panose="05000000000000000000" pitchFamily="2" charset="2"/>
+              <a:buChar char="l"/>
+              <a:defRPr sz="3400">
+                <a:solidFill>
+                  <a:srgbClr val="FFFFFF"/>
+                </a:solidFill>
+                <a:latin typeface="Source Han Sans CN Normal"/>
+                <a:ea typeface="Source Han Sans CN Normal"/>
+                <a:cs typeface="Source Han Sans CN Normal"/>
+                <a:sym typeface="Source Han Sans CN Normal"/>
+              </a:defRPr>
+            </a:pPr>
+            <a:r>
+              <a:rPr lang="zh-CN" altLang="en-US" dirty="0" smtClean="0">
+                <a:latin typeface="思源黑体 CN Normal" panose="020B0400000000000000" charset="-122"/>
+                <a:ea typeface="思源黑体 CN Normal" panose="020B0400000000000000" charset="-122"/>
+              </a:rPr>
+              <a:t>三步走：命令（</a:t>
+            </a:r>
+            <a:r>
+              <a:rPr lang="en-US" altLang="zh-CN" dirty="0" smtClean="0">
+                <a:latin typeface="思源黑体 CN Normal" panose="020B0400000000000000" charset="-122"/>
+                <a:ea typeface="思源黑体 CN Normal" panose="020B0400000000000000" charset="-122"/>
+              </a:rPr>
+              <a:t>command</a:t>
+            </a:r>
+            <a:r>
+              <a:rPr lang="zh-CN" altLang="en-US" dirty="0" smtClean="0">
+                <a:latin typeface="思源黑体 CN Normal" panose="020B0400000000000000" charset="-122"/>
+                <a:ea typeface="思源黑体 CN Normal" panose="020B0400000000000000" charset="-122"/>
+              </a:rPr>
+              <a:t>）</a:t>
+            </a:r>
+            <a:r>
+              <a:rPr lang="en-US" altLang="zh-CN" dirty="0" smtClean="0">
+                <a:latin typeface="思源黑体 CN Normal" panose="020B0400000000000000" charset="-122"/>
+                <a:ea typeface="思源黑体 CN Normal" panose="020B0400000000000000" charset="-122"/>
+              </a:rPr>
+              <a:t>-</a:t>
+            </a:r>
+            <a:r>
+              <a:rPr lang="zh-CN" altLang="en-US" dirty="0" smtClean="0">
+                <a:latin typeface="思源黑体 CN Normal" panose="020B0400000000000000" charset="-122"/>
+                <a:ea typeface="思源黑体 CN Normal" panose="020B0400000000000000" charset="-122"/>
+              </a:rPr>
+              <a:t>命令层（</a:t>
+            </a:r>
+            <a:r>
+              <a:rPr lang="en-US" altLang="zh-CN" dirty="0" smtClean="0">
+                <a:latin typeface="思源黑体 CN Normal" panose="020B0400000000000000" charset="-122"/>
+                <a:ea typeface="思源黑体 CN Normal" panose="020B0400000000000000" charset="-122"/>
+              </a:rPr>
+              <a:t>excute</a:t>
+            </a:r>
+            <a:r>
+              <a:rPr lang="zh-CN" altLang="en-US" dirty="0" smtClean="0">
+                <a:latin typeface="思源黑体 CN Normal" panose="020B0400000000000000" charset="-122"/>
+                <a:ea typeface="思源黑体 CN Normal" panose="020B0400000000000000" charset="-122"/>
+              </a:rPr>
+              <a:t>）</a:t>
+            </a:r>
+            <a:r>
+              <a:rPr lang="en-US" altLang="zh-CN" dirty="0" smtClean="0">
+                <a:latin typeface="思源黑体 CN Normal" panose="020B0400000000000000" charset="-122"/>
+                <a:ea typeface="思源黑体 CN Normal" panose="020B0400000000000000" charset="-122"/>
+              </a:rPr>
+              <a:t>-</a:t>
+            </a:r>
+            <a:r>
+              <a:rPr lang="zh-CN" altLang="en-US" dirty="0" smtClean="0">
+                <a:latin typeface="思源黑体 CN Normal" panose="020B0400000000000000" charset="-122"/>
+                <a:ea typeface="思源黑体 CN Normal" panose="020B0400000000000000" charset="-122"/>
+              </a:rPr>
+              <a:t>执行（</a:t>
+            </a:r>
+            <a:r>
+              <a:rPr lang="en-US" altLang="zh-CN" dirty="0" smtClean="0">
+                <a:latin typeface="思源黑体 CN Normal" panose="020B0400000000000000" charset="-122"/>
+                <a:ea typeface="思源黑体 CN Normal" panose="020B0400000000000000" charset="-122"/>
+              </a:rPr>
+              <a:t>action</a:t>
+            </a:r>
+            <a:r>
+              <a:rPr lang="zh-CN" altLang="en-US" dirty="0" smtClean="0">
+                <a:latin typeface="思源黑体 CN Normal" panose="020B0400000000000000" charset="-122"/>
+                <a:ea typeface="思源黑体 CN Normal" panose="020B0400000000000000" charset="-122"/>
+              </a:rPr>
+              <a:t>）</a:t>
+            </a:r>
+            <a:endParaRPr lang="zh-CN" altLang="en-US" dirty="0" smtClean="0">
+              <a:latin typeface="思源黑体 CN Normal" panose="020B0400000000000000" charset="-122"/>
+              <a:ea typeface="思源黑体 CN Normal" panose="020B0400000000000000" charset="-122"/>
             </a:endParaRPr>
           </a:p>
         </p:txBody>
       </p:sp>
     </p:spTree>
-    <p:extLst>
-      <p:ext uri="{BB962C8B-B14F-4D97-AF65-F5344CB8AC3E}">
-        <p14:creationId xmlns:p14="http://schemas.microsoft.com/office/powerpoint/2010/main" val="2699997102"/>
-      </p:ext>
-    </p:extLst>
   </p:cSld>
   <p:clrMapOvr>
     <a:masterClrMapping/>
   </p:clrMapOvr>
-  <mc:AlternateContent xmlns:mc="http://schemas.openxmlformats.org/markup-compatibility/2006" xmlns:p14="http://schemas.microsoft.com/office/powerpoint/2010/main">
-    <mc:Choice Requires="p14">
+  <mc:AlternateContent xmlns:mc="http://schemas.openxmlformats.org/markup-compatibility/2006">
+    <mc:Choice xmlns:p14="http://schemas.microsoft.com/office/powerpoint/2010/main" Requires="p14">
       <p:transition p14:dur="250"/>
     </mc:Choice>
-    <mc:Fallback xmlns="">
+    <mc:Fallback>
       <p:transition/>
     </mc:Fallback>
   </mc:AlternateContent>
@@ -4489,7 +4291,7 @@
                 <a:solidFill>
                   <a:schemeClr val="tx1"/>
                 </a:solidFill>
-                <a:latin typeface="Arial" panose="020B0604020202020204" pitchFamily="34" charset="0"/>
+                <a:latin typeface="Arial" panose="020B0604020202090204" pitchFamily="34" charset="0"/>
                 <a:ea typeface="宋体" panose="02010600030101010101" pitchFamily="2" charset="-122"/>
               </a:defRPr>
             </a:lvl1pPr>
@@ -4498,7 +4300,7 @@
                 <a:solidFill>
                   <a:schemeClr val="tx1"/>
                 </a:solidFill>
-                <a:latin typeface="Arial" panose="020B0604020202020204" pitchFamily="34" charset="0"/>
+                <a:latin typeface="Arial" panose="020B0604020202090204" pitchFamily="34" charset="0"/>
                 <a:ea typeface="宋体" panose="02010600030101010101" pitchFamily="2" charset="-122"/>
               </a:defRPr>
             </a:lvl2pPr>
@@ -4507,7 +4309,7 @@
                 <a:solidFill>
                   <a:schemeClr val="tx1"/>
                 </a:solidFill>
-                <a:latin typeface="Arial" panose="020B0604020202020204" pitchFamily="34" charset="0"/>
+                <a:latin typeface="Arial" panose="020B0604020202090204" pitchFamily="34" charset="0"/>
                 <a:ea typeface="宋体" panose="02010600030101010101" pitchFamily="2" charset="-122"/>
               </a:defRPr>
             </a:lvl3pPr>
@@ -4516,7 +4318,7 @@
                 <a:solidFill>
                   <a:schemeClr val="tx1"/>
                 </a:solidFill>
-                <a:latin typeface="Arial" panose="020B0604020202020204" pitchFamily="34" charset="0"/>
+                <a:latin typeface="Arial" panose="020B0604020202090204" pitchFamily="34" charset="0"/>
                 <a:ea typeface="宋体" panose="02010600030101010101" pitchFamily="2" charset="-122"/>
               </a:defRPr>
             </a:lvl4pPr>
@@ -4525,7 +4327,7 @@
                 <a:solidFill>
                   <a:schemeClr val="tx1"/>
                 </a:solidFill>
-                <a:latin typeface="Arial" panose="020B0604020202020204" pitchFamily="34" charset="0"/>
+                <a:latin typeface="Arial" panose="020B0604020202090204" pitchFamily="34" charset="0"/>
                 <a:ea typeface="宋体" panose="02010600030101010101" pitchFamily="2" charset="-122"/>
               </a:defRPr>
             </a:lvl5pPr>
@@ -4536,12 +4338,12 @@
               <a:spcAft>
                 <a:spcPct val="0"/>
               </a:spcAft>
-              <a:buFont typeface="Arial" panose="020B0604020202020204" pitchFamily="34" charset="0"/>
+              <a:buFont typeface="Arial" panose="020B0604020202090204" pitchFamily="34" charset="0"/>
               <a:defRPr>
                 <a:solidFill>
                   <a:schemeClr val="tx1"/>
                 </a:solidFill>
-                <a:latin typeface="Arial" panose="020B0604020202020204" pitchFamily="34" charset="0"/>
+                <a:latin typeface="Arial" panose="020B0604020202090204" pitchFamily="34" charset="0"/>
                 <a:ea typeface="宋体" panose="02010600030101010101" pitchFamily="2" charset="-122"/>
               </a:defRPr>
             </a:lvl6pPr>
@@ -4552,12 +4354,12 @@
               <a:spcAft>
                 <a:spcPct val="0"/>
               </a:spcAft>
-              <a:buFont typeface="Arial" panose="020B0604020202020204" pitchFamily="34" charset="0"/>
+              <a:buFont typeface="Arial" panose="020B0604020202090204" pitchFamily="34" charset="0"/>
               <a:defRPr>
                 <a:solidFill>
                   <a:schemeClr val="tx1"/>
                 </a:solidFill>
-                <a:latin typeface="Arial" panose="020B0604020202020204" pitchFamily="34" charset="0"/>
+                <a:latin typeface="Arial" panose="020B0604020202090204" pitchFamily="34" charset="0"/>
                 <a:ea typeface="宋体" panose="02010600030101010101" pitchFamily="2" charset="-122"/>
               </a:defRPr>
             </a:lvl7pPr>
@@ -4568,12 +4370,12 @@
               <a:spcAft>
                 <a:spcPct val="0"/>
               </a:spcAft>
-              <a:buFont typeface="Arial" panose="020B0604020202020204" pitchFamily="34" charset="0"/>
+              <a:buFont typeface="Arial" panose="020B0604020202090204" pitchFamily="34" charset="0"/>
               <a:defRPr>
                 <a:solidFill>
                   <a:schemeClr val="tx1"/>
                 </a:solidFill>
-                <a:latin typeface="Arial" panose="020B0604020202020204" pitchFamily="34" charset="0"/>
+                <a:latin typeface="Arial" panose="020B0604020202090204" pitchFamily="34" charset="0"/>
                 <a:ea typeface="宋体" panose="02010600030101010101" pitchFamily="2" charset="-122"/>
               </a:defRPr>
             </a:lvl8pPr>
@@ -4584,19 +4386,19 @@
               <a:spcAft>
                 <a:spcPct val="0"/>
               </a:spcAft>
-              <a:buFont typeface="Arial" panose="020B0604020202020204" pitchFamily="34" charset="0"/>
+              <a:buFont typeface="Arial" panose="020B0604020202090204" pitchFamily="34" charset="0"/>
               <a:defRPr>
                 <a:solidFill>
                   <a:schemeClr val="tx1"/>
                 </a:solidFill>
-                <a:latin typeface="Arial" panose="020B0604020202020204" pitchFamily="34" charset="0"/>
+                <a:latin typeface="Arial" panose="020B0604020202090204" pitchFamily="34" charset="0"/>
                 <a:ea typeface="宋体" panose="02010600030101010101" pitchFamily="2" charset="-122"/>
               </a:defRPr>
             </a:lvl9pPr>
           </a:lstStyle>
           <a:p>
             <a:pPr eaLnBrk="1" hangingPunct="1"/>
-            <a:endParaRPr lang="zh-CN" altLang="en-US" sz="4533">
+            <a:endParaRPr lang="zh-CN" altLang="en-US" sz="4535">
               <a:solidFill>
                 <a:srgbClr val="1475B2"/>
               </a:solidFill>
@@ -4690,7 +4492,7 @@
           <a:bodyPr/>
           <a:lstStyle/>
           <a:p>
-            <a:endParaRPr lang="zh-CN" altLang="en-US" sz="4533">
+            <a:endParaRPr lang="zh-CN" altLang="en-US" sz="4535">
               <a:latin typeface="微软雅黑" panose="020B0503020204020204" pitchFamily="34" charset="-122"/>
               <a:ea typeface="微软雅黑" panose="020B0503020204020204" pitchFamily="34" charset="-122"/>
             </a:endParaRPr>
@@ -4719,7 +4521,6 @@
           <a:ln>
             <a:noFill/>
           </a:ln>
-          <a:extLst/>
         </p:spPr>
         <p:txBody>
           <a:bodyPr/>
@@ -4729,7 +4530,7 @@
                 <a:solidFill>
                   <a:schemeClr val="tx1"/>
                 </a:solidFill>
-                <a:latin typeface="Arial" panose="020B0604020202020204" pitchFamily="34" charset="0"/>
+                <a:latin typeface="Arial" panose="020B0604020202090204" pitchFamily="34" charset="0"/>
                 <a:ea typeface="宋体" panose="02010600030101010101" pitchFamily="2" charset="-122"/>
               </a:defRPr>
             </a:lvl1pPr>
@@ -4738,7 +4539,7 @@
                 <a:solidFill>
                   <a:schemeClr val="tx1"/>
                 </a:solidFill>
-                <a:latin typeface="Arial" panose="020B0604020202020204" pitchFamily="34" charset="0"/>
+                <a:latin typeface="Arial" panose="020B0604020202090204" pitchFamily="34" charset="0"/>
                 <a:ea typeface="宋体" panose="02010600030101010101" pitchFamily="2" charset="-122"/>
               </a:defRPr>
             </a:lvl2pPr>
@@ -4747,7 +4548,7 @@
                 <a:solidFill>
                   <a:schemeClr val="tx1"/>
                 </a:solidFill>
-                <a:latin typeface="Arial" panose="020B0604020202020204" pitchFamily="34" charset="0"/>
+                <a:latin typeface="Arial" panose="020B0604020202090204" pitchFamily="34" charset="0"/>
                 <a:ea typeface="宋体" panose="02010600030101010101" pitchFamily="2" charset="-122"/>
               </a:defRPr>
             </a:lvl3pPr>
@@ -4756,7 +4557,7 @@
                 <a:solidFill>
                   <a:schemeClr val="tx1"/>
                 </a:solidFill>
-                <a:latin typeface="Arial" panose="020B0604020202020204" pitchFamily="34" charset="0"/>
+                <a:latin typeface="Arial" panose="020B0604020202090204" pitchFamily="34" charset="0"/>
                 <a:ea typeface="宋体" panose="02010600030101010101" pitchFamily="2" charset="-122"/>
               </a:defRPr>
             </a:lvl4pPr>
@@ -4765,7 +4566,7 @@
                 <a:solidFill>
                   <a:schemeClr val="tx1"/>
                 </a:solidFill>
-                <a:latin typeface="Arial" panose="020B0604020202020204" pitchFamily="34" charset="0"/>
+                <a:latin typeface="Arial" panose="020B0604020202090204" pitchFamily="34" charset="0"/>
                 <a:ea typeface="宋体" panose="02010600030101010101" pitchFamily="2" charset="-122"/>
               </a:defRPr>
             </a:lvl5pPr>
@@ -4776,12 +4577,12 @@
               <a:spcAft>
                 <a:spcPct val="0"/>
               </a:spcAft>
-              <a:buFont typeface="Arial" panose="020B0604020202020204" pitchFamily="34" charset="0"/>
+              <a:buFont typeface="Arial" panose="020B0604020202090204" pitchFamily="34" charset="0"/>
               <a:defRPr>
                 <a:solidFill>
                   <a:schemeClr val="tx1"/>
                 </a:solidFill>
-                <a:latin typeface="Arial" panose="020B0604020202020204" pitchFamily="34" charset="0"/>
+                <a:latin typeface="Arial" panose="020B0604020202090204" pitchFamily="34" charset="0"/>
                 <a:ea typeface="宋体" panose="02010600030101010101" pitchFamily="2" charset="-122"/>
               </a:defRPr>
             </a:lvl6pPr>
@@ -4792,12 +4593,12 @@
               <a:spcAft>
                 <a:spcPct val="0"/>
               </a:spcAft>
-              <a:buFont typeface="Arial" panose="020B0604020202020204" pitchFamily="34" charset="0"/>
+              <a:buFont typeface="Arial" panose="020B0604020202090204" pitchFamily="34" charset="0"/>
               <a:defRPr>
                 <a:solidFill>
                   <a:schemeClr val="tx1"/>
                 </a:solidFill>
-                <a:latin typeface="Arial" panose="020B0604020202020204" pitchFamily="34" charset="0"/>
+                <a:latin typeface="Arial" panose="020B0604020202090204" pitchFamily="34" charset="0"/>
                 <a:ea typeface="宋体" panose="02010600030101010101" pitchFamily="2" charset="-122"/>
               </a:defRPr>
             </a:lvl7pPr>
@@ -4808,12 +4609,12 @@
               <a:spcAft>
                 <a:spcPct val="0"/>
               </a:spcAft>
-              <a:buFont typeface="Arial" panose="020B0604020202020204" pitchFamily="34" charset="0"/>
+              <a:buFont typeface="Arial" panose="020B0604020202090204" pitchFamily="34" charset="0"/>
               <a:defRPr>
                 <a:solidFill>
                   <a:schemeClr val="tx1"/>
                 </a:solidFill>
-                <a:latin typeface="Arial" panose="020B0604020202020204" pitchFamily="34" charset="0"/>
+                <a:latin typeface="Arial" panose="020B0604020202090204" pitchFamily="34" charset="0"/>
                 <a:ea typeface="宋体" panose="02010600030101010101" pitchFamily="2" charset="-122"/>
               </a:defRPr>
             </a:lvl8pPr>
@@ -4824,19 +4625,19 @@
               <a:spcAft>
                 <a:spcPct val="0"/>
               </a:spcAft>
-              <a:buFont typeface="Arial" panose="020B0604020202020204" pitchFamily="34" charset="0"/>
+              <a:buFont typeface="Arial" panose="020B0604020202090204" pitchFamily="34" charset="0"/>
               <a:defRPr>
                 <a:solidFill>
                   <a:schemeClr val="tx1"/>
                 </a:solidFill>
-                <a:latin typeface="Arial" panose="020B0604020202020204" pitchFamily="34" charset="0"/>
+                <a:latin typeface="Arial" panose="020B0604020202090204" pitchFamily="34" charset="0"/>
                 <a:ea typeface="宋体" panose="02010600030101010101" pitchFamily="2" charset="-122"/>
               </a:defRPr>
             </a:lvl9pPr>
           </a:lstStyle>
           <a:p>
             <a:pPr eaLnBrk="1" hangingPunct="1"/>
-            <a:endParaRPr lang="zh-CN" altLang="en-US" sz="4533">
+            <a:endParaRPr lang="zh-CN" altLang="en-US" sz="4535">
               <a:latin typeface="微软雅黑" panose="020B0503020204020204" pitchFamily="34" charset="-122"/>
               <a:ea typeface="微软雅黑" panose="020B0503020204020204" pitchFamily="34" charset="-122"/>
             </a:endParaRPr>
@@ -4865,7 +4666,6 @@
           <a:ln>
             <a:noFill/>
           </a:ln>
-          <a:extLst/>
         </p:spPr>
         <p:txBody>
           <a:bodyPr/>
@@ -4875,7 +4675,7 @@
                 <a:solidFill>
                   <a:schemeClr val="tx1"/>
                 </a:solidFill>
-                <a:latin typeface="Arial" panose="020B0604020202020204" pitchFamily="34" charset="0"/>
+                <a:latin typeface="Arial" panose="020B0604020202090204" pitchFamily="34" charset="0"/>
                 <a:ea typeface="宋体" panose="02010600030101010101" pitchFamily="2" charset="-122"/>
               </a:defRPr>
             </a:lvl1pPr>
@@ -4884,7 +4684,7 @@
                 <a:solidFill>
                   <a:schemeClr val="tx1"/>
                 </a:solidFill>
-                <a:latin typeface="Arial" panose="020B0604020202020204" pitchFamily="34" charset="0"/>
+                <a:latin typeface="Arial" panose="020B0604020202090204" pitchFamily="34" charset="0"/>
                 <a:ea typeface="宋体" panose="02010600030101010101" pitchFamily="2" charset="-122"/>
               </a:defRPr>
             </a:lvl2pPr>
@@ -4893,7 +4693,7 @@
                 <a:solidFill>
                   <a:schemeClr val="tx1"/>
                 </a:solidFill>
-                <a:latin typeface="Arial" panose="020B0604020202020204" pitchFamily="34" charset="0"/>
+                <a:latin typeface="Arial" panose="020B0604020202090204" pitchFamily="34" charset="0"/>
                 <a:ea typeface="宋体" panose="02010600030101010101" pitchFamily="2" charset="-122"/>
               </a:defRPr>
             </a:lvl3pPr>
@@ -4902,7 +4702,7 @@
                 <a:solidFill>
                   <a:schemeClr val="tx1"/>
                 </a:solidFill>
-                <a:latin typeface="Arial" panose="020B0604020202020204" pitchFamily="34" charset="0"/>
+                <a:latin typeface="Arial" panose="020B0604020202090204" pitchFamily="34" charset="0"/>
                 <a:ea typeface="宋体" panose="02010600030101010101" pitchFamily="2" charset="-122"/>
               </a:defRPr>
             </a:lvl4pPr>
@@ -4911,7 +4711,7 @@
                 <a:solidFill>
                   <a:schemeClr val="tx1"/>
                 </a:solidFill>
-                <a:latin typeface="Arial" panose="020B0604020202020204" pitchFamily="34" charset="0"/>
+                <a:latin typeface="Arial" panose="020B0604020202090204" pitchFamily="34" charset="0"/>
                 <a:ea typeface="宋体" panose="02010600030101010101" pitchFamily="2" charset="-122"/>
               </a:defRPr>
             </a:lvl5pPr>
@@ -4922,12 +4722,12 @@
               <a:spcAft>
                 <a:spcPct val="0"/>
               </a:spcAft>
-              <a:buFont typeface="Arial" panose="020B0604020202020204" pitchFamily="34" charset="0"/>
+              <a:buFont typeface="Arial" panose="020B0604020202090204" pitchFamily="34" charset="0"/>
               <a:defRPr>
                 <a:solidFill>
                   <a:schemeClr val="tx1"/>
                 </a:solidFill>
-                <a:latin typeface="Arial" panose="020B0604020202020204" pitchFamily="34" charset="0"/>
+                <a:latin typeface="Arial" panose="020B0604020202090204" pitchFamily="34" charset="0"/>
                 <a:ea typeface="宋体" panose="02010600030101010101" pitchFamily="2" charset="-122"/>
               </a:defRPr>
             </a:lvl6pPr>
@@ -4938,12 +4738,12 @@
               <a:spcAft>
                 <a:spcPct val="0"/>
               </a:spcAft>
-              <a:buFont typeface="Arial" panose="020B0604020202020204" pitchFamily="34" charset="0"/>
+              <a:buFont typeface="Arial" panose="020B0604020202090204" pitchFamily="34" charset="0"/>
               <a:defRPr>
                 <a:solidFill>
                   <a:schemeClr val="tx1"/>
                 </a:solidFill>
-                <a:latin typeface="Arial" panose="020B0604020202020204" pitchFamily="34" charset="0"/>
+                <a:latin typeface="Arial" panose="020B0604020202090204" pitchFamily="34" charset="0"/>
                 <a:ea typeface="宋体" panose="02010600030101010101" pitchFamily="2" charset="-122"/>
               </a:defRPr>
             </a:lvl7pPr>
@@ -4954,12 +4754,12 @@
               <a:spcAft>
                 <a:spcPct val="0"/>
               </a:spcAft>
-              <a:buFont typeface="Arial" panose="020B0604020202020204" pitchFamily="34" charset="0"/>
+              <a:buFont typeface="Arial" panose="020B0604020202090204" pitchFamily="34" charset="0"/>
               <a:defRPr>
                 <a:solidFill>
                   <a:schemeClr val="tx1"/>
                 </a:solidFill>
-                <a:latin typeface="Arial" panose="020B0604020202020204" pitchFamily="34" charset="0"/>
+                <a:latin typeface="Arial" panose="020B0604020202090204" pitchFamily="34" charset="0"/>
                 <a:ea typeface="宋体" panose="02010600030101010101" pitchFamily="2" charset="-122"/>
               </a:defRPr>
             </a:lvl8pPr>
@@ -4970,19 +4770,19 @@
               <a:spcAft>
                 <a:spcPct val="0"/>
               </a:spcAft>
-              <a:buFont typeface="Arial" panose="020B0604020202020204" pitchFamily="34" charset="0"/>
+              <a:buFont typeface="Arial" panose="020B0604020202090204" pitchFamily="34" charset="0"/>
               <a:defRPr>
                 <a:solidFill>
                   <a:schemeClr val="tx1"/>
                 </a:solidFill>
-                <a:latin typeface="Arial" panose="020B0604020202020204" pitchFamily="34" charset="0"/>
+                <a:latin typeface="Arial" panose="020B0604020202090204" pitchFamily="34" charset="0"/>
                 <a:ea typeface="宋体" panose="02010600030101010101" pitchFamily="2" charset="-122"/>
               </a:defRPr>
             </a:lvl9pPr>
           </a:lstStyle>
           <a:p>
             <a:pPr eaLnBrk="1" hangingPunct="1"/>
-            <a:endParaRPr lang="zh-CN" altLang="en-US" sz="4533">
+            <a:endParaRPr lang="zh-CN" altLang="en-US" sz="4535">
               <a:latin typeface="微软雅黑" panose="020B0503020204020204" pitchFamily="34" charset="-122"/>
               <a:ea typeface="微软雅黑" panose="020B0503020204020204" pitchFamily="34" charset="-122"/>
             </a:endParaRPr>
@@ -5039,7 +4839,7 @@
                 <a:solidFill>
                   <a:schemeClr val="tx1"/>
                 </a:solidFill>
-                <a:latin typeface="Arial" panose="020B0604020202020204" pitchFamily="34" charset="0"/>
+                <a:latin typeface="Arial" panose="020B0604020202090204" pitchFamily="34" charset="0"/>
                 <a:ea typeface="宋体" panose="02010600030101010101" pitchFamily="2" charset="-122"/>
               </a:defRPr>
             </a:lvl1pPr>
@@ -5048,7 +4848,7 @@
                 <a:solidFill>
                   <a:schemeClr val="tx1"/>
                 </a:solidFill>
-                <a:latin typeface="Arial" panose="020B0604020202020204" pitchFamily="34" charset="0"/>
+                <a:latin typeface="Arial" panose="020B0604020202090204" pitchFamily="34" charset="0"/>
                 <a:ea typeface="宋体" panose="02010600030101010101" pitchFamily="2" charset="-122"/>
               </a:defRPr>
             </a:lvl2pPr>
@@ -5057,7 +4857,7 @@
                 <a:solidFill>
                   <a:schemeClr val="tx1"/>
                 </a:solidFill>
-                <a:latin typeface="Arial" panose="020B0604020202020204" pitchFamily="34" charset="0"/>
+                <a:latin typeface="Arial" panose="020B0604020202090204" pitchFamily="34" charset="0"/>
                 <a:ea typeface="宋体" panose="02010600030101010101" pitchFamily="2" charset="-122"/>
               </a:defRPr>
             </a:lvl3pPr>
@@ -5066,7 +4866,7 @@
                 <a:solidFill>
                   <a:schemeClr val="tx1"/>
                 </a:solidFill>
-                <a:latin typeface="Arial" panose="020B0604020202020204" pitchFamily="34" charset="0"/>
+                <a:latin typeface="Arial" panose="020B0604020202090204" pitchFamily="34" charset="0"/>
                 <a:ea typeface="宋体" panose="02010600030101010101" pitchFamily="2" charset="-122"/>
               </a:defRPr>
             </a:lvl4pPr>
@@ -5075,7 +4875,7 @@
                 <a:solidFill>
                   <a:schemeClr val="tx1"/>
                 </a:solidFill>
-                <a:latin typeface="Arial" panose="020B0604020202020204" pitchFamily="34" charset="0"/>
+                <a:latin typeface="Arial" panose="020B0604020202090204" pitchFamily="34" charset="0"/>
                 <a:ea typeface="宋体" panose="02010600030101010101" pitchFamily="2" charset="-122"/>
               </a:defRPr>
             </a:lvl5pPr>
@@ -5086,12 +4886,12 @@
               <a:spcAft>
                 <a:spcPct val="0"/>
               </a:spcAft>
-              <a:buFont typeface="Arial" panose="020B0604020202020204" pitchFamily="34" charset="0"/>
+              <a:buFont typeface="Arial" panose="020B0604020202090204" pitchFamily="34" charset="0"/>
               <a:defRPr>
                 <a:solidFill>
                   <a:schemeClr val="tx1"/>
                 </a:solidFill>
-                <a:latin typeface="Arial" panose="020B0604020202020204" pitchFamily="34" charset="0"/>
+                <a:latin typeface="Arial" panose="020B0604020202090204" pitchFamily="34" charset="0"/>
                 <a:ea typeface="宋体" panose="02010600030101010101" pitchFamily="2" charset="-122"/>
               </a:defRPr>
             </a:lvl6pPr>
@@ -5102,12 +4902,12 @@
               <a:spcAft>
                 <a:spcPct val="0"/>
               </a:spcAft>
-              <a:buFont typeface="Arial" panose="020B0604020202020204" pitchFamily="34" charset="0"/>
+              <a:buFont typeface="Arial" panose="020B0604020202090204" pitchFamily="34" charset="0"/>
               <a:defRPr>
                 <a:solidFill>
                   <a:schemeClr val="tx1"/>
                 </a:solidFill>
-                <a:latin typeface="Arial" panose="020B0604020202020204" pitchFamily="34" charset="0"/>
+                <a:latin typeface="Arial" panose="020B0604020202090204" pitchFamily="34" charset="0"/>
                 <a:ea typeface="宋体" panose="02010600030101010101" pitchFamily="2" charset="-122"/>
               </a:defRPr>
             </a:lvl7pPr>
@@ -5118,12 +4918,12 @@
               <a:spcAft>
                 <a:spcPct val="0"/>
               </a:spcAft>
-              <a:buFont typeface="Arial" panose="020B0604020202020204" pitchFamily="34" charset="0"/>
+              <a:buFont typeface="Arial" panose="020B0604020202090204" pitchFamily="34" charset="0"/>
               <a:defRPr>
                 <a:solidFill>
                   <a:schemeClr val="tx1"/>
                 </a:solidFill>
-                <a:latin typeface="Arial" panose="020B0604020202020204" pitchFamily="34" charset="0"/>
+                <a:latin typeface="Arial" panose="020B0604020202090204" pitchFamily="34" charset="0"/>
                 <a:ea typeface="宋体" panose="02010600030101010101" pitchFamily="2" charset="-122"/>
               </a:defRPr>
             </a:lvl8pPr>
@@ -5134,12 +4934,12 @@
               <a:spcAft>
                 <a:spcPct val="0"/>
               </a:spcAft>
-              <a:buFont typeface="Arial" panose="020B0604020202020204" pitchFamily="34" charset="0"/>
+              <a:buFont typeface="Arial" panose="020B0604020202090204" pitchFamily="34" charset="0"/>
               <a:defRPr>
                 <a:solidFill>
                   <a:schemeClr val="tx1"/>
                 </a:solidFill>
-                <a:latin typeface="Arial" panose="020B0604020202020204" pitchFamily="34" charset="0"/>
+                <a:latin typeface="Arial" panose="020B0604020202090204" pitchFamily="34" charset="0"/>
                 <a:ea typeface="宋体" panose="02010600030101010101" pitchFamily="2" charset="-122"/>
               </a:defRPr>
             </a:lvl9pPr>
@@ -5220,13 +5020,7 @@
       </p:cxnSp>
       <p:sp>
         <p:nvSpPr>
-          <p:cNvPr id="10" name="文本占位符 9">
-            <a:extLst>
-              <a:ext uri="{FF2B5EF4-FFF2-40B4-BE49-F238E27FC236}">
-                <a16:creationId xmlns:a16="http://schemas.microsoft.com/office/drawing/2014/main" id="{563E3FE4-40DC-4936-8DC9-F02E36351CCF}"/>
-              </a:ext>
-            </a:extLst>
-          </p:cNvPr>
+          <p:cNvPr id="10" name="文本占位符 9"/>
           <p:cNvSpPr>
             <a:spLocks noGrp="1"/>
           </p:cNvSpPr>
@@ -5254,13 +5048,7 @@
       </p:sp>
       <p:sp>
         <p:nvSpPr>
-          <p:cNvPr id="3" name="文本占位符 2">
-            <a:extLst>
-              <a:ext uri="{FF2B5EF4-FFF2-40B4-BE49-F238E27FC236}">
-                <a16:creationId xmlns:a16="http://schemas.microsoft.com/office/drawing/2014/main" id="{E87D59D1-518F-430B-B5D8-3112FDE77DEA}"/>
-              </a:ext>
-            </a:extLst>
-          </p:cNvPr>
+          <p:cNvPr id="3" name="文本占位符 2"/>
           <p:cNvSpPr>
             <a:spLocks noGrp="1"/>
           </p:cNvSpPr>
@@ -5287,20 +5075,15 @@
         </p:txBody>
       </p:sp>
     </p:spTree>
-    <p:extLst>
-      <p:ext uri="{BB962C8B-B14F-4D97-AF65-F5344CB8AC3E}">
-        <p14:creationId xmlns:p14="http://schemas.microsoft.com/office/powerpoint/2010/main" val="2887438379"/>
-      </p:ext>
-    </p:extLst>
   </p:cSld>
   <p:clrMapOvr>
     <a:masterClrMapping/>
   </p:clrMapOvr>
-  <mc:AlternateContent xmlns:mc="http://schemas.openxmlformats.org/markup-compatibility/2006" xmlns:p14="http://schemas.microsoft.com/office/powerpoint/2010/main">
-    <mc:Choice Requires="p14">
+  <mc:AlternateContent xmlns:mc="http://schemas.openxmlformats.org/markup-compatibility/2006">
+    <mc:Choice xmlns:p14="http://schemas.microsoft.com/office/powerpoint/2010/main" Requires="p14">
       <p:transition spd="med" p14:dur="700"/>
     </mc:Choice>
-    <mc:Fallback xmlns="">
+    <mc:Fallback>
       <p:transition spd="med"/>
     </mc:Fallback>
   </mc:AlternateContent>
@@ -5333,13 +5116,7 @@
       </p:grpSpPr>
       <p:sp>
         <p:nvSpPr>
-          <p:cNvPr id="2" name="标题 1">
-            <a:extLst>
-              <a:ext uri="{FF2B5EF4-FFF2-40B4-BE49-F238E27FC236}">
-                <a16:creationId xmlns:a16="http://schemas.microsoft.com/office/drawing/2014/main" id="{7696DFAD-5D60-4A4E-9357-D1CC052F52E4}"/>
-              </a:ext>
-            </a:extLst>
-          </p:cNvPr>
+          <p:cNvPr id="2" name="标题 1"/>
           <p:cNvSpPr>
             <a:spLocks noGrp="1"/>
           </p:cNvSpPr>
@@ -5362,13 +5139,7 @@
       </p:sp>
       <p:sp>
         <p:nvSpPr>
-          <p:cNvPr id="31" name="îsḷîḓè">
-            <a:extLst>
-              <a:ext uri="{FF2B5EF4-FFF2-40B4-BE49-F238E27FC236}">
-                <a16:creationId xmlns:a16="http://schemas.microsoft.com/office/drawing/2014/main" id="{78EB24BD-F37F-4E7C-B5C3-BEA6276DA6C1}"/>
-              </a:ext>
-            </a:extLst>
-          </p:cNvPr>
+          <p:cNvPr id="31" name="îsḷîḓè"/>
           <p:cNvSpPr/>
           <p:nvPr/>
         </p:nvSpPr>
@@ -5517,7 +5288,7 @@
                 <a:spcPct val="120000"/>
               </a:lnSpc>
             </a:pPr>
-            <a:endParaRPr lang="zh-CN" altLang="en-US" sz="1887" dirty="0">
+            <a:endParaRPr lang="zh-CN" altLang="en-US" sz="1885" dirty="0">
               <a:solidFill>
                 <a:schemeClr val="tx1">
                   <a:lumMod val="85000"/>
@@ -5530,13 +5301,7 @@
       </p:sp>
       <p:sp>
         <p:nvSpPr>
-          <p:cNvPr id="32" name="îsḷîḓè">
-            <a:extLst>
-              <a:ext uri="{FF2B5EF4-FFF2-40B4-BE49-F238E27FC236}">
-                <a16:creationId xmlns:a16="http://schemas.microsoft.com/office/drawing/2014/main" id="{4DB67109-71F6-414D-8FCD-46C58880E9EC}"/>
-              </a:ext>
-            </a:extLst>
-          </p:cNvPr>
+          <p:cNvPr id="32" name="îsḷîḓè"/>
           <p:cNvSpPr/>
           <p:nvPr/>
         </p:nvSpPr>
@@ -5685,7 +5450,7 @@
                 <a:spcPct val="120000"/>
               </a:lnSpc>
             </a:pPr>
-            <a:endParaRPr lang="zh-CN" altLang="en-US" sz="1887" dirty="0">
+            <a:endParaRPr lang="zh-CN" altLang="en-US" sz="1885" dirty="0">
               <a:solidFill>
                 <a:schemeClr val="tx1">
                   <a:lumMod val="85000"/>
@@ -5698,13 +5463,7 @@
       </p:sp>
       <p:sp>
         <p:nvSpPr>
-          <p:cNvPr id="33" name="文本框 10">
-            <a:extLst>
-              <a:ext uri="{FF2B5EF4-FFF2-40B4-BE49-F238E27FC236}">
-                <a16:creationId xmlns:a16="http://schemas.microsoft.com/office/drawing/2014/main" id="{FD83416E-A1BC-4197-86F5-5D63C5FBD833}"/>
-              </a:ext>
-            </a:extLst>
-          </p:cNvPr>
+          <p:cNvPr id="33" name="文本框 10"/>
           <p:cNvSpPr txBox="1"/>
           <p:nvPr/>
         </p:nvSpPr>
@@ -5719,11 +5478,6 @@
           <a:ln w="12700">
             <a:miter lim="400000"/>
           </a:ln>
-          <a:extLst>
-            <a:ext uri="{C572A759-6A51-4108-AA02-DFA0A04FC94B}">
-              <ma14:wrappingTextBoxFlag xmlns:ma14="http://schemas.microsoft.com/office/mac/drawingml/2011/main" xmlns="" val="1"/>
-            </a:ext>
-          </a:extLst>
         </p:spPr>
         <p:txBody>
           <a:bodyPr wrap="square" lIns="45719" rIns="45719">
@@ -5751,8 +5505,8 @@
                     <a:lumOff val="35000"/>
                   </a:schemeClr>
                 </a:solidFill>
-                <a:latin typeface="思源黑体 CN Normal" panose="020B0400000000000000" pitchFamily="34" charset="-122"/>
-                <a:ea typeface="思源黑体 CN Normal" panose="020B0400000000000000" pitchFamily="34" charset="-122"/>
+                <a:latin typeface="思源黑体 CN Normal" panose="020B0400000000000000" charset="-122"/>
+                <a:ea typeface="思源黑体 CN Normal" panose="020B0400000000000000" charset="-122"/>
               </a:rPr>
               <a:t>需求：目前项目使用的</a:t>
             </a:r>
@@ -5764,8 +5518,8 @@
                     <a:lumOff val="35000"/>
                   </a:schemeClr>
                 </a:solidFill>
-                <a:latin typeface="思源黑体 CN Normal" panose="020B0400000000000000" pitchFamily="34" charset="-122"/>
-                <a:ea typeface="思源黑体 CN Normal" panose="020B0400000000000000" pitchFamily="34" charset="-122"/>
+                <a:latin typeface="思源黑体 CN Normal" panose="020B0400000000000000" charset="-122"/>
+                <a:ea typeface="思源黑体 CN Normal" panose="020B0400000000000000" charset="-122"/>
               </a:rPr>
               <a:t>A</a:t>
             </a:r>
@@ -5777,62 +5531,36 @@
                     <a:lumOff val="35000"/>
                   </a:schemeClr>
                 </a:solidFill>
-                <a:latin typeface="思源黑体 CN Normal" panose="020B0400000000000000" pitchFamily="34" charset="-122"/>
-                <a:ea typeface="思源黑体 CN Normal" panose="020B0400000000000000" pitchFamily="34" charset="-122"/>
+                <a:latin typeface="思源黑体 CN Normal" panose="020B0400000000000000" charset="-122"/>
+                <a:ea typeface="思源黑体 CN Normal" panose="020B0400000000000000" charset="-122"/>
               </a:rPr>
-              <a:t>框架，现在改成</a:t>
-            </a:r>
-            <a:r>
-              <a:rPr lang="zh-CN" altLang="en-US" sz="3600" dirty="0" smtClean="0">
+              <a:t>框架，现在改成了</a:t>
+            </a:r>
+            <a:r>
+              <a:rPr lang="en-US" altLang="zh-CN" sz="3600" dirty="0" err="1" smtClean="0">
                 <a:solidFill>
                   <a:schemeClr val="tx1">
                     <a:lumMod val="65000"/>
                     <a:lumOff val="35000"/>
                   </a:schemeClr>
                 </a:solidFill>
-                <a:latin typeface="思源黑体 CN Normal" panose="020B0400000000000000" pitchFamily="34" charset="-122"/>
-                <a:ea typeface="思源黑体 CN Normal" panose="020B0400000000000000" pitchFamily="34" charset="-122"/>
+                <a:latin typeface="思源黑体 CN Normal" panose="020B0400000000000000" charset="-122"/>
+                <a:ea typeface="思源黑体 CN Normal" panose="020B0400000000000000" charset="-122"/>
               </a:rPr>
-              <a:t>了</a:t>
-            </a:r>
-            <a:r>
-              <a:rPr lang="en-US" altLang="zh-CN" sz="3600" dirty="0" err="1" smtClean="0">
+              <a:t>jquery</a:t>
+            </a:r>
+            <a:r>
+              <a:rPr lang="zh-CN" altLang="en-US" sz="3600" dirty="0" smtClean="0">
                 <a:solidFill>
                   <a:schemeClr val="tx1">
                     <a:lumMod val="65000"/>
                     <a:lumOff val="35000"/>
                   </a:schemeClr>
                 </a:solidFill>
-                <a:latin typeface="思源黑体 CN Normal" panose="020B0400000000000000" pitchFamily="34" charset="-122"/>
-                <a:ea typeface="思源黑体 CN Normal" panose="020B0400000000000000" pitchFamily="34" charset="-122"/>
+                <a:latin typeface="思源黑体 CN Normal" panose="020B0400000000000000" charset="-122"/>
+                <a:ea typeface="思源黑体 CN Normal" panose="020B0400000000000000" charset="-122"/>
               </a:rPr>
-              <a:t>jquery</a:t>
-            </a:r>
-            <a:r>
-              <a:rPr lang="zh-CN" altLang="en-US" sz="3600" dirty="0" smtClean="0">
-                <a:solidFill>
-                  <a:schemeClr val="tx1">
-                    <a:lumMod val="65000"/>
-                    <a:lumOff val="35000"/>
-                  </a:schemeClr>
-                </a:solidFill>
-                <a:latin typeface="思源黑体 CN Normal" panose="020B0400000000000000" pitchFamily="34" charset="-122"/>
-                <a:ea typeface="思源黑体 CN Normal" panose="020B0400000000000000" pitchFamily="34" charset="-122"/>
-              </a:rPr>
-              <a:t>，</a:t>
-            </a:r>
-            <a:r>
-              <a:rPr lang="zh-CN" altLang="en-US" sz="3600" dirty="0" smtClean="0">
-                <a:solidFill>
-                  <a:schemeClr val="tx1">
-                    <a:lumMod val="65000"/>
-                    <a:lumOff val="35000"/>
-                  </a:schemeClr>
-                </a:solidFill>
-                <a:latin typeface="思源黑体 CN Normal" panose="020B0400000000000000" pitchFamily="34" charset="-122"/>
-                <a:ea typeface="思源黑体 CN Normal" panose="020B0400000000000000" pitchFamily="34" charset="-122"/>
-              </a:rPr>
-              <a:t>两个框架十分类似，但是有少数几个方法不同</a:t>
+              <a:t>，两个框架十分类似，但是有少数几个方法不同</a:t>
             </a:r>
             <a:endParaRPr lang="zh-CN" altLang="en-US" sz="3600" dirty="0">
               <a:solidFill>
@@ -5841,21 +5569,15 @@
                   <a:lumOff val="35000"/>
                 </a:schemeClr>
               </a:solidFill>
-              <a:latin typeface="思源黑体 CN Normal" panose="020B0400000000000000" pitchFamily="34" charset="-122"/>
-              <a:ea typeface="思源黑体 CN Normal" panose="020B0400000000000000" pitchFamily="34" charset="-122"/>
+              <a:latin typeface="思源黑体 CN Normal" panose="020B0400000000000000" charset="-122"/>
+              <a:ea typeface="思源黑体 CN Normal" panose="020B0400000000000000" charset="-122"/>
             </a:endParaRPr>
           </a:p>
         </p:txBody>
       </p:sp>
       <p:sp>
         <p:nvSpPr>
-          <p:cNvPr id="34" name="标题文案">
-            <a:extLst>
-              <a:ext uri="{FF2B5EF4-FFF2-40B4-BE49-F238E27FC236}">
-                <a16:creationId xmlns:a16="http://schemas.microsoft.com/office/drawing/2014/main" id="{927C9726-9D2C-488C-947D-B3661320D6C1}"/>
-              </a:ext>
-            </a:extLst>
-          </p:cNvPr>
+          <p:cNvPr id="34" name="标题文案"/>
           <p:cNvSpPr txBox="1"/>
           <p:nvPr/>
         </p:nvSpPr>
@@ -5870,11 +5592,6 @@
           <a:ln w="12700">
             <a:miter lim="400000"/>
           </a:ln>
-          <a:extLst>
-            <a:ext uri="{C572A759-6A51-4108-AA02-DFA0A04FC94B}">
-              <ma14:wrappingTextBoxFlag xmlns:ma14="http://schemas.microsoft.com/office/mac/drawingml/2011/main" xmlns="" val="1"/>
-            </a:ext>
-          </a:extLst>
         </p:spPr>
         <p:txBody>
           <a:bodyPr wrap="none" lIns="67466" tIns="67466" rIns="67466" bIns="67466" anchor="ctr">
@@ -5916,13 +5633,7 @@
       </p:sp>
       <p:sp>
         <p:nvSpPr>
-          <p:cNvPr id="35" name="标题文案">
-            <a:extLst>
-              <a:ext uri="{FF2B5EF4-FFF2-40B4-BE49-F238E27FC236}">
-                <a16:creationId xmlns:a16="http://schemas.microsoft.com/office/drawing/2014/main" id="{4B9705F9-3CB8-4B72-B571-1EE76EB301FB}"/>
-              </a:ext>
-            </a:extLst>
-          </p:cNvPr>
+          <p:cNvPr id="35" name="标题文案"/>
           <p:cNvSpPr txBox="1"/>
           <p:nvPr/>
         </p:nvSpPr>
@@ -5937,11 +5648,6 @@
           <a:ln w="12700">
             <a:miter lim="400000"/>
           </a:ln>
-          <a:extLst>
-            <a:ext uri="{C572A759-6A51-4108-AA02-DFA0A04FC94B}">
-              <ma14:wrappingTextBoxFlag xmlns:ma14="http://schemas.microsoft.com/office/mac/drawingml/2011/main" xmlns="" val="1"/>
-            </a:ext>
-          </a:extLst>
         </p:spPr>
         <p:txBody>
           <a:bodyPr wrap="none" lIns="67466" tIns="67466" rIns="67466" bIns="67466" anchor="ctr">
@@ -5983,13 +5689,7 @@
       </p:sp>
       <p:sp>
         <p:nvSpPr>
-          <p:cNvPr id="36" name="文本框 10">
-            <a:extLst>
-              <a:ext uri="{FF2B5EF4-FFF2-40B4-BE49-F238E27FC236}">
-                <a16:creationId xmlns:a16="http://schemas.microsoft.com/office/drawing/2014/main" id="{50FA7410-D843-4E11-9FEA-1BBB69CD97E2}"/>
-              </a:ext>
-            </a:extLst>
-          </p:cNvPr>
+          <p:cNvPr id="36" name="文本框 10"/>
           <p:cNvSpPr txBox="1"/>
           <p:nvPr/>
         </p:nvSpPr>
@@ -6004,11 +5704,6 @@
           <a:ln w="12700">
             <a:miter lim="400000"/>
           </a:ln>
-          <a:extLst>
-            <a:ext uri="{C572A759-6A51-4108-AA02-DFA0A04FC94B}">
-              <ma14:wrappingTextBoxFlag xmlns:ma14="http://schemas.microsoft.com/office/mac/drawingml/2011/main" xmlns="" val="1"/>
-            </a:ext>
-          </a:extLst>
         </p:spPr>
         <p:txBody>
           <a:bodyPr wrap="square" lIns="45719" rIns="45719">
@@ -6021,7 +5716,7 @@
                 <a:spcPct val="200000"/>
               </a:lnSpc>
               <a:buSzPct val="100000"/>
-              <a:buFont typeface="Arial"/>
+              <a:buFont typeface="Arial" panose="020B0604020202090204"/>
               <a:buChar char="•"/>
               <a:defRPr sz="3800">
                 <a:latin typeface="Source Han Sans CN Normal"/>
@@ -6038,23 +5733,10 @@
                     <a:lumOff val="35000"/>
                   </a:schemeClr>
                 </a:solidFill>
-                <a:latin typeface="思源黑体 CN Normal" panose="020B0400000000000000" pitchFamily="34" charset="-122"/>
-                <a:ea typeface="思源黑体 CN Normal" panose="020B0400000000000000" pitchFamily="34" charset="-122"/>
+                <a:latin typeface="思源黑体 CN Normal" panose="020B0400000000000000" charset="-122"/>
+                <a:ea typeface="思源黑体 CN Normal" panose="020B0400000000000000" charset="-122"/>
               </a:rPr>
-              <a:t>需求</a:t>
-            </a:r>
-            <a:r>
-              <a:rPr lang="zh-CN" altLang="en-US" sz="3600" dirty="0" smtClean="0">
-                <a:solidFill>
-                  <a:schemeClr val="tx1">
-                    <a:lumMod val="65000"/>
-                    <a:lumOff val="35000"/>
-                  </a:schemeClr>
-                </a:solidFill>
-                <a:latin typeface="思源黑体 CN Normal" panose="020B0400000000000000" pitchFamily="34" charset="-122"/>
-                <a:ea typeface="思源黑体 CN Normal" panose="020B0400000000000000" pitchFamily="34" charset="-122"/>
-              </a:rPr>
-              <a:t>：为了避免参数不适配产生问题，很多框架会有一个参数适配操作</a:t>
+              <a:t>需求：为了避免参数不适配产生问题，很多框架会有一个参数适配操作</a:t>
             </a:r>
             <a:endParaRPr lang="zh-CN" altLang="en-US" sz="3600" dirty="0">
               <a:solidFill>
@@ -6063,27 +5745,22 @@
                   <a:lumOff val="35000"/>
                 </a:schemeClr>
               </a:solidFill>
-              <a:latin typeface="思源黑体 CN Normal" panose="020B0400000000000000" pitchFamily="34" charset="-122"/>
-              <a:ea typeface="思源黑体 CN Normal" panose="020B0400000000000000" pitchFamily="34" charset="-122"/>
+              <a:latin typeface="思源黑体 CN Normal" panose="020B0400000000000000" charset="-122"/>
+              <a:ea typeface="思源黑体 CN Normal" panose="020B0400000000000000" charset="-122"/>
             </a:endParaRPr>
           </a:p>
         </p:txBody>
       </p:sp>
     </p:spTree>
-    <p:extLst>
-      <p:ext uri="{BB962C8B-B14F-4D97-AF65-F5344CB8AC3E}">
-        <p14:creationId xmlns:p14="http://schemas.microsoft.com/office/powerpoint/2010/main" val="3542143472"/>
-      </p:ext>
-    </p:extLst>
   </p:cSld>
   <p:clrMapOvr>
     <a:masterClrMapping/>
   </p:clrMapOvr>
-  <mc:AlternateContent xmlns:mc="http://schemas.openxmlformats.org/markup-compatibility/2006" xmlns:p14="http://schemas.microsoft.com/office/powerpoint/2010/main">
-    <mc:Choice Requires="p14">
+  <mc:AlternateContent xmlns:mc="http://schemas.openxmlformats.org/markup-compatibility/2006">
+    <mc:Choice xmlns:p14="http://schemas.microsoft.com/office/powerpoint/2010/main" Requires="p14">
       <p:transition p14:dur="250"/>
     </mc:Choice>
-    <mc:Fallback xmlns="">
+    <mc:Fallback>
       <p:transition/>
     </mc:Fallback>
   </mc:AlternateContent>
@@ -6411,13 +6088,7 @@
       </p:grpSpPr>
       <p:sp>
         <p:nvSpPr>
-          <p:cNvPr id="2" name="标题 1">
-            <a:extLst>
-              <a:ext uri="{FF2B5EF4-FFF2-40B4-BE49-F238E27FC236}">
-                <a16:creationId xmlns:a16="http://schemas.microsoft.com/office/drawing/2014/main" id="{7696DFAD-5D60-4A4E-9357-D1CC052F52E4}"/>
-              </a:ext>
-            </a:extLst>
-          </p:cNvPr>
+          <p:cNvPr id="2" name="标题 1"/>
           <p:cNvSpPr>
             <a:spLocks noGrp="1"/>
           </p:cNvSpPr>
@@ -6440,13 +6111,7 @@
       </p:sp>
       <p:sp>
         <p:nvSpPr>
-          <p:cNvPr id="31" name="îsḷîḓè">
-            <a:extLst>
-              <a:ext uri="{FF2B5EF4-FFF2-40B4-BE49-F238E27FC236}">
-                <a16:creationId xmlns:a16="http://schemas.microsoft.com/office/drawing/2014/main" id="{78EB24BD-F37F-4E7C-B5C3-BEA6276DA6C1}"/>
-              </a:ext>
-            </a:extLst>
-          </p:cNvPr>
+          <p:cNvPr id="31" name="îsḷîḓè"/>
           <p:cNvSpPr/>
           <p:nvPr/>
         </p:nvSpPr>
@@ -6595,7 +6260,7 @@
                 <a:spcPct val="120000"/>
               </a:lnSpc>
             </a:pPr>
-            <a:endParaRPr lang="zh-CN" altLang="en-US" sz="1887" dirty="0">
+            <a:endParaRPr lang="zh-CN" altLang="en-US" sz="1885" dirty="0">
               <a:solidFill>
                 <a:schemeClr val="tx1">
                   <a:lumMod val="85000"/>
@@ -6608,13 +6273,7 @@
       </p:sp>
       <p:sp>
         <p:nvSpPr>
-          <p:cNvPr id="32" name="îsḷîḓè">
-            <a:extLst>
-              <a:ext uri="{FF2B5EF4-FFF2-40B4-BE49-F238E27FC236}">
-                <a16:creationId xmlns:a16="http://schemas.microsoft.com/office/drawing/2014/main" id="{4DB67109-71F6-414D-8FCD-46C58880E9EC}"/>
-              </a:ext>
-            </a:extLst>
-          </p:cNvPr>
+          <p:cNvPr id="32" name="îsḷîḓè"/>
           <p:cNvSpPr/>
           <p:nvPr/>
         </p:nvSpPr>
@@ -6763,7 +6422,7 @@
                 <a:spcPct val="120000"/>
               </a:lnSpc>
             </a:pPr>
-            <a:endParaRPr lang="zh-CN" altLang="en-US" sz="1887" dirty="0">
+            <a:endParaRPr lang="zh-CN" altLang="en-US" sz="1885" dirty="0">
               <a:solidFill>
                 <a:schemeClr val="tx1">
                   <a:lumMod val="85000"/>
@@ -6776,13 +6435,7 @@
       </p:sp>
       <p:sp>
         <p:nvSpPr>
-          <p:cNvPr id="33" name="文本框 10">
-            <a:extLst>
-              <a:ext uri="{FF2B5EF4-FFF2-40B4-BE49-F238E27FC236}">
-                <a16:creationId xmlns:a16="http://schemas.microsoft.com/office/drawing/2014/main" id="{FD83416E-A1BC-4197-86F5-5D63C5FBD833}"/>
-              </a:ext>
-            </a:extLst>
-          </p:cNvPr>
+          <p:cNvPr id="33" name="文本框 10"/>
           <p:cNvSpPr txBox="1"/>
           <p:nvPr/>
         </p:nvSpPr>
@@ -6797,11 +6450,6 @@
           <a:ln w="12700">
             <a:miter lim="400000"/>
           </a:ln>
-          <a:extLst>
-            <a:ext uri="{C572A759-6A51-4108-AA02-DFA0A04FC94B}">
-              <ma14:wrappingTextBoxFlag xmlns:ma14="http://schemas.microsoft.com/office/mac/drawingml/2011/main" xmlns="" val="1"/>
-            </a:ext>
-          </a:extLst>
         </p:spPr>
         <p:txBody>
           <a:bodyPr wrap="square" lIns="45719" rIns="45719">
@@ -6829,8 +6477,8 @@
                     <a:lumOff val="35000"/>
                   </a:schemeClr>
                 </a:solidFill>
-                <a:latin typeface="思源黑体 CN Normal" panose="020B0400000000000000" pitchFamily="34" charset="-122"/>
-                <a:ea typeface="思源黑体 CN Normal" panose="020B0400000000000000" pitchFamily="34" charset="-122"/>
+                <a:latin typeface="思源黑体 CN Normal" panose="020B0400000000000000" charset="-122"/>
+                <a:ea typeface="思源黑体 CN Normal" panose="020B0400000000000000" charset="-122"/>
               </a:rPr>
               <a:t>需求：现在项目改造，需要给</a:t>
             </a:r>
@@ -6842,8 +6490,8 @@
                     <a:lumOff val="35000"/>
                   </a:schemeClr>
                 </a:solidFill>
-                <a:latin typeface="思源黑体 CN Normal" panose="020B0400000000000000" pitchFamily="34" charset="-122"/>
-                <a:ea typeface="思源黑体 CN Normal" panose="020B0400000000000000" pitchFamily="34" charset="-122"/>
+                <a:latin typeface="思源黑体 CN Normal" panose="020B0400000000000000" charset="-122"/>
+                <a:ea typeface="思源黑体 CN Normal" panose="020B0400000000000000" charset="-122"/>
               </a:rPr>
               <a:t>input</a:t>
             </a:r>
@@ -6855,8 +6503,8 @@
                     <a:lumOff val="35000"/>
                   </a:schemeClr>
                 </a:solidFill>
-                <a:latin typeface="思源黑体 CN Normal" panose="020B0400000000000000" pitchFamily="34" charset="-122"/>
-                <a:ea typeface="思源黑体 CN Normal" panose="020B0400000000000000" pitchFamily="34" charset="-122"/>
+                <a:latin typeface="思源黑体 CN Normal" panose="020B0400000000000000" charset="-122"/>
+                <a:ea typeface="思源黑体 CN Normal" panose="020B0400000000000000" charset="-122"/>
               </a:rPr>
               <a:t>标签已经有的事件，增加一些操作</a:t>
             </a:r>
@@ -6867,21 +6515,15 @@
                   <a:lumOff val="35000"/>
                 </a:schemeClr>
               </a:solidFill>
-              <a:latin typeface="思源黑体 CN Normal" panose="020B0400000000000000" pitchFamily="34" charset="-122"/>
-              <a:ea typeface="思源黑体 CN Normal" panose="020B0400000000000000" pitchFamily="34" charset="-122"/>
+              <a:latin typeface="思源黑体 CN Normal" panose="020B0400000000000000" charset="-122"/>
+              <a:ea typeface="思源黑体 CN Normal" panose="020B0400000000000000" charset="-122"/>
             </a:endParaRPr>
           </a:p>
         </p:txBody>
       </p:sp>
       <p:sp>
         <p:nvSpPr>
-          <p:cNvPr id="34" name="标题文案">
-            <a:extLst>
-              <a:ext uri="{FF2B5EF4-FFF2-40B4-BE49-F238E27FC236}">
-                <a16:creationId xmlns:a16="http://schemas.microsoft.com/office/drawing/2014/main" id="{927C9726-9D2C-488C-947D-B3661320D6C1}"/>
-              </a:ext>
-            </a:extLst>
-          </p:cNvPr>
+          <p:cNvPr id="34" name="标题文案"/>
           <p:cNvSpPr txBox="1"/>
           <p:nvPr/>
         </p:nvSpPr>
@@ -6896,11 +6538,6 @@
           <a:ln w="12700">
             <a:miter lim="400000"/>
           </a:ln>
-          <a:extLst>
-            <a:ext uri="{C572A759-6A51-4108-AA02-DFA0A04FC94B}">
-              <ma14:wrappingTextBoxFlag xmlns:ma14="http://schemas.microsoft.com/office/mac/drawingml/2011/main" xmlns="" val="1"/>
-            </a:ext>
-          </a:extLst>
         </p:spPr>
         <p:txBody>
           <a:bodyPr wrap="none" lIns="67466" tIns="67466" rIns="67466" bIns="67466" anchor="ctr">
@@ -6932,13 +6569,7 @@
       </p:sp>
       <p:sp>
         <p:nvSpPr>
-          <p:cNvPr id="35" name="标题文案">
-            <a:extLst>
-              <a:ext uri="{FF2B5EF4-FFF2-40B4-BE49-F238E27FC236}">
-                <a16:creationId xmlns:a16="http://schemas.microsoft.com/office/drawing/2014/main" id="{4B9705F9-3CB8-4B72-B571-1EE76EB301FB}"/>
-              </a:ext>
-            </a:extLst>
-          </p:cNvPr>
+          <p:cNvPr id="35" name="标题文案"/>
           <p:cNvSpPr txBox="1"/>
           <p:nvPr/>
         </p:nvSpPr>
@@ -6953,11 +6584,6 @@
           <a:ln w="12700">
             <a:miter lim="400000"/>
           </a:ln>
-          <a:extLst>
-            <a:ext uri="{C572A759-6A51-4108-AA02-DFA0A04FC94B}">
-              <ma14:wrappingTextBoxFlag xmlns:ma14="http://schemas.microsoft.com/office/mac/drawingml/2011/main" xmlns="" val="1"/>
-            </a:ext>
-          </a:extLst>
         </p:spPr>
         <p:txBody>
           <a:bodyPr wrap="none" lIns="67466" tIns="67466" rIns="67466" bIns="67466" anchor="ctr">
@@ -7009,13 +6635,7 @@
       </p:sp>
       <p:sp>
         <p:nvSpPr>
-          <p:cNvPr id="36" name="文本框 10">
-            <a:extLst>
-              <a:ext uri="{FF2B5EF4-FFF2-40B4-BE49-F238E27FC236}">
-                <a16:creationId xmlns:a16="http://schemas.microsoft.com/office/drawing/2014/main" id="{50FA7410-D843-4E11-9FEA-1BBB69CD97E2}"/>
-              </a:ext>
-            </a:extLst>
-          </p:cNvPr>
+          <p:cNvPr id="36" name="文本框 10"/>
           <p:cNvSpPr txBox="1"/>
           <p:nvPr/>
         </p:nvSpPr>
@@ -7030,11 +6650,6 @@
           <a:ln w="12700">
             <a:miter lim="400000"/>
           </a:ln>
-          <a:extLst>
-            <a:ext uri="{C572A759-6A51-4108-AA02-DFA0A04FC94B}">
-              <ma14:wrappingTextBoxFlag xmlns:ma14="http://schemas.microsoft.com/office/mac/drawingml/2011/main" xmlns="" val="1"/>
-            </a:ext>
-          </a:extLst>
         </p:spPr>
         <p:txBody>
           <a:bodyPr wrap="square" lIns="45719" rIns="45719">
@@ -7047,7 +6662,7 @@
                 <a:spcPct val="200000"/>
               </a:lnSpc>
               <a:buSzPct val="100000"/>
-              <a:buFont typeface="Arial"/>
+              <a:buFont typeface="Arial" panose="020B0604020202090204"/>
               <a:buChar char="•"/>
               <a:defRPr sz="3800">
                 <a:latin typeface="Source Han Sans CN Normal"/>
@@ -7064,8 +6679,8 @@
                     <a:lumOff val="35000"/>
                   </a:schemeClr>
                 </a:solidFill>
-                <a:latin typeface="思源黑体 CN Normal" panose="020B0400000000000000" pitchFamily="34" charset="-122"/>
-                <a:ea typeface="思源黑体 CN Normal" panose="020B0400000000000000" pitchFamily="34" charset="-122"/>
+                <a:latin typeface="思源黑体 CN Normal" panose="020B0400000000000000" charset="-122"/>
+                <a:ea typeface="思源黑体 CN Normal" panose="020B0400000000000000" charset="-122"/>
               </a:rPr>
               <a:t>需求：</a:t>
             </a:r>
@@ -7077,8 +6692,8 @@
                     <a:lumOff val="35000"/>
                   </a:schemeClr>
                 </a:solidFill>
-                <a:latin typeface="思源黑体 CN Normal" panose="020B0400000000000000" pitchFamily="34" charset="-122"/>
-                <a:ea typeface="思源黑体 CN Normal" panose="020B0400000000000000" pitchFamily="34" charset="-122"/>
+                <a:latin typeface="思源黑体 CN Normal" panose="020B0400000000000000" charset="-122"/>
+                <a:ea typeface="思源黑体 CN Normal" panose="020B0400000000000000" charset="-122"/>
               </a:rPr>
               <a:t>vue</a:t>
             </a:r>
@@ -7090,8 +6705,8 @@
                     <a:lumOff val="35000"/>
                   </a:schemeClr>
                 </a:solidFill>
-                <a:latin typeface="思源黑体 CN Normal" panose="020B0400000000000000" pitchFamily="34" charset="-122"/>
-                <a:ea typeface="思源黑体 CN Normal" panose="020B0400000000000000" pitchFamily="34" charset="-122"/>
+                <a:latin typeface="思源黑体 CN Normal" panose="020B0400000000000000" charset="-122"/>
+                <a:ea typeface="思源黑体 CN Normal" panose="020B0400000000000000" charset="-122"/>
               </a:rPr>
               <a:t>中利用</a:t>
             </a:r>
@@ -7103,8 +6718,8 @@
                     <a:lumOff val="35000"/>
                   </a:schemeClr>
                 </a:solidFill>
-                <a:latin typeface="思源黑体 CN Normal" panose="020B0400000000000000" pitchFamily="34" charset="-122"/>
-                <a:ea typeface="思源黑体 CN Normal" panose="020B0400000000000000" pitchFamily="34" charset="-122"/>
+                <a:latin typeface="思源黑体 CN Normal" panose="020B0400000000000000" charset="-122"/>
+                <a:ea typeface="思源黑体 CN Normal" panose="020B0400000000000000" charset="-122"/>
               </a:rPr>
               <a:t>defineProperty</a:t>
             </a:r>
@@ -7116,23 +6731,10 @@
                     <a:lumOff val="35000"/>
                   </a:schemeClr>
                 </a:solidFill>
-                <a:latin typeface="思源黑体 CN Normal" panose="020B0400000000000000" pitchFamily="34" charset="-122"/>
-                <a:ea typeface="思源黑体 CN Normal" panose="020B0400000000000000" pitchFamily="34" charset="-122"/>
+                <a:latin typeface="思源黑体 CN Normal" panose="020B0400000000000000" charset="-122"/>
+                <a:ea typeface="思源黑体 CN Normal" panose="020B0400000000000000" charset="-122"/>
               </a:rPr>
-              <a:t>可以</a:t>
-            </a:r>
-            <a:r>
-              <a:rPr lang="zh-CN" altLang="en-US" sz="3600" dirty="0" smtClean="0">
-                <a:solidFill>
-                  <a:schemeClr val="tx1">
-                    <a:lumMod val="65000"/>
-                    <a:lumOff val="35000"/>
-                  </a:schemeClr>
-                </a:solidFill>
-                <a:latin typeface="思源黑体 CN Normal" panose="020B0400000000000000" pitchFamily="34" charset="-122"/>
-                <a:ea typeface="思源黑体 CN Normal" panose="020B0400000000000000" pitchFamily="34" charset="-122"/>
-              </a:rPr>
-              <a:t>监听对象，那么数组怎么办？</a:t>
+              <a:t>可以监听对象，那么数组怎么办？</a:t>
             </a:r>
             <a:endParaRPr lang="zh-CN" altLang="en-US" sz="3600" dirty="0">
               <a:solidFill>
@@ -7141,21 +6743,15 @@
                   <a:lumOff val="35000"/>
                 </a:schemeClr>
               </a:solidFill>
-              <a:latin typeface="思源黑体 CN Normal" panose="020B0400000000000000" pitchFamily="34" charset="-122"/>
-              <a:ea typeface="思源黑体 CN Normal" panose="020B0400000000000000" pitchFamily="34" charset="-122"/>
+              <a:latin typeface="思源黑体 CN Normal" panose="020B0400000000000000" charset="-122"/>
+              <a:ea typeface="思源黑体 CN Normal" panose="020B0400000000000000" charset="-122"/>
             </a:endParaRPr>
           </a:p>
         </p:txBody>
       </p:sp>
       <p:sp>
         <p:nvSpPr>
-          <p:cNvPr id="9" name="标题文案">
-            <a:extLst>
-              <a:ext uri="{FF2B5EF4-FFF2-40B4-BE49-F238E27FC236}">
-                <a16:creationId xmlns:a16="http://schemas.microsoft.com/office/drawing/2014/main" id="{4B9705F9-3CB8-4B72-B571-1EE76EB301FB}"/>
-              </a:ext>
-            </a:extLst>
-          </p:cNvPr>
+          <p:cNvPr id="9" name="标题文案"/>
           <p:cNvSpPr txBox="1"/>
           <p:nvPr/>
         </p:nvSpPr>
@@ -7170,11 +6766,6 @@
           <a:ln w="12700">
             <a:miter lim="400000"/>
           </a:ln>
-          <a:extLst>
-            <a:ext uri="{C572A759-6A51-4108-AA02-DFA0A04FC94B}">
-              <ma14:wrappingTextBoxFlag xmlns:ma14="http://schemas.microsoft.com/office/mac/drawingml/2011/main" xmlns="" val="1"/>
-            </a:ext>
-          </a:extLst>
         </p:spPr>
         <p:txBody>
           <a:bodyPr wrap="none" lIns="67466" tIns="67466" rIns="67466" bIns="67466" anchor="ctr">
@@ -7215,20 +6806,15 @@
         </p:txBody>
       </p:sp>
     </p:spTree>
-    <p:extLst>
-      <p:ext uri="{BB962C8B-B14F-4D97-AF65-F5344CB8AC3E}">
-        <p14:creationId xmlns:p14="http://schemas.microsoft.com/office/powerpoint/2010/main" val="582036146"/>
-      </p:ext>
-    </p:extLst>
   </p:cSld>
   <p:clrMapOvr>
     <a:masterClrMapping/>
   </p:clrMapOvr>
-  <mc:AlternateContent xmlns:mc="http://schemas.openxmlformats.org/markup-compatibility/2006" xmlns:p14="http://schemas.microsoft.com/office/powerpoint/2010/main">
-    <mc:Choice Requires="p14">
+  <mc:AlternateContent xmlns:mc="http://schemas.openxmlformats.org/markup-compatibility/2006">
+    <mc:Choice xmlns:p14="http://schemas.microsoft.com/office/powerpoint/2010/main" Requires="p14">
       <p:transition p14:dur="250"/>
     </mc:Choice>
-    <mc:Fallback xmlns="">
+    <mc:Fallback>
       <p:transition/>
     </mc:Fallback>
   </mc:AlternateContent>
@@ -7610,13 +7196,7 @@
       </p:grpSpPr>
       <p:sp>
         <p:nvSpPr>
-          <p:cNvPr id="2" name="标题 1">
-            <a:extLst>
-              <a:ext uri="{FF2B5EF4-FFF2-40B4-BE49-F238E27FC236}">
-                <a16:creationId xmlns:a16="http://schemas.microsoft.com/office/drawing/2014/main" id="{7696DFAD-5D60-4A4E-9357-D1CC052F52E4}"/>
-              </a:ext>
-            </a:extLst>
-          </p:cNvPr>
+          <p:cNvPr id="2" name="标题 1"/>
           <p:cNvSpPr>
             <a:spLocks noGrp="1"/>
           </p:cNvSpPr>
@@ -7635,11 +7215,7 @@
             </a:r>
             <a:r>
               <a:rPr lang="zh-CN" altLang="en-US" dirty="0" smtClean="0"/>
-              <a:t>模式</a:t>
-            </a:r>
-            <a:r>
-              <a:rPr lang="zh-CN" altLang="en-US" dirty="0" smtClean="0"/>
-              <a:t>的示例</a:t>
+              <a:t>模式的示例</a:t>
             </a:r>
             <a:endParaRPr lang="zh-CN" altLang="en-US" dirty="0"/>
           </a:p>
@@ -7647,13 +7223,7 @@
       </p:sp>
       <p:sp>
         <p:nvSpPr>
-          <p:cNvPr id="31" name="îsḷîḓè">
-            <a:extLst>
-              <a:ext uri="{FF2B5EF4-FFF2-40B4-BE49-F238E27FC236}">
-                <a16:creationId xmlns:a16="http://schemas.microsoft.com/office/drawing/2014/main" id="{78EB24BD-F37F-4E7C-B5C3-BEA6276DA6C1}"/>
-              </a:ext>
-            </a:extLst>
-          </p:cNvPr>
+          <p:cNvPr id="31" name="îsḷîḓè"/>
           <p:cNvSpPr/>
           <p:nvPr/>
         </p:nvSpPr>
@@ -7802,7 +7372,7 @@
                 <a:spcPct val="120000"/>
               </a:lnSpc>
             </a:pPr>
-            <a:endParaRPr lang="zh-CN" altLang="en-US" sz="1887" dirty="0">
+            <a:endParaRPr lang="zh-CN" altLang="en-US" sz="1885" dirty="0">
               <a:solidFill>
                 <a:schemeClr val="tx1">
                   <a:lumMod val="85000"/>
@@ -7815,13 +7385,7 @@
       </p:sp>
       <p:sp>
         <p:nvSpPr>
-          <p:cNvPr id="33" name="文本框 10">
-            <a:extLst>
-              <a:ext uri="{FF2B5EF4-FFF2-40B4-BE49-F238E27FC236}">
-                <a16:creationId xmlns:a16="http://schemas.microsoft.com/office/drawing/2014/main" id="{FD83416E-A1BC-4197-86F5-5D63C5FBD833}"/>
-              </a:ext>
-            </a:extLst>
-          </p:cNvPr>
+          <p:cNvPr id="33" name="文本框 10"/>
           <p:cNvSpPr txBox="1"/>
           <p:nvPr/>
         </p:nvSpPr>
@@ -7836,11 +7400,6 @@
           <a:ln w="12700">
             <a:miter lim="400000"/>
           </a:ln>
-          <a:extLst>
-            <a:ext uri="{C572A759-6A51-4108-AA02-DFA0A04FC94B}">
-              <ma14:wrappingTextBoxFlag xmlns:ma14="http://schemas.microsoft.com/office/mac/drawingml/2011/main" xmlns="" val="1"/>
-            </a:ext>
-          </a:extLst>
         </p:spPr>
         <p:txBody>
           <a:bodyPr wrap="square" lIns="45719" rIns="45719">
@@ -7868,36 +7427,10 @@
                     <a:lumOff val="35000"/>
                   </a:schemeClr>
                 </a:solidFill>
-                <a:latin typeface="思源黑体 CN Normal" panose="020B0400000000000000" pitchFamily="34" charset="-122"/>
-                <a:ea typeface="思源黑体 CN Normal" panose="020B0400000000000000" pitchFamily="34" charset="-122"/>
+                <a:latin typeface="思源黑体 CN Normal" panose="020B0400000000000000" charset="-122"/>
+                <a:ea typeface="思源黑体 CN Normal" panose="020B0400000000000000" charset="-122"/>
               </a:rPr>
-              <a:t>需求</a:t>
-            </a:r>
-            <a:r>
-              <a:rPr lang="zh-CN" altLang="en-US" sz="3600" dirty="0" smtClean="0">
-                <a:solidFill>
-                  <a:schemeClr val="tx1">
-                    <a:lumMod val="65000"/>
-                    <a:lumOff val="35000"/>
-                  </a:schemeClr>
-                </a:solidFill>
-                <a:latin typeface="思源黑体 CN Normal" panose="020B0400000000000000" pitchFamily="34" charset="-122"/>
-                <a:ea typeface="思源黑体 CN Normal" panose="020B0400000000000000" pitchFamily="34" charset="-122"/>
-              </a:rPr>
-              <a:t>：</a:t>
-            </a:r>
-            <a:r>
-              <a:rPr lang="zh-CN" altLang="en-US" sz="3600" dirty="0" smtClean="0">
-                <a:solidFill>
-                  <a:schemeClr val="tx1">
-                    <a:lumMod val="65000"/>
-                    <a:lumOff val="35000"/>
-                  </a:schemeClr>
-                </a:solidFill>
-                <a:latin typeface="思源黑体 CN Normal" panose="020B0400000000000000" pitchFamily="34" charset="-122"/>
-                <a:ea typeface="思源黑体 CN Normal" panose="020B0400000000000000" pitchFamily="34" charset="-122"/>
-              </a:rPr>
-              <a:t>要做一个画廊，图片数量和排列顺序随机</a:t>
+              <a:t>需求：要做一个画廊，图片数量和排列顺序随机</a:t>
             </a:r>
             <a:endParaRPr lang="zh-CN" altLang="en-US" sz="3600" dirty="0">
               <a:solidFill>
@@ -7906,21 +7439,15 @@
                   <a:lumOff val="35000"/>
                 </a:schemeClr>
               </a:solidFill>
-              <a:latin typeface="思源黑体 CN Normal" panose="020B0400000000000000" pitchFamily="34" charset="-122"/>
-              <a:ea typeface="思源黑体 CN Normal" panose="020B0400000000000000" pitchFamily="34" charset="-122"/>
+              <a:latin typeface="思源黑体 CN Normal" panose="020B0400000000000000" charset="-122"/>
+              <a:ea typeface="思源黑体 CN Normal" panose="020B0400000000000000" charset="-122"/>
             </a:endParaRPr>
           </a:p>
         </p:txBody>
       </p:sp>
       <p:sp>
         <p:nvSpPr>
-          <p:cNvPr id="34" name="标题文案">
-            <a:extLst>
-              <a:ext uri="{FF2B5EF4-FFF2-40B4-BE49-F238E27FC236}">
-                <a16:creationId xmlns:a16="http://schemas.microsoft.com/office/drawing/2014/main" id="{927C9726-9D2C-488C-947D-B3661320D6C1}"/>
-              </a:ext>
-            </a:extLst>
-          </p:cNvPr>
+          <p:cNvPr id="34" name="标题文案"/>
           <p:cNvSpPr txBox="1"/>
           <p:nvPr/>
         </p:nvSpPr>
@@ -7935,11 +7462,6 @@
           <a:ln w="12700">
             <a:miter lim="400000"/>
           </a:ln>
-          <a:extLst>
-            <a:ext uri="{C572A759-6A51-4108-AA02-DFA0A04FC94B}">
-              <ma14:wrappingTextBoxFlag xmlns:ma14="http://schemas.microsoft.com/office/mac/drawingml/2011/main" xmlns="" val="1"/>
-            </a:ext>
-          </a:extLst>
         </p:spPr>
         <p:txBody>
           <a:bodyPr wrap="none" lIns="67466" tIns="67466" rIns="67466" bIns="67466" anchor="ctr">
@@ -7971,13 +7493,7 @@
       </p:sp>
       <p:sp>
         <p:nvSpPr>
-          <p:cNvPr id="9" name="标题文案">
-            <a:extLst>
-              <a:ext uri="{FF2B5EF4-FFF2-40B4-BE49-F238E27FC236}">
-                <a16:creationId xmlns:a16="http://schemas.microsoft.com/office/drawing/2014/main" id="{4B9705F9-3CB8-4B72-B571-1EE76EB301FB}"/>
-              </a:ext>
-            </a:extLst>
-          </p:cNvPr>
+          <p:cNvPr id="9" name="标题文案"/>
           <p:cNvSpPr txBox="1"/>
           <p:nvPr/>
         </p:nvSpPr>
@@ -7992,11 +7508,6 @@
           <a:ln w="12700">
             <a:miter lim="400000"/>
           </a:ln>
-          <a:extLst>
-            <a:ext uri="{C572A759-6A51-4108-AA02-DFA0A04FC94B}">
-              <ma14:wrappingTextBoxFlag xmlns:ma14="http://schemas.microsoft.com/office/mac/drawingml/2011/main" xmlns="" val="1"/>
-            </a:ext>
-          </a:extLst>
         </p:spPr>
         <p:txBody>
           <a:bodyPr wrap="none" lIns="67466" tIns="67466" rIns="67466" bIns="67466" anchor="ctr">
@@ -8038,13 +7549,7 @@
       </p:sp>
       <p:sp>
         <p:nvSpPr>
-          <p:cNvPr id="10" name="îsḷîḓè">
-            <a:extLst>
-              <a:ext uri="{FF2B5EF4-FFF2-40B4-BE49-F238E27FC236}">
-                <a16:creationId xmlns:a16="http://schemas.microsoft.com/office/drawing/2014/main" id="{4DB67109-71F6-414D-8FCD-46C58880E9EC}"/>
-              </a:ext>
-            </a:extLst>
-          </p:cNvPr>
+          <p:cNvPr id="10" name="îsḷîḓè"/>
           <p:cNvSpPr/>
           <p:nvPr/>
         </p:nvSpPr>
@@ -8193,7 +7698,7 @@
                 <a:spcPct val="120000"/>
               </a:lnSpc>
             </a:pPr>
-            <a:endParaRPr lang="zh-CN" altLang="en-US" sz="1887" dirty="0">
+            <a:endParaRPr lang="zh-CN" altLang="en-US" sz="1885" dirty="0">
               <a:solidFill>
                 <a:schemeClr val="tx1">
                   <a:lumMod val="85000"/>
@@ -8206,13 +7711,7 @@
       </p:sp>
       <p:sp>
         <p:nvSpPr>
-          <p:cNvPr id="11" name="标题文案">
-            <a:extLst>
-              <a:ext uri="{FF2B5EF4-FFF2-40B4-BE49-F238E27FC236}">
-                <a16:creationId xmlns:a16="http://schemas.microsoft.com/office/drawing/2014/main" id="{4B9705F9-3CB8-4B72-B571-1EE76EB301FB}"/>
-              </a:ext>
-            </a:extLst>
-          </p:cNvPr>
+          <p:cNvPr id="11" name="标题文案"/>
           <p:cNvSpPr txBox="1"/>
           <p:nvPr/>
         </p:nvSpPr>
@@ -8227,11 +7726,6 @@
           <a:ln w="12700">
             <a:miter lim="400000"/>
           </a:ln>
-          <a:extLst>
-            <a:ext uri="{C572A759-6A51-4108-AA02-DFA0A04FC94B}">
-              <ma14:wrappingTextBoxFlag xmlns:ma14="http://schemas.microsoft.com/office/mac/drawingml/2011/main" xmlns="" val="1"/>
-            </a:ext>
-          </a:extLst>
         </p:spPr>
         <p:txBody>
           <a:bodyPr wrap="none" lIns="67466" tIns="67466" rIns="67466" bIns="67466" anchor="ctr">
@@ -8273,13 +7767,7 @@
       </p:sp>
       <p:sp>
         <p:nvSpPr>
-          <p:cNvPr id="12" name="文本框 10">
-            <a:extLst>
-              <a:ext uri="{FF2B5EF4-FFF2-40B4-BE49-F238E27FC236}">
-                <a16:creationId xmlns:a16="http://schemas.microsoft.com/office/drawing/2014/main" id="{50FA7410-D843-4E11-9FEA-1BBB69CD97E2}"/>
-              </a:ext>
-            </a:extLst>
-          </p:cNvPr>
+          <p:cNvPr id="12" name="文本框 10"/>
           <p:cNvSpPr txBox="1"/>
           <p:nvPr/>
         </p:nvSpPr>
@@ -8294,11 +7782,6 @@
           <a:ln w="12700">
             <a:miter lim="400000"/>
           </a:ln>
-          <a:extLst>
-            <a:ext uri="{C572A759-6A51-4108-AA02-DFA0A04FC94B}">
-              <ma14:wrappingTextBoxFlag xmlns:ma14="http://schemas.microsoft.com/office/mac/drawingml/2011/main" xmlns="" val="1"/>
-            </a:ext>
-          </a:extLst>
         </p:spPr>
         <p:txBody>
           <a:bodyPr wrap="square" lIns="45719" rIns="45719">
@@ -8311,7 +7794,7 @@
                 <a:spcPct val="200000"/>
               </a:lnSpc>
               <a:buSzPct val="100000"/>
-              <a:buFont typeface="Arial"/>
+              <a:buFont typeface="Arial" panose="020B0604020202090204"/>
               <a:buChar char="•"/>
               <a:defRPr sz="3800">
                 <a:latin typeface="Source Han Sans CN Normal"/>
@@ -8328,47 +7811,34 @@
                     <a:lumOff val="35000"/>
                   </a:schemeClr>
                 </a:solidFill>
-                <a:latin typeface="思源黑体 CN Normal" panose="020B0400000000000000" pitchFamily="34" charset="-122"/>
-                <a:ea typeface="思源黑体 CN Normal" panose="020B0400000000000000" pitchFamily="34" charset="-122"/>
+                <a:latin typeface="思源黑体 CN Normal" panose="020B0400000000000000" charset="-122"/>
+                <a:ea typeface="思源黑体 CN Normal" panose="020B0400000000000000" charset="-122"/>
               </a:rPr>
-              <a:t>需求</a:t>
-            </a:r>
-            <a:r>
-              <a:rPr lang="zh-CN" altLang="en-US" sz="3600" dirty="0" smtClean="0">
+              <a:t>需求：封装一系列的</a:t>
+            </a:r>
+            <a:r>
+              <a:rPr lang="en-US" altLang="zh-CN" sz="3600" dirty="0" smtClean="0">
                 <a:solidFill>
                   <a:schemeClr val="tx1">
                     <a:lumMod val="65000"/>
                     <a:lumOff val="35000"/>
                   </a:schemeClr>
                 </a:solidFill>
-                <a:latin typeface="思源黑体 CN Normal" panose="020B0400000000000000" pitchFamily="34" charset="-122"/>
-                <a:ea typeface="思源黑体 CN Normal" panose="020B0400000000000000" pitchFamily="34" charset="-122"/>
+                <a:latin typeface="思源黑体 CN Normal" panose="020B0400000000000000" charset="-122"/>
+                <a:ea typeface="思源黑体 CN Normal" panose="020B0400000000000000" charset="-122"/>
               </a:rPr>
-              <a:t>：封装一系列的</a:t>
-            </a:r>
-            <a:r>
-              <a:rPr lang="en-US" altLang="zh-CN" sz="3600" dirty="0" smtClean="0">
+              <a:t>canvas</a:t>
+            </a:r>
+            <a:r>
+              <a:rPr lang="zh-CN" altLang="en-US" sz="3600" dirty="0" smtClean="0">
                 <a:solidFill>
                   <a:schemeClr val="tx1">
                     <a:lumMod val="65000"/>
                     <a:lumOff val="35000"/>
                   </a:schemeClr>
                 </a:solidFill>
-                <a:latin typeface="思源黑体 CN Normal" panose="020B0400000000000000" pitchFamily="34" charset="-122"/>
-                <a:ea typeface="思源黑体 CN Normal" panose="020B0400000000000000" pitchFamily="34" charset="-122"/>
-              </a:rPr>
-              <a:t>canvas</a:t>
-            </a:r>
-            <a:r>
-              <a:rPr lang="zh-CN" altLang="en-US" sz="3600" dirty="0" smtClean="0">
-                <a:solidFill>
-                  <a:schemeClr val="tx1">
-                    <a:lumMod val="65000"/>
-                    <a:lumOff val="35000"/>
-                  </a:schemeClr>
-                </a:solidFill>
-                <a:latin typeface="思源黑体 CN Normal" panose="020B0400000000000000" pitchFamily="34" charset="-122"/>
-                <a:ea typeface="思源黑体 CN Normal" panose="020B0400000000000000" pitchFamily="34" charset="-122"/>
+                <a:latin typeface="思源黑体 CN Normal" panose="020B0400000000000000" charset="-122"/>
+                <a:ea typeface="思源黑体 CN Normal" panose="020B0400000000000000" charset="-122"/>
               </a:rPr>
               <a:t>绘图命令</a:t>
             </a:r>
@@ -8379,27 +7849,22 @@
                   <a:lumOff val="35000"/>
                 </a:schemeClr>
               </a:solidFill>
-              <a:latin typeface="思源黑体 CN Normal" panose="020B0400000000000000" pitchFamily="34" charset="-122"/>
-              <a:ea typeface="思源黑体 CN Normal" panose="020B0400000000000000" pitchFamily="34" charset="-122"/>
+              <a:latin typeface="思源黑体 CN Normal" panose="020B0400000000000000" charset="-122"/>
+              <a:ea typeface="思源黑体 CN Normal" panose="020B0400000000000000" charset="-122"/>
             </a:endParaRPr>
           </a:p>
         </p:txBody>
       </p:sp>
     </p:spTree>
-    <p:extLst>
-      <p:ext uri="{BB962C8B-B14F-4D97-AF65-F5344CB8AC3E}">
-        <p14:creationId xmlns:p14="http://schemas.microsoft.com/office/powerpoint/2010/main" val="2048283365"/>
-      </p:ext>
-    </p:extLst>
   </p:cSld>
   <p:clrMapOvr>
     <a:masterClrMapping/>
   </p:clrMapOvr>
-  <mc:AlternateContent xmlns:mc="http://schemas.openxmlformats.org/markup-compatibility/2006" xmlns:p14="http://schemas.microsoft.com/office/powerpoint/2010/main">
-    <mc:Choice Requires="p14">
+  <mc:AlternateContent xmlns:mc="http://schemas.openxmlformats.org/markup-compatibility/2006">
+    <mc:Choice xmlns:p14="http://schemas.microsoft.com/office/powerpoint/2010/main" Requires="p14">
       <p:transition p14:dur="250"/>
     </mc:Choice>
-    <mc:Fallback xmlns="">
+    <mc:Fallback>
       <p:transition/>
     </mc:Fallback>
   </mc:AlternateContent>
@@ -8820,7 +8285,7 @@
           </a:lstStyle>
           <a:p>
             <a:r>
-              <a:rPr lang="zh-CN" altLang="en-US" sz="5333" b="1">
+              <a:rPr lang="zh-CN" altLang="en-US" sz="5335" b="1">
                 <a:solidFill>
                   <a:schemeClr val="bg1"/>
                 </a:solidFill>
@@ -8829,6 +8294,13 @@
               </a:rPr>
               <a:t>课程小结</a:t>
             </a:r>
+            <a:endParaRPr lang="zh-CN" altLang="en-US" sz="5335" b="1">
+              <a:solidFill>
+                <a:schemeClr val="bg1"/>
+              </a:solidFill>
+              <a:latin typeface="思源黑体 CN Bold" panose="020B0800000000000000" charset="-122"/>
+              <a:ea typeface="思源黑体 CN Bold" panose="020B0800000000000000" charset="-122"/>
+            </a:endParaRPr>
           </a:p>
         </p:txBody>
       </p:sp>
@@ -8985,7 +8457,7 @@
                 <a:spcPct val="120000"/>
               </a:lnSpc>
             </a:pPr>
-            <a:endParaRPr lang="zh-CN" altLang="en-US" sz="1887" dirty="0">
+            <a:endParaRPr lang="zh-CN" altLang="en-US" sz="1885" dirty="0">
               <a:solidFill>
                 <a:schemeClr val="tx1">
                   <a:lumMod val="85000"/>
@@ -9138,7 +8610,7 @@
           </a:lstStyle>
           <a:p>
             <a:pPr algn="ctr"/>
-            <a:endParaRPr lang="zh-CN" altLang="en-US" sz="2267" b="1" dirty="0">
+            <a:endParaRPr lang="zh-CN" altLang="en-US" sz="2265" b="1" dirty="0">
               <a:solidFill>
                 <a:srgbClr val="4E4E4E"/>
               </a:solidFill>
@@ -9854,7 +9326,7 @@
           </a:lstStyle>
           <a:p>
             <a:pPr algn="ctr"/>
-            <a:endParaRPr sz="3027">
+            <a:endParaRPr sz="3025">
               <a:solidFill>
                 <a:srgbClr val="4E4E4E"/>
               </a:solidFill>
@@ -10141,66 +9613,66 @@
               </a:lnSpc>
             </a:pPr>
             <a:r>
-              <a:rPr lang="zh-CN" altLang="en-US" sz="2667" dirty="0" smtClean="0">
+              <a:rPr lang="zh-CN" altLang="en-US" sz="2665" dirty="0" smtClean="0">
                 <a:solidFill>
                   <a:schemeClr val="tx1">
                     <a:lumMod val="50000"/>
                     <a:lumOff val="50000"/>
                   </a:schemeClr>
                 </a:solidFill>
-                <a:latin typeface="思源黑体 CN Normal" panose="020B0400000000000000" pitchFamily="34" charset="-122"/>
-                <a:ea typeface="思源黑体 CN Normal" panose="020B0400000000000000" pitchFamily="34" charset="-122"/>
+                <a:latin typeface="思源黑体 CN Normal" panose="020B0400000000000000" charset="-122"/>
+                <a:ea typeface="思源黑体 CN Normal" panose="020B0400000000000000" charset="-122"/>
               </a:rPr>
               <a:t>当面临两个新老模块间接口</a:t>
             </a:r>
             <a:r>
-              <a:rPr lang="en-US" altLang="zh-CN" sz="2667" dirty="0" err="1" smtClean="0">
+              <a:rPr lang="en-US" altLang="zh-CN" sz="2665" dirty="0" err="1" smtClean="0">
                 <a:solidFill>
                   <a:schemeClr val="tx1">
                     <a:lumMod val="50000"/>
                     <a:lumOff val="50000"/>
                   </a:schemeClr>
                 </a:solidFill>
-                <a:latin typeface="思源黑体 CN Normal" panose="020B0400000000000000" pitchFamily="34" charset="-122"/>
-                <a:ea typeface="思源黑体 CN Normal" panose="020B0400000000000000" pitchFamily="34" charset="-122"/>
+                <a:latin typeface="思源黑体 CN Normal" panose="020B0400000000000000" charset="-122"/>
+                <a:ea typeface="思源黑体 CN Normal" panose="020B0400000000000000" charset="-122"/>
               </a:rPr>
               <a:t>api</a:t>
             </a:r>
             <a:r>
-              <a:rPr lang="zh-CN" altLang="en-US" sz="2667" dirty="0" smtClean="0">
+              <a:rPr lang="zh-CN" altLang="en-US" sz="2665" dirty="0" smtClean="0">
                 <a:solidFill>
                   <a:schemeClr val="tx1">
                     <a:lumMod val="50000"/>
                     <a:lumOff val="50000"/>
                   </a:schemeClr>
                 </a:solidFill>
-                <a:latin typeface="思源黑体 CN Normal" panose="020B0400000000000000" pitchFamily="34" charset="-122"/>
-                <a:ea typeface="思源黑体 CN Normal" panose="020B0400000000000000" pitchFamily="34" charset="-122"/>
+                <a:latin typeface="思源黑体 CN Normal" panose="020B0400000000000000" charset="-122"/>
+                <a:ea typeface="思源黑体 CN Normal" panose="020B0400000000000000" charset="-122"/>
               </a:rPr>
               <a:t>不匹配，可以用适配来转化</a:t>
             </a:r>
             <a:r>
-              <a:rPr lang="en-US" altLang="zh-CN" sz="2667" dirty="0" err="1" smtClean="0">
+              <a:rPr lang="en-US" altLang="zh-CN" sz="2665" dirty="0" err="1" smtClean="0">
                 <a:solidFill>
                   <a:schemeClr val="tx1">
                     <a:lumMod val="50000"/>
                     <a:lumOff val="50000"/>
                   </a:schemeClr>
                 </a:solidFill>
-                <a:latin typeface="思源黑体 CN Normal" panose="020B0400000000000000" pitchFamily="34" charset="-122"/>
-                <a:ea typeface="思源黑体 CN Normal" panose="020B0400000000000000" pitchFamily="34" charset="-122"/>
+                <a:latin typeface="思源黑体 CN Normal" panose="020B0400000000000000" charset="-122"/>
+                <a:ea typeface="思源黑体 CN Normal" panose="020B0400000000000000" charset="-122"/>
               </a:rPr>
               <a:t>api</a:t>
             </a:r>
-            <a:endParaRPr lang="en-US" altLang="zh-CN" sz="2667" dirty="0">
+            <a:endParaRPr lang="en-US" altLang="zh-CN" sz="2665" dirty="0">
               <a:solidFill>
                 <a:schemeClr val="tx1">
                   <a:lumMod val="50000"/>
                   <a:lumOff val="50000"/>
                 </a:schemeClr>
               </a:solidFill>
-              <a:latin typeface="思源黑体 CN Normal" panose="020B0400000000000000" pitchFamily="34" charset="-122"/>
-              <a:ea typeface="思源黑体 CN Normal" panose="020B0400000000000000" pitchFamily="34" charset="-122"/>
+              <a:latin typeface="思源黑体 CN Normal" panose="020B0400000000000000" charset="-122"/>
+              <a:ea typeface="思源黑体 CN Normal" panose="020B0400000000000000" charset="-122"/>
             </a:endParaRPr>
           </a:p>
         </p:txBody>
@@ -10358,7 +9830,7 @@
                 <a:spcPct val="120000"/>
               </a:lnSpc>
             </a:pPr>
-            <a:endParaRPr lang="zh-CN" altLang="en-US" sz="1887" dirty="0">
+            <a:endParaRPr lang="zh-CN" altLang="en-US" sz="1885" dirty="0">
               <a:solidFill>
                 <a:schemeClr val="tx1">
                   <a:lumMod val="85000"/>
@@ -10513,7 +9985,7 @@
           </a:lstStyle>
           <a:p>
             <a:pPr algn="ctr"/>
-            <a:endParaRPr lang="zh-CN" altLang="en-US" sz="2267" b="1" dirty="0">
+            <a:endParaRPr lang="zh-CN" altLang="en-US" sz="2265" b="1" dirty="0">
               <a:solidFill>
                 <a:srgbClr val="1475B2"/>
               </a:solidFill>
@@ -10869,7 +10341,7 @@
           </a:lstStyle>
           <a:p>
             <a:pPr algn="ctr"/>
-            <a:endParaRPr sz="3027"/>
+            <a:endParaRPr sz="3025"/>
           </a:p>
         </p:txBody>
       </p:sp>
@@ -11147,27 +10619,27 @@
               </a:lnSpc>
             </a:pPr>
             <a:r>
-              <a:rPr lang="zh-CN" altLang="en-US" sz="2667" dirty="0" smtClean="0">
+              <a:rPr lang="zh-CN" altLang="en-US" sz="2665" dirty="0" smtClean="0">
                 <a:solidFill>
                   <a:schemeClr val="tx1">
                     <a:lumMod val="50000"/>
                     <a:lumOff val="50000"/>
                   </a:schemeClr>
                 </a:solidFill>
-                <a:latin typeface="思源黑体 CN Normal" panose="020B0400000000000000" pitchFamily="34" charset="-122"/>
-                <a:ea typeface="思源黑体 CN Normal" panose="020B0400000000000000" pitchFamily="34" charset="-122"/>
+                <a:latin typeface="思源黑体 CN Normal" panose="020B0400000000000000" charset="-122"/>
+                <a:ea typeface="思源黑体 CN Normal" panose="020B0400000000000000" charset="-122"/>
               </a:rPr>
               <a:t>当老的方法，不方便去直接修改，可以通过装饰者来增加功能</a:t>
             </a:r>
-            <a:endParaRPr lang="en-US" altLang="zh-CN" sz="2667" dirty="0">
+            <a:endParaRPr lang="en-US" altLang="zh-CN" sz="2665" dirty="0">
               <a:solidFill>
                 <a:schemeClr val="tx1">
                   <a:lumMod val="50000"/>
                   <a:lumOff val="50000"/>
                 </a:schemeClr>
               </a:solidFill>
-              <a:latin typeface="思源黑体 CN Normal" panose="020B0400000000000000" pitchFamily="34" charset="-122"/>
-              <a:ea typeface="思源黑体 CN Normal" panose="020B0400000000000000" pitchFamily="34" charset="-122"/>
+              <a:latin typeface="思源黑体 CN Normal" panose="020B0400000000000000" charset="-122"/>
+              <a:ea typeface="思源黑体 CN Normal" panose="020B0400000000000000" charset="-122"/>
             </a:endParaRPr>
           </a:p>
         </p:txBody>
@@ -11191,6 +10663,7 @@
               <a:rPr lang="zh-CN" altLang="en-US" dirty="0"/>
               <a:t>课程小结</a:t>
             </a:r>
+            <a:endParaRPr lang="zh-CN" altLang="en-US" dirty="0"/>
           </a:p>
         </p:txBody>
       </p:sp>
@@ -11347,7 +10820,7 @@
                 <a:spcPct val="120000"/>
               </a:lnSpc>
             </a:pPr>
-            <a:endParaRPr lang="zh-CN" altLang="en-US" sz="1887" dirty="0">
+            <a:endParaRPr lang="zh-CN" altLang="en-US" sz="1885" dirty="0">
               <a:solidFill>
                 <a:schemeClr val="tx1">
                   <a:lumMod val="85000"/>
@@ -11500,7 +10973,7 @@
           </a:lstStyle>
           <a:p>
             <a:pPr algn="ctr"/>
-            <a:endParaRPr lang="zh-CN" altLang="en-US" sz="2267" b="1" dirty="0"/>
+            <a:endParaRPr lang="zh-CN" altLang="en-US" sz="2265" b="1" dirty="0"/>
           </a:p>
         </p:txBody>
       </p:sp>
@@ -11917,7 +11390,7 @@
           </a:lstStyle>
           <a:p>
             <a:pPr algn="ctr"/>
-            <a:endParaRPr sz="3027"/>
+            <a:endParaRPr sz="3025"/>
           </a:p>
         </p:txBody>
       </p:sp>
@@ -12190,37 +11663,32 @@
               </a:lnSpc>
             </a:pPr>
             <a:r>
-              <a:rPr lang="zh-CN" altLang="en-US" sz="2667" dirty="0" smtClean="0">
+              <a:rPr lang="zh-CN" altLang="en-US" sz="2665" dirty="0" smtClean="0">
                 <a:solidFill>
                   <a:schemeClr val="tx1">
                     <a:lumMod val="50000"/>
                     <a:lumOff val="50000"/>
                   </a:schemeClr>
                 </a:solidFill>
-                <a:latin typeface="思源黑体 CN Normal" panose="020B0400000000000000" pitchFamily="34" charset="-122"/>
-                <a:ea typeface="思源黑体 CN Normal" panose="020B0400000000000000" pitchFamily="34" charset="-122"/>
+                <a:latin typeface="思源黑体 CN Normal" panose="020B0400000000000000" charset="-122"/>
+                <a:ea typeface="思源黑体 CN Normal" panose="020B0400000000000000" charset="-122"/>
               </a:rPr>
               <a:t>解耦实现与具体命令，让实现端和命令端扩展的都更轻松</a:t>
             </a:r>
-            <a:endParaRPr lang="en-US" altLang="zh-CN" sz="2667" dirty="0">
+            <a:endParaRPr lang="en-US" altLang="zh-CN" sz="2665" dirty="0">
               <a:solidFill>
                 <a:schemeClr val="tx1">
                   <a:lumMod val="50000"/>
                   <a:lumOff val="50000"/>
                 </a:schemeClr>
               </a:solidFill>
-              <a:latin typeface="思源黑体 CN Normal" panose="020B0400000000000000" pitchFamily="34" charset="-122"/>
-              <a:ea typeface="思源黑体 CN Normal" panose="020B0400000000000000" pitchFamily="34" charset="-122"/>
+              <a:latin typeface="思源黑体 CN Normal" panose="020B0400000000000000" charset="-122"/>
+              <a:ea typeface="思源黑体 CN Normal" panose="020B0400000000000000" charset="-122"/>
             </a:endParaRPr>
           </a:p>
         </p:txBody>
       </p:sp>
     </p:spTree>
-    <p:extLst>
-      <p:ext uri="{BB962C8B-B14F-4D97-AF65-F5344CB8AC3E}">
-        <p14:creationId xmlns:p14="http://schemas.microsoft.com/office/powerpoint/2010/main" val="1685824903"/>
-      </p:ext>
-    </p:extLst>
   </p:cSld>
   <p:clrMapOvr>
     <a:masterClrMapping/>
@@ -12295,26 +11763,20 @@
           <a:lstStyle/>
           <a:p>
             <a:pPr algn="ctr"/>
-            <a:endParaRPr lang="zh-CN" altLang="en-US" sz="4533"/>
+            <a:endParaRPr lang="zh-CN" altLang="en-US" sz="4535"/>
           </a:p>
         </p:txBody>
       </p:sp>
       <p:pic>
         <p:nvPicPr>
-          <p:cNvPr id="12" name="图片 11">
-            <a:extLst>
-              <a:ext uri="{FF2B5EF4-FFF2-40B4-BE49-F238E27FC236}">
-                <a16:creationId xmlns:a16="http://schemas.microsoft.com/office/drawing/2014/main" id="{2D72C969-8832-466D-ABC0-5DB957318E91}"/>
-              </a:ext>
-            </a:extLst>
-          </p:cNvPr>
+          <p:cNvPr id="12" name="图片 11"/>
           <p:cNvPicPr>
             <a:picLocks noChangeAspect="1"/>
           </p:cNvPicPr>
           <p:nvPr/>
         </p:nvPicPr>
         <p:blipFill rotWithShape="1">
-          <a:blip r:embed="rId3"/>
+          <a:blip r:embed="rId1"/>
           <a:srcRect l="2676" t="13262" r="34397" b="22052"/>
           <a:stretch>
             <a:fillRect/>
@@ -12372,7 +11834,7 @@
           <a:lstStyle/>
           <a:p>
             <a:pPr algn="ctr"/>
-            <a:endParaRPr lang="zh-CN" altLang="en-US" sz="4533"/>
+            <a:endParaRPr lang="zh-CN" altLang="en-US" sz="4535"/>
           </a:p>
         </p:txBody>
       </p:sp>
@@ -12480,31 +11942,31 @@
                 <a:solidFill>
                   <a:schemeClr val="bg1"/>
                 </a:solidFill>
-                <a:latin typeface="思源黑体 CN Normal" panose="020B0400000000000000" pitchFamily="34" charset="-122"/>
-                <a:ea typeface="思源黑体 CN Normal" panose="020B0400000000000000" pitchFamily="34" charset="-122"/>
+                <a:latin typeface="思源黑体 CN Normal" panose="020B0400000000000000" charset="-122"/>
+                <a:ea typeface="思源黑体 CN Normal" panose="020B0400000000000000" charset="-122"/>
                 <a:cs typeface="Times New Roman" panose="02020603050405020304" pitchFamily="18" charset="0"/>
               </a:rPr>
               <a:t>谢谢观看</a:t>
             </a:r>
+            <a:endParaRPr lang="zh-CN" altLang="en-US" sz="14000" b="1" dirty="0">
+              <a:solidFill>
+                <a:schemeClr val="bg1"/>
+              </a:solidFill>
+              <a:latin typeface="思源黑体 CN Normal" panose="020B0400000000000000" charset="-122"/>
+              <a:ea typeface="思源黑体 CN Normal" panose="020B0400000000000000" charset="-122"/>
+              <a:cs typeface="Times New Roman" panose="02020603050405020304" pitchFamily="18" charset="0"/>
+            </a:endParaRPr>
           </a:p>
         </p:txBody>
       </p:sp>
       <p:pic>
         <p:nvPicPr>
-          <p:cNvPr id="8" name="图片 7">
-            <a:extLst>
-              <a:ext uri="{FF2B5EF4-FFF2-40B4-BE49-F238E27FC236}">
-                <a16:creationId xmlns:a16="http://schemas.microsoft.com/office/drawing/2014/main" id="{4B2ACB2B-1903-44A0-84E5-3FF920F9DC66}"/>
-              </a:ext>
-            </a:extLst>
-          </p:cNvPr>
-          <p:cNvPicPr>
-            <a:picLocks/>
-          </p:cNvPicPr>
+          <p:cNvPr id="8" name="图片 7"/>
+          <p:cNvPicPr/>
           <p:nvPr/>
         </p:nvPicPr>
         <p:blipFill>
-          <a:blip r:embed="rId4">
+          <a:blip r:embed="rId2">
             <a:extLst>
               <a:ext uri="{28A0092B-C50C-407E-A947-70E740481C1C}">
                 <a14:useLocalDpi xmlns:a14="http://schemas.microsoft.com/office/drawing/2010/main" val="0"/>
@@ -12553,13 +12015,7 @@
       </p:grpSpPr>
       <p:sp>
         <p:nvSpPr>
-          <p:cNvPr id="2" name="标题 1">
-            <a:extLst>
-              <a:ext uri="{FF2B5EF4-FFF2-40B4-BE49-F238E27FC236}">
-                <a16:creationId xmlns:a16="http://schemas.microsoft.com/office/drawing/2014/main" id="{B7674CC0-6D43-4C24-987D-5D70B257A208}"/>
-              </a:ext>
-            </a:extLst>
-          </p:cNvPr>
+          <p:cNvPr id="2" name="标题 1"/>
           <p:cNvSpPr>
             <a:spLocks noGrp="1"/>
           </p:cNvSpPr>
@@ -12590,13 +12046,7 @@
       </p:sp>
       <p:sp>
         <p:nvSpPr>
-          <p:cNvPr id="3" name="文本占位符 2">
-            <a:extLst>
-              <a:ext uri="{FF2B5EF4-FFF2-40B4-BE49-F238E27FC236}">
-                <a16:creationId xmlns:a16="http://schemas.microsoft.com/office/drawing/2014/main" id="{4D1DAAE9-1A35-45F4-BB02-79C60D7EE16B}"/>
-              </a:ext>
-            </a:extLst>
-          </p:cNvPr>
+          <p:cNvPr id="3" name="文本占位符 2"/>
           <p:cNvSpPr>
             <a:spLocks noGrp="1"/>
           </p:cNvSpPr>
@@ -12619,13 +12069,7 @@
       </p:sp>
       <p:sp>
         <p:nvSpPr>
-          <p:cNvPr id="5" name="文本占位符 4">
-            <a:extLst>
-              <a:ext uri="{FF2B5EF4-FFF2-40B4-BE49-F238E27FC236}">
-                <a16:creationId xmlns:a16="http://schemas.microsoft.com/office/drawing/2014/main" id="{1C7BE910-FE23-485F-8B10-4CD4F88EF51A}"/>
-              </a:ext>
-            </a:extLst>
-          </p:cNvPr>
+          <p:cNvPr id="5" name="文本占位符 4"/>
           <p:cNvSpPr>
             <a:spLocks noGrp="1"/>
           </p:cNvSpPr>
@@ -12647,20 +12091,15 @@
         </p:txBody>
       </p:sp>
     </p:spTree>
-    <p:extLst>
-      <p:ext uri="{BB962C8B-B14F-4D97-AF65-F5344CB8AC3E}">
-        <p14:creationId xmlns:p14="http://schemas.microsoft.com/office/powerpoint/2010/main" val="435263274"/>
-      </p:ext>
-    </p:extLst>
   </p:cSld>
   <p:clrMapOvr>
     <a:masterClrMapping/>
   </p:clrMapOvr>
-  <mc:AlternateContent xmlns:mc="http://schemas.openxmlformats.org/markup-compatibility/2006" xmlns:p14="http://schemas.microsoft.com/office/powerpoint/2010/main">
-    <mc:Choice Requires="p14">
+  <mc:AlternateContent xmlns:mc="http://schemas.openxmlformats.org/markup-compatibility/2006">
+    <mc:Choice xmlns:p14="http://schemas.microsoft.com/office/powerpoint/2010/main" Requires="p14">
       <p:transition p14:dur="250"/>
     </mc:Choice>
-    <mc:Fallback xmlns="">
+    <mc:Fallback>
       <p:transition/>
     </mc:Fallback>
   </mc:AlternateContent>
@@ -12693,13 +12132,7 @@
       </p:grpSpPr>
       <p:sp>
         <p:nvSpPr>
-          <p:cNvPr id="2" name="标题 1">
-            <a:extLst>
-              <a:ext uri="{FF2B5EF4-FFF2-40B4-BE49-F238E27FC236}">
-                <a16:creationId xmlns:a16="http://schemas.microsoft.com/office/drawing/2014/main" id="{BB47D595-0AFD-4AAA-AC88-9D2DBBC5E29D}"/>
-              </a:ext>
-            </a:extLst>
-          </p:cNvPr>
+          <p:cNvPr id="2" name="标题 1"/>
           <p:cNvSpPr>
             <a:spLocks noGrp="1"/>
           </p:cNvSpPr>
@@ -12722,13 +12155,7 @@
       </p:sp>
       <p:sp>
         <p:nvSpPr>
-          <p:cNvPr id="6" name="产品概述">
-            <a:extLst>
-              <a:ext uri="{FF2B5EF4-FFF2-40B4-BE49-F238E27FC236}">
-                <a16:creationId xmlns:a16="http://schemas.microsoft.com/office/drawing/2014/main" id="{682F6A94-33DA-478E-B3EA-89453E805BA8}"/>
-              </a:ext>
-            </a:extLst>
-          </p:cNvPr>
+          <p:cNvPr id="6" name="产品概述"/>
           <p:cNvSpPr txBox="1"/>
           <p:nvPr/>
         </p:nvSpPr>
@@ -12743,11 +12170,6 @@
           <a:ln w="12700">
             <a:miter lim="400000"/>
           </a:ln>
-          <a:extLst>
-            <a:ext uri="{C572A759-6A51-4108-AA02-DFA0A04FC94B}">
-              <ma14:wrappingTextBoxFlag xmlns="" xmlns:ma14="http://schemas.microsoft.com/office/mac/drawingml/2011/main" val="1"/>
-            </a:ext>
-          </a:extLst>
         </p:spPr>
         <p:txBody>
           <a:bodyPr wrap="square" lIns="45721" tIns="45721" rIns="45721" bIns="45721">
@@ -12783,13 +12205,7 @@
       </p:sp>
       <p:sp>
         <p:nvSpPr>
-          <p:cNvPr id="7" name="产品概述">
-            <a:extLst>
-              <a:ext uri="{FF2B5EF4-FFF2-40B4-BE49-F238E27FC236}">
-                <a16:creationId xmlns:a16="http://schemas.microsoft.com/office/drawing/2014/main" id="{5C74026A-BB84-4826-8F47-19883DBA45DD}"/>
-              </a:ext>
-            </a:extLst>
-          </p:cNvPr>
+          <p:cNvPr id="7" name="产品概述"/>
           <p:cNvSpPr txBox="1"/>
           <p:nvPr/>
         </p:nvSpPr>
@@ -12804,11 +12220,6 @@
           <a:ln w="12700">
             <a:miter lim="400000"/>
           </a:ln>
-          <a:extLst>
-            <a:ext uri="{C572A759-6A51-4108-AA02-DFA0A04FC94B}">
-              <ma14:wrappingTextBoxFlag xmlns="" xmlns:ma14="http://schemas.microsoft.com/office/mac/drawingml/2011/main" val="1"/>
-            </a:ext>
-          </a:extLst>
         </p:spPr>
         <p:txBody>
           <a:bodyPr wrap="square" lIns="45721" tIns="45721" rIns="45721" bIns="45721">
@@ -12845,13 +12256,7 @@
       </p:sp>
       <p:sp>
         <p:nvSpPr>
-          <p:cNvPr id="8" name="产品概述">
-            <a:extLst>
-              <a:ext uri="{FF2B5EF4-FFF2-40B4-BE49-F238E27FC236}">
-                <a16:creationId xmlns:a16="http://schemas.microsoft.com/office/drawing/2014/main" id="{85C581FF-3AA6-45ED-A243-C282031C7B68}"/>
-              </a:ext>
-            </a:extLst>
-          </p:cNvPr>
+          <p:cNvPr id="8" name="产品概述"/>
           <p:cNvSpPr txBox="1"/>
           <p:nvPr/>
         </p:nvSpPr>
@@ -12866,11 +12271,6 @@
           <a:ln w="12700">
             <a:miter lim="400000"/>
           </a:ln>
-          <a:extLst>
-            <a:ext uri="{C572A759-6A51-4108-AA02-DFA0A04FC94B}">
-              <ma14:wrappingTextBoxFlag xmlns="" xmlns:ma14="http://schemas.microsoft.com/office/mac/drawingml/2011/main" val="1"/>
-            </a:ext>
-          </a:extLst>
         </p:spPr>
         <p:txBody>
           <a:bodyPr wrap="square" lIns="45721" tIns="45721" rIns="45721" bIns="45721">
@@ -12907,13 +12307,7 @@
       </p:sp>
       <p:grpSp>
         <p:nvGrpSpPr>
-          <p:cNvPr id="9" name="组合 8">
-            <a:extLst>
-              <a:ext uri="{FF2B5EF4-FFF2-40B4-BE49-F238E27FC236}">
-                <a16:creationId xmlns:a16="http://schemas.microsoft.com/office/drawing/2014/main" id="{6D39F749-683F-421C-9D84-7A2E29A3CEF0}"/>
-              </a:ext>
-            </a:extLst>
-          </p:cNvPr>
+          <p:cNvPr id="9" name="组合 8"/>
           <p:cNvGrpSpPr/>
           <p:nvPr/>
         </p:nvGrpSpPr>
@@ -12927,13 +12321,7 @@
         </p:grpSpPr>
         <p:sp>
           <p:nvSpPr>
-            <p:cNvPr id="10" name="01">
-              <a:extLst>
-                <a:ext uri="{FF2B5EF4-FFF2-40B4-BE49-F238E27FC236}">
-                  <a16:creationId xmlns:a16="http://schemas.microsoft.com/office/drawing/2014/main" id="{E66FA11F-5B2B-4794-9FEC-3F9677EC1A30}"/>
-                </a:ext>
-              </a:extLst>
-            </p:cNvPr>
+            <p:cNvPr id="10" name="01"/>
             <p:cNvSpPr txBox="1"/>
             <p:nvPr/>
           </p:nvSpPr>
@@ -12948,11 +12336,6 @@
             <a:ln w="12700">
               <a:miter lim="400000"/>
             </a:ln>
-            <a:extLst>
-              <a:ext uri="{C572A759-6A51-4108-AA02-DFA0A04FC94B}">
-                <ma14:wrappingTextBoxFlag xmlns="" xmlns:ma14="http://schemas.microsoft.com/office/mac/drawingml/2011/main" val="1"/>
-              </a:ext>
-            </a:extLst>
           </p:spPr>
           <p:txBody>
             <a:bodyPr wrap="none" lIns="67471" tIns="67471" rIns="67471" bIns="67471" anchor="ctr">
@@ -12973,27 +12356,28 @@
             </a:lstStyle>
             <a:p>
               <a:r>
-                <a:rPr sz="8001" b="1" dirty="0">
+                <a:rPr sz="8000" b="1" dirty="0">
                   <a:solidFill>
                     <a:srgbClr val="218DD6"/>
                   </a:solidFill>
-                  <a:latin typeface="思源黑体 CN Bold" panose="020B0800000000000000" pitchFamily="34" charset="-122"/>
-                  <a:ea typeface="思源黑体 CN Bold" panose="020B0800000000000000" pitchFamily="34" charset="-122"/>
+                  <a:latin typeface="思源黑体 CN Bold" panose="020B0800000000000000" charset="-122"/>
+                  <a:ea typeface="思源黑体 CN Bold" panose="020B0800000000000000" charset="-122"/>
                 </a:rPr>
                 <a:t>01</a:t>
               </a:r>
+              <a:endParaRPr sz="8000" b="1" dirty="0">
+                <a:solidFill>
+                  <a:srgbClr val="218DD6"/>
+                </a:solidFill>
+                <a:latin typeface="思源黑体 CN Bold" panose="020B0800000000000000" charset="-122"/>
+                <a:ea typeface="思源黑体 CN Bold" panose="020B0800000000000000" charset="-122"/>
+              </a:endParaRPr>
             </a:p>
           </p:txBody>
         </p:sp>
         <p:sp>
           <p:nvSpPr>
-            <p:cNvPr id="11" name="矩形 10">
-              <a:extLst>
-                <a:ext uri="{FF2B5EF4-FFF2-40B4-BE49-F238E27FC236}">
-                  <a16:creationId xmlns:a16="http://schemas.microsoft.com/office/drawing/2014/main" id="{C3534F8B-C5C9-4252-A4E0-24C405A742DC}"/>
-                </a:ext>
-              </a:extLst>
-            </p:cNvPr>
+            <p:cNvPr id="11" name="矩形 10"/>
             <p:cNvSpPr/>
             <p:nvPr/>
           </p:nvSpPr>
@@ -13040,13 +12424,7 @@
       </p:grpSp>
       <p:grpSp>
         <p:nvGrpSpPr>
-          <p:cNvPr id="12" name="组合 11">
-            <a:extLst>
-              <a:ext uri="{FF2B5EF4-FFF2-40B4-BE49-F238E27FC236}">
-                <a16:creationId xmlns:a16="http://schemas.microsoft.com/office/drawing/2014/main" id="{0E425E27-FB28-4585-B572-8FB1AF52DB8F}"/>
-              </a:ext>
-            </a:extLst>
-          </p:cNvPr>
+          <p:cNvPr id="12" name="组合 11"/>
           <p:cNvGrpSpPr/>
           <p:nvPr/>
         </p:nvGrpSpPr>
@@ -13060,13 +12438,7 @@
         </p:grpSpPr>
         <p:sp>
           <p:nvSpPr>
-            <p:cNvPr id="13" name="03">
-              <a:extLst>
-                <a:ext uri="{FF2B5EF4-FFF2-40B4-BE49-F238E27FC236}">
-                  <a16:creationId xmlns:a16="http://schemas.microsoft.com/office/drawing/2014/main" id="{0D779811-6126-4931-9A26-CA7FE78808CF}"/>
-                </a:ext>
-              </a:extLst>
-            </p:cNvPr>
+            <p:cNvPr id="13" name="03"/>
             <p:cNvSpPr txBox="1"/>
             <p:nvPr/>
           </p:nvSpPr>
@@ -13081,11 +12453,6 @@
             <a:ln w="12700">
               <a:miter lim="400000"/>
             </a:ln>
-            <a:extLst>
-              <a:ext uri="{C572A759-6A51-4108-AA02-DFA0A04FC94B}">
-                <ma14:wrappingTextBoxFlag xmlns="" xmlns:ma14="http://schemas.microsoft.com/office/mac/drawingml/2011/main" val="1"/>
-              </a:ext>
-            </a:extLst>
           </p:spPr>
           <p:txBody>
             <a:bodyPr wrap="none" lIns="67471" tIns="67471" rIns="67471" bIns="67471" anchor="ctr">
@@ -13106,27 +12473,28 @@
             </a:lstStyle>
             <a:p>
               <a:r>
-                <a:rPr sz="8001" dirty="0">
+                <a:rPr sz="8000" dirty="0">
                   <a:solidFill>
                     <a:srgbClr val="218DD6"/>
                   </a:solidFill>
-                  <a:latin typeface="思源黑体 CN Bold" panose="020B0800000000000000" pitchFamily="34" charset="-122"/>
-                  <a:ea typeface="思源黑体 CN Bold" panose="020B0800000000000000" pitchFamily="34" charset="-122"/>
+                  <a:latin typeface="思源黑体 CN Bold" panose="020B0800000000000000" charset="-122"/>
+                  <a:ea typeface="思源黑体 CN Bold" panose="020B0800000000000000" charset="-122"/>
                 </a:rPr>
                 <a:t>03</a:t>
               </a:r>
+              <a:endParaRPr sz="8000" dirty="0">
+                <a:solidFill>
+                  <a:srgbClr val="218DD6"/>
+                </a:solidFill>
+                <a:latin typeface="思源黑体 CN Bold" panose="020B0800000000000000" charset="-122"/>
+                <a:ea typeface="思源黑体 CN Bold" panose="020B0800000000000000" charset="-122"/>
+              </a:endParaRPr>
             </a:p>
           </p:txBody>
         </p:sp>
         <p:sp>
           <p:nvSpPr>
-            <p:cNvPr id="14" name="矩形 13">
-              <a:extLst>
-                <a:ext uri="{FF2B5EF4-FFF2-40B4-BE49-F238E27FC236}">
-                  <a16:creationId xmlns:a16="http://schemas.microsoft.com/office/drawing/2014/main" id="{3885BC98-183A-4EFE-A975-3510AEB61D93}"/>
-                </a:ext>
-              </a:extLst>
-            </p:cNvPr>
+            <p:cNvPr id="14" name="矩形 13"/>
             <p:cNvSpPr/>
             <p:nvPr/>
           </p:nvSpPr>
@@ -13173,13 +12541,7 @@
       </p:grpSp>
       <p:grpSp>
         <p:nvGrpSpPr>
-          <p:cNvPr id="15" name="组合 14">
-            <a:extLst>
-              <a:ext uri="{FF2B5EF4-FFF2-40B4-BE49-F238E27FC236}">
-                <a16:creationId xmlns:a16="http://schemas.microsoft.com/office/drawing/2014/main" id="{6DE18360-90DD-4CE6-B745-5C89579BA64A}"/>
-              </a:ext>
-            </a:extLst>
-          </p:cNvPr>
+          <p:cNvPr id="15" name="组合 14"/>
           <p:cNvGrpSpPr/>
           <p:nvPr/>
         </p:nvGrpSpPr>
@@ -13193,13 +12555,7 @@
         </p:grpSpPr>
         <p:sp>
           <p:nvSpPr>
-            <p:cNvPr id="16" name="02">
-              <a:extLst>
-                <a:ext uri="{FF2B5EF4-FFF2-40B4-BE49-F238E27FC236}">
-                  <a16:creationId xmlns:a16="http://schemas.microsoft.com/office/drawing/2014/main" id="{00607034-1F4B-484B-BEB4-2F6D27632272}"/>
-                </a:ext>
-              </a:extLst>
-            </p:cNvPr>
+            <p:cNvPr id="16" name="02"/>
             <p:cNvSpPr txBox="1"/>
             <p:nvPr/>
           </p:nvSpPr>
@@ -13214,11 +12570,6 @@
             <a:ln w="12700">
               <a:miter lim="400000"/>
             </a:ln>
-            <a:extLst>
-              <a:ext uri="{C572A759-6A51-4108-AA02-DFA0A04FC94B}">
-                <ma14:wrappingTextBoxFlag xmlns="" xmlns:ma14="http://schemas.microsoft.com/office/mac/drawingml/2011/main" val="1"/>
-              </a:ext>
-            </a:extLst>
           </p:spPr>
           <p:txBody>
             <a:bodyPr wrap="none" lIns="67471" tIns="67471" rIns="67471" bIns="67471" anchor="ctr">
@@ -13239,27 +12590,28 @@
             </a:lstStyle>
             <a:p>
               <a:r>
-                <a:rPr sz="8001" dirty="0">
+                <a:rPr sz="8000" dirty="0">
                   <a:solidFill>
                     <a:srgbClr val="113A78"/>
                   </a:solidFill>
-                  <a:latin typeface="思源黑体 CN Bold" panose="020B0800000000000000" pitchFamily="34" charset="-122"/>
-                  <a:ea typeface="思源黑体 CN Bold" panose="020B0800000000000000" pitchFamily="34" charset="-122"/>
+                  <a:latin typeface="思源黑体 CN Bold" panose="020B0800000000000000" charset="-122"/>
+                  <a:ea typeface="思源黑体 CN Bold" panose="020B0800000000000000" charset="-122"/>
                 </a:rPr>
                 <a:t>02</a:t>
               </a:r>
+              <a:endParaRPr sz="8000" dirty="0">
+                <a:solidFill>
+                  <a:srgbClr val="113A78"/>
+                </a:solidFill>
+                <a:latin typeface="思源黑体 CN Bold" panose="020B0800000000000000" charset="-122"/>
+                <a:ea typeface="思源黑体 CN Bold" panose="020B0800000000000000" charset="-122"/>
+              </a:endParaRPr>
             </a:p>
           </p:txBody>
         </p:sp>
         <p:sp>
           <p:nvSpPr>
-            <p:cNvPr id="17" name="矩形 16">
-              <a:extLst>
-                <a:ext uri="{FF2B5EF4-FFF2-40B4-BE49-F238E27FC236}">
-                  <a16:creationId xmlns:a16="http://schemas.microsoft.com/office/drawing/2014/main" id="{077BBD4C-6BD5-4E4F-A096-EC7E902AC545}"/>
-                </a:ext>
-              </a:extLst>
-            </p:cNvPr>
+            <p:cNvPr id="17" name="矩形 16"/>
             <p:cNvSpPr/>
             <p:nvPr/>
           </p:nvSpPr>
@@ -13305,20 +12657,15 @@
         </p:sp>
       </p:grpSp>
     </p:spTree>
-    <p:extLst>
-      <p:ext uri="{BB962C8B-B14F-4D97-AF65-F5344CB8AC3E}">
-        <p14:creationId xmlns:p14="http://schemas.microsoft.com/office/powerpoint/2010/main" val="2320689602"/>
-      </p:ext>
-    </p:extLst>
   </p:cSld>
   <p:clrMapOvr>
     <a:masterClrMapping/>
   </p:clrMapOvr>
-  <mc:AlternateContent xmlns:mc="http://schemas.openxmlformats.org/markup-compatibility/2006" xmlns:p14="http://schemas.microsoft.com/office/powerpoint/2010/main">
-    <mc:Choice Requires="p14">
+  <mc:AlternateContent xmlns:mc="http://schemas.openxmlformats.org/markup-compatibility/2006">
+    <mc:Choice xmlns:p14="http://schemas.microsoft.com/office/powerpoint/2010/main" Requires="p14">
       <p:transition p14:dur="250"/>
     </mc:Choice>
-    <mc:Fallback xmlns="">
+    <mc:Fallback>
       <p:transition/>
     </mc:Fallback>
   </mc:AlternateContent>
@@ -13380,7 +12727,7 @@
                 <a:solidFill>
                   <a:schemeClr val="tx1"/>
                 </a:solidFill>
-                <a:latin typeface="Arial" panose="020B0604020202020204" pitchFamily="34" charset="0"/>
+                <a:latin typeface="Arial" panose="020B0604020202090204" pitchFamily="34" charset="0"/>
                 <a:ea typeface="宋体" panose="02010600030101010101" pitchFamily="2" charset="-122"/>
               </a:defRPr>
             </a:lvl1pPr>
@@ -13389,7 +12736,7 @@
                 <a:solidFill>
                   <a:schemeClr val="tx1"/>
                 </a:solidFill>
-                <a:latin typeface="Arial" panose="020B0604020202020204" pitchFamily="34" charset="0"/>
+                <a:latin typeface="Arial" panose="020B0604020202090204" pitchFamily="34" charset="0"/>
                 <a:ea typeface="宋体" panose="02010600030101010101" pitchFamily="2" charset="-122"/>
               </a:defRPr>
             </a:lvl2pPr>
@@ -13398,7 +12745,7 @@
                 <a:solidFill>
                   <a:schemeClr val="tx1"/>
                 </a:solidFill>
-                <a:latin typeface="Arial" panose="020B0604020202020204" pitchFamily="34" charset="0"/>
+                <a:latin typeface="Arial" panose="020B0604020202090204" pitchFamily="34" charset="0"/>
                 <a:ea typeface="宋体" panose="02010600030101010101" pitchFamily="2" charset="-122"/>
               </a:defRPr>
             </a:lvl3pPr>
@@ -13407,7 +12754,7 @@
                 <a:solidFill>
                   <a:schemeClr val="tx1"/>
                 </a:solidFill>
-                <a:latin typeface="Arial" panose="020B0604020202020204" pitchFamily="34" charset="0"/>
+                <a:latin typeface="Arial" panose="020B0604020202090204" pitchFamily="34" charset="0"/>
                 <a:ea typeface="宋体" panose="02010600030101010101" pitchFamily="2" charset="-122"/>
               </a:defRPr>
             </a:lvl4pPr>
@@ -13416,7 +12763,7 @@
                 <a:solidFill>
                   <a:schemeClr val="tx1"/>
                 </a:solidFill>
-                <a:latin typeface="Arial" panose="020B0604020202020204" pitchFamily="34" charset="0"/>
+                <a:latin typeface="Arial" panose="020B0604020202090204" pitchFamily="34" charset="0"/>
                 <a:ea typeface="宋体" panose="02010600030101010101" pitchFamily="2" charset="-122"/>
               </a:defRPr>
             </a:lvl5pPr>
@@ -13427,12 +12774,12 @@
               <a:spcAft>
                 <a:spcPct val="0"/>
               </a:spcAft>
-              <a:buFont typeface="Arial" panose="020B0604020202020204" pitchFamily="34" charset="0"/>
+              <a:buFont typeface="Arial" panose="020B0604020202090204" pitchFamily="34" charset="0"/>
               <a:defRPr>
                 <a:solidFill>
                   <a:schemeClr val="tx1"/>
                 </a:solidFill>
-                <a:latin typeface="Arial" panose="020B0604020202020204" pitchFamily="34" charset="0"/>
+                <a:latin typeface="Arial" panose="020B0604020202090204" pitchFamily="34" charset="0"/>
                 <a:ea typeface="宋体" panose="02010600030101010101" pitchFamily="2" charset="-122"/>
               </a:defRPr>
             </a:lvl6pPr>
@@ -13443,12 +12790,12 @@
               <a:spcAft>
                 <a:spcPct val="0"/>
               </a:spcAft>
-              <a:buFont typeface="Arial" panose="020B0604020202020204" pitchFamily="34" charset="0"/>
+              <a:buFont typeface="Arial" panose="020B0604020202090204" pitchFamily="34" charset="0"/>
               <a:defRPr>
                 <a:solidFill>
                   <a:schemeClr val="tx1"/>
                 </a:solidFill>
-                <a:latin typeface="Arial" panose="020B0604020202020204" pitchFamily="34" charset="0"/>
+                <a:latin typeface="Arial" panose="020B0604020202090204" pitchFamily="34" charset="0"/>
                 <a:ea typeface="宋体" panose="02010600030101010101" pitchFamily="2" charset="-122"/>
               </a:defRPr>
             </a:lvl7pPr>
@@ -13459,12 +12806,12 @@
               <a:spcAft>
                 <a:spcPct val="0"/>
               </a:spcAft>
-              <a:buFont typeface="Arial" panose="020B0604020202020204" pitchFamily="34" charset="0"/>
+              <a:buFont typeface="Arial" panose="020B0604020202090204" pitchFamily="34" charset="0"/>
               <a:defRPr>
                 <a:solidFill>
                   <a:schemeClr val="tx1"/>
                 </a:solidFill>
-                <a:latin typeface="Arial" panose="020B0604020202020204" pitchFamily="34" charset="0"/>
+                <a:latin typeface="Arial" panose="020B0604020202090204" pitchFamily="34" charset="0"/>
                 <a:ea typeface="宋体" panose="02010600030101010101" pitchFamily="2" charset="-122"/>
               </a:defRPr>
             </a:lvl8pPr>
@@ -13475,19 +12822,19 @@
               <a:spcAft>
                 <a:spcPct val="0"/>
               </a:spcAft>
-              <a:buFont typeface="Arial" panose="020B0604020202020204" pitchFamily="34" charset="0"/>
+              <a:buFont typeface="Arial" panose="020B0604020202090204" pitchFamily="34" charset="0"/>
               <a:defRPr>
                 <a:solidFill>
                   <a:schemeClr val="tx1"/>
                 </a:solidFill>
-                <a:latin typeface="Arial" panose="020B0604020202020204" pitchFamily="34" charset="0"/>
+                <a:latin typeface="Arial" panose="020B0604020202090204" pitchFamily="34" charset="0"/>
                 <a:ea typeface="宋体" panose="02010600030101010101" pitchFamily="2" charset="-122"/>
               </a:defRPr>
             </a:lvl9pPr>
           </a:lstStyle>
           <a:p>
             <a:pPr eaLnBrk="1" hangingPunct="1"/>
-            <a:endParaRPr lang="zh-CN" altLang="en-US" sz="4533">
+            <a:endParaRPr lang="zh-CN" altLang="en-US" sz="4535">
               <a:solidFill>
                 <a:srgbClr val="1475B2"/>
               </a:solidFill>
@@ -13581,7 +12928,7 @@
           <a:bodyPr/>
           <a:lstStyle/>
           <a:p>
-            <a:endParaRPr lang="zh-CN" altLang="en-US" sz="4533">
+            <a:endParaRPr lang="zh-CN" altLang="en-US" sz="4535">
               <a:latin typeface="微软雅黑" panose="020B0503020204020204" pitchFamily="34" charset="-122"/>
               <a:ea typeface="微软雅黑" panose="020B0503020204020204" pitchFamily="34" charset="-122"/>
             </a:endParaRPr>
@@ -13610,7 +12957,6 @@
           <a:ln>
             <a:noFill/>
           </a:ln>
-          <a:extLst/>
         </p:spPr>
         <p:txBody>
           <a:bodyPr/>
@@ -13620,7 +12966,7 @@
                 <a:solidFill>
                   <a:schemeClr val="tx1"/>
                 </a:solidFill>
-                <a:latin typeface="Arial" panose="020B0604020202020204" pitchFamily="34" charset="0"/>
+                <a:latin typeface="Arial" panose="020B0604020202090204" pitchFamily="34" charset="0"/>
                 <a:ea typeface="宋体" panose="02010600030101010101" pitchFamily="2" charset="-122"/>
               </a:defRPr>
             </a:lvl1pPr>
@@ -13629,7 +12975,7 @@
                 <a:solidFill>
                   <a:schemeClr val="tx1"/>
                 </a:solidFill>
-                <a:latin typeface="Arial" panose="020B0604020202020204" pitchFamily="34" charset="0"/>
+                <a:latin typeface="Arial" panose="020B0604020202090204" pitchFamily="34" charset="0"/>
                 <a:ea typeface="宋体" panose="02010600030101010101" pitchFamily="2" charset="-122"/>
               </a:defRPr>
             </a:lvl2pPr>
@@ -13638,7 +12984,7 @@
                 <a:solidFill>
                   <a:schemeClr val="tx1"/>
                 </a:solidFill>
-                <a:latin typeface="Arial" panose="020B0604020202020204" pitchFamily="34" charset="0"/>
+                <a:latin typeface="Arial" panose="020B0604020202090204" pitchFamily="34" charset="0"/>
                 <a:ea typeface="宋体" panose="02010600030101010101" pitchFamily="2" charset="-122"/>
               </a:defRPr>
             </a:lvl3pPr>
@@ -13647,7 +12993,7 @@
                 <a:solidFill>
                   <a:schemeClr val="tx1"/>
                 </a:solidFill>
-                <a:latin typeface="Arial" panose="020B0604020202020204" pitchFamily="34" charset="0"/>
+                <a:latin typeface="Arial" panose="020B0604020202090204" pitchFamily="34" charset="0"/>
                 <a:ea typeface="宋体" panose="02010600030101010101" pitchFamily="2" charset="-122"/>
               </a:defRPr>
             </a:lvl4pPr>
@@ -13656,7 +13002,7 @@
                 <a:solidFill>
                   <a:schemeClr val="tx1"/>
                 </a:solidFill>
-                <a:latin typeface="Arial" panose="020B0604020202020204" pitchFamily="34" charset="0"/>
+                <a:latin typeface="Arial" panose="020B0604020202090204" pitchFamily="34" charset="0"/>
                 <a:ea typeface="宋体" panose="02010600030101010101" pitchFamily="2" charset="-122"/>
               </a:defRPr>
             </a:lvl5pPr>
@@ -13667,12 +13013,12 @@
               <a:spcAft>
                 <a:spcPct val="0"/>
               </a:spcAft>
-              <a:buFont typeface="Arial" panose="020B0604020202020204" pitchFamily="34" charset="0"/>
+              <a:buFont typeface="Arial" panose="020B0604020202090204" pitchFamily="34" charset="0"/>
               <a:defRPr>
                 <a:solidFill>
                   <a:schemeClr val="tx1"/>
                 </a:solidFill>
-                <a:latin typeface="Arial" panose="020B0604020202020204" pitchFamily="34" charset="0"/>
+                <a:latin typeface="Arial" panose="020B0604020202090204" pitchFamily="34" charset="0"/>
                 <a:ea typeface="宋体" panose="02010600030101010101" pitchFamily="2" charset="-122"/>
               </a:defRPr>
             </a:lvl6pPr>
@@ -13683,12 +13029,12 @@
               <a:spcAft>
                 <a:spcPct val="0"/>
               </a:spcAft>
-              <a:buFont typeface="Arial" panose="020B0604020202020204" pitchFamily="34" charset="0"/>
+              <a:buFont typeface="Arial" panose="020B0604020202090204" pitchFamily="34" charset="0"/>
               <a:defRPr>
                 <a:solidFill>
                   <a:schemeClr val="tx1"/>
                 </a:solidFill>
-                <a:latin typeface="Arial" panose="020B0604020202020204" pitchFamily="34" charset="0"/>
+                <a:latin typeface="Arial" panose="020B0604020202090204" pitchFamily="34" charset="0"/>
                 <a:ea typeface="宋体" panose="02010600030101010101" pitchFamily="2" charset="-122"/>
               </a:defRPr>
             </a:lvl7pPr>
@@ -13699,12 +13045,12 @@
               <a:spcAft>
                 <a:spcPct val="0"/>
               </a:spcAft>
-              <a:buFont typeface="Arial" panose="020B0604020202020204" pitchFamily="34" charset="0"/>
+              <a:buFont typeface="Arial" panose="020B0604020202090204" pitchFamily="34" charset="0"/>
               <a:defRPr>
                 <a:solidFill>
                   <a:schemeClr val="tx1"/>
                 </a:solidFill>
-                <a:latin typeface="Arial" panose="020B0604020202020204" pitchFamily="34" charset="0"/>
+                <a:latin typeface="Arial" panose="020B0604020202090204" pitchFamily="34" charset="0"/>
                 <a:ea typeface="宋体" panose="02010600030101010101" pitchFamily="2" charset="-122"/>
               </a:defRPr>
             </a:lvl8pPr>
@@ -13715,19 +13061,19 @@
               <a:spcAft>
                 <a:spcPct val="0"/>
               </a:spcAft>
-              <a:buFont typeface="Arial" panose="020B0604020202020204" pitchFamily="34" charset="0"/>
+              <a:buFont typeface="Arial" panose="020B0604020202090204" pitchFamily="34" charset="0"/>
               <a:defRPr>
                 <a:solidFill>
                   <a:schemeClr val="tx1"/>
                 </a:solidFill>
-                <a:latin typeface="Arial" panose="020B0604020202020204" pitchFamily="34" charset="0"/>
+                <a:latin typeface="Arial" panose="020B0604020202090204" pitchFamily="34" charset="0"/>
                 <a:ea typeface="宋体" panose="02010600030101010101" pitchFamily="2" charset="-122"/>
               </a:defRPr>
             </a:lvl9pPr>
           </a:lstStyle>
           <a:p>
             <a:pPr eaLnBrk="1" hangingPunct="1"/>
-            <a:endParaRPr lang="zh-CN" altLang="en-US" sz="4533">
+            <a:endParaRPr lang="zh-CN" altLang="en-US" sz="4535">
               <a:latin typeface="微软雅黑" panose="020B0503020204020204" pitchFamily="34" charset="-122"/>
               <a:ea typeface="微软雅黑" panose="020B0503020204020204" pitchFamily="34" charset="-122"/>
             </a:endParaRPr>
@@ -13756,7 +13102,6 @@
           <a:ln>
             <a:noFill/>
           </a:ln>
-          <a:extLst/>
         </p:spPr>
         <p:txBody>
           <a:bodyPr/>
@@ -13766,7 +13111,7 @@
                 <a:solidFill>
                   <a:schemeClr val="tx1"/>
                 </a:solidFill>
-                <a:latin typeface="Arial" panose="020B0604020202020204" pitchFamily="34" charset="0"/>
+                <a:latin typeface="Arial" panose="020B0604020202090204" pitchFamily="34" charset="0"/>
                 <a:ea typeface="宋体" panose="02010600030101010101" pitchFamily="2" charset="-122"/>
               </a:defRPr>
             </a:lvl1pPr>
@@ -13775,7 +13120,7 @@
                 <a:solidFill>
                   <a:schemeClr val="tx1"/>
                 </a:solidFill>
-                <a:latin typeface="Arial" panose="020B0604020202020204" pitchFamily="34" charset="0"/>
+                <a:latin typeface="Arial" panose="020B0604020202090204" pitchFamily="34" charset="0"/>
                 <a:ea typeface="宋体" panose="02010600030101010101" pitchFamily="2" charset="-122"/>
               </a:defRPr>
             </a:lvl2pPr>
@@ -13784,7 +13129,7 @@
                 <a:solidFill>
                   <a:schemeClr val="tx1"/>
                 </a:solidFill>
-                <a:latin typeface="Arial" panose="020B0604020202020204" pitchFamily="34" charset="0"/>
+                <a:latin typeface="Arial" panose="020B0604020202090204" pitchFamily="34" charset="0"/>
                 <a:ea typeface="宋体" panose="02010600030101010101" pitchFamily="2" charset="-122"/>
               </a:defRPr>
             </a:lvl3pPr>
@@ -13793,7 +13138,7 @@
                 <a:solidFill>
                   <a:schemeClr val="tx1"/>
                 </a:solidFill>
-                <a:latin typeface="Arial" panose="020B0604020202020204" pitchFamily="34" charset="0"/>
+                <a:latin typeface="Arial" panose="020B0604020202090204" pitchFamily="34" charset="0"/>
                 <a:ea typeface="宋体" panose="02010600030101010101" pitchFamily="2" charset="-122"/>
               </a:defRPr>
             </a:lvl4pPr>
@@ -13802,7 +13147,7 @@
                 <a:solidFill>
                   <a:schemeClr val="tx1"/>
                 </a:solidFill>
-                <a:latin typeface="Arial" panose="020B0604020202020204" pitchFamily="34" charset="0"/>
+                <a:latin typeface="Arial" panose="020B0604020202090204" pitchFamily="34" charset="0"/>
                 <a:ea typeface="宋体" panose="02010600030101010101" pitchFamily="2" charset="-122"/>
               </a:defRPr>
             </a:lvl5pPr>
@@ -13813,12 +13158,12 @@
               <a:spcAft>
                 <a:spcPct val="0"/>
               </a:spcAft>
-              <a:buFont typeface="Arial" panose="020B0604020202020204" pitchFamily="34" charset="0"/>
+              <a:buFont typeface="Arial" panose="020B0604020202090204" pitchFamily="34" charset="0"/>
               <a:defRPr>
                 <a:solidFill>
                   <a:schemeClr val="tx1"/>
                 </a:solidFill>
-                <a:latin typeface="Arial" panose="020B0604020202020204" pitchFamily="34" charset="0"/>
+                <a:latin typeface="Arial" panose="020B0604020202090204" pitchFamily="34" charset="0"/>
                 <a:ea typeface="宋体" panose="02010600030101010101" pitchFamily="2" charset="-122"/>
               </a:defRPr>
             </a:lvl6pPr>
@@ -13829,12 +13174,12 @@
               <a:spcAft>
                 <a:spcPct val="0"/>
               </a:spcAft>
-              <a:buFont typeface="Arial" panose="020B0604020202020204" pitchFamily="34" charset="0"/>
+              <a:buFont typeface="Arial" panose="020B0604020202090204" pitchFamily="34" charset="0"/>
               <a:defRPr>
                 <a:solidFill>
                   <a:schemeClr val="tx1"/>
                 </a:solidFill>
-                <a:latin typeface="Arial" panose="020B0604020202020204" pitchFamily="34" charset="0"/>
+                <a:latin typeface="Arial" panose="020B0604020202090204" pitchFamily="34" charset="0"/>
                 <a:ea typeface="宋体" panose="02010600030101010101" pitchFamily="2" charset="-122"/>
               </a:defRPr>
             </a:lvl7pPr>
@@ -13845,12 +13190,12 @@
               <a:spcAft>
                 <a:spcPct val="0"/>
               </a:spcAft>
-              <a:buFont typeface="Arial" panose="020B0604020202020204" pitchFamily="34" charset="0"/>
+              <a:buFont typeface="Arial" panose="020B0604020202090204" pitchFamily="34" charset="0"/>
               <a:defRPr>
                 <a:solidFill>
                   <a:schemeClr val="tx1"/>
                 </a:solidFill>
-                <a:latin typeface="Arial" panose="020B0604020202020204" pitchFamily="34" charset="0"/>
+                <a:latin typeface="Arial" panose="020B0604020202090204" pitchFamily="34" charset="0"/>
                 <a:ea typeface="宋体" panose="02010600030101010101" pitchFamily="2" charset="-122"/>
               </a:defRPr>
             </a:lvl8pPr>
@@ -13861,19 +13206,19 @@
               <a:spcAft>
                 <a:spcPct val="0"/>
               </a:spcAft>
-              <a:buFont typeface="Arial" panose="020B0604020202020204" pitchFamily="34" charset="0"/>
+              <a:buFont typeface="Arial" panose="020B0604020202090204" pitchFamily="34" charset="0"/>
               <a:defRPr>
                 <a:solidFill>
                   <a:schemeClr val="tx1"/>
                 </a:solidFill>
-                <a:latin typeface="Arial" panose="020B0604020202020204" pitchFamily="34" charset="0"/>
+                <a:latin typeface="Arial" panose="020B0604020202090204" pitchFamily="34" charset="0"/>
                 <a:ea typeface="宋体" panose="02010600030101010101" pitchFamily="2" charset="-122"/>
               </a:defRPr>
             </a:lvl9pPr>
           </a:lstStyle>
           <a:p>
             <a:pPr eaLnBrk="1" hangingPunct="1"/>
-            <a:endParaRPr lang="zh-CN" altLang="en-US" sz="4533">
+            <a:endParaRPr lang="zh-CN" altLang="en-US" sz="4535">
               <a:latin typeface="微软雅黑" panose="020B0503020204020204" pitchFamily="34" charset="-122"/>
               <a:ea typeface="微软雅黑" panose="020B0503020204020204" pitchFamily="34" charset="-122"/>
             </a:endParaRPr>
@@ -13930,7 +13275,7 @@
                 <a:solidFill>
                   <a:schemeClr val="tx1"/>
                 </a:solidFill>
-                <a:latin typeface="Arial" panose="020B0604020202020204" pitchFamily="34" charset="0"/>
+                <a:latin typeface="Arial" panose="020B0604020202090204" pitchFamily="34" charset="0"/>
                 <a:ea typeface="宋体" panose="02010600030101010101" pitchFamily="2" charset="-122"/>
               </a:defRPr>
             </a:lvl1pPr>
@@ -13939,7 +13284,7 @@
                 <a:solidFill>
                   <a:schemeClr val="tx1"/>
                 </a:solidFill>
-                <a:latin typeface="Arial" panose="020B0604020202020204" pitchFamily="34" charset="0"/>
+                <a:latin typeface="Arial" panose="020B0604020202090204" pitchFamily="34" charset="0"/>
                 <a:ea typeface="宋体" panose="02010600030101010101" pitchFamily="2" charset="-122"/>
               </a:defRPr>
             </a:lvl2pPr>
@@ -13948,7 +13293,7 @@
                 <a:solidFill>
                   <a:schemeClr val="tx1"/>
                 </a:solidFill>
-                <a:latin typeface="Arial" panose="020B0604020202020204" pitchFamily="34" charset="0"/>
+                <a:latin typeface="Arial" panose="020B0604020202090204" pitchFamily="34" charset="0"/>
                 <a:ea typeface="宋体" panose="02010600030101010101" pitchFamily="2" charset="-122"/>
               </a:defRPr>
             </a:lvl3pPr>
@@ -13957,7 +13302,7 @@
                 <a:solidFill>
                   <a:schemeClr val="tx1"/>
                 </a:solidFill>
-                <a:latin typeface="Arial" panose="020B0604020202020204" pitchFamily="34" charset="0"/>
+                <a:latin typeface="Arial" panose="020B0604020202090204" pitchFamily="34" charset="0"/>
                 <a:ea typeface="宋体" panose="02010600030101010101" pitchFamily="2" charset="-122"/>
               </a:defRPr>
             </a:lvl4pPr>
@@ -13966,7 +13311,7 @@
                 <a:solidFill>
                   <a:schemeClr val="tx1"/>
                 </a:solidFill>
-                <a:latin typeface="Arial" panose="020B0604020202020204" pitchFamily="34" charset="0"/>
+                <a:latin typeface="Arial" panose="020B0604020202090204" pitchFamily="34" charset="0"/>
                 <a:ea typeface="宋体" panose="02010600030101010101" pitchFamily="2" charset="-122"/>
               </a:defRPr>
             </a:lvl5pPr>
@@ -13977,12 +13322,12 @@
               <a:spcAft>
                 <a:spcPct val="0"/>
               </a:spcAft>
-              <a:buFont typeface="Arial" panose="020B0604020202020204" pitchFamily="34" charset="0"/>
+              <a:buFont typeface="Arial" panose="020B0604020202090204" pitchFamily="34" charset="0"/>
               <a:defRPr>
                 <a:solidFill>
                   <a:schemeClr val="tx1"/>
                 </a:solidFill>
-                <a:latin typeface="Arial" panose="020B0604020202020204" pitchFamily="34" charset="0"/>
+                <a:latin typeface="Arial" panose="020B0604020202090204" pitchFamily="34" charset="0"/>
                 <a:ea typeface="宋体" panose="02010600030101010101" pitchFamily="2" charset="-122"/>
               </a:defRPr>
             </a:lvl6pPr>
@@ -13993,12 +13338,12 @@
               <a:spcAft>
                 <a:spcPct val="0"/>
               </a:spcAft>
-              <a:buFont typeface="Arial" panose="020B0604020202020204" pitchFamily="34" charset="0"/>
+              <a:buFont typeface="Arial" panose="020B0604020202090204" pitchFamily="34" charset="0"/>
               <a:defRPr>
                 <a:solidFill>
                   <a:schemeClr val="tx1"/>
                 </a:solidFill>
-                <a:latin typeface="Arial" panose="020B0604020202020204" pitchFamily="34" charset="0"/>
+                <a:latin typeface="Arial" panose="020B0604020202090204" pitchFamily="34" charset="0"/>
                 <a:ea typeface="宋体" panose="02010600030101010101" pitchFamily="2" charset="-122"/>
               </a:defRPr>
             </a:lvl7pPr>
@@ -14009,12 +13354,12 @@
               <a:spcAft>
                 <a:spcPct val="0"/>
               </a:spcAft>
-              <a:buFont typeface="Arial" panose="020B0604020202020204" pitchFamily="34" charset="0"/>
+              <a:buFont typeface="Arial" panose="020B0604020202090204" pitchFamily="34" charset="0"/>
               <a:defRPr>
                 <a:solidFill>
                   <a:schemeClr val="tx1"/>
                 </a:solidFill>
-                <a:latin typeface="Arial" panose="020B0604020202020204" pitchFamily="34" charset="0"/>
+                <a:latin typeface="Arial" panose="020B0604020202090204" pitchFamily="34" charset="0"/>
                 <a:ea typeface="宋体" panose="02010600030101010101" pitchFamily="2" charset="-122"/>
               </a:defRPr>
             </a:lvl8pPr>
@@ -14025,12 +13370,12 @@
               <a:spcAft>
                 <a:spcPct val="0"/>
               </a:spcAft>
-              <a:buFont typeface="Arial" panose="020B0604020202020204" pitchFamily="34" charset="0"/>
+              <a:buFont typeface="Arial" panose="020B0604020202090204" pitchFamily="34" charset="0"/>
               <a:defRPr>
                 <a:solidFill>
                   <a:schemeClr val="tx1"/>
                 </a:solidFill>
-                <a:latin typeface="Arial" panose="020B0604020202020204" pitchFamily="34" charset="0"/>
+                <a:latin typeface="Arial" panose="020B0604020202090204" pitchFamily="34" charset="0"/>
                 <a:ea typeface="宋体" panose="02010600030101010101" pitchFamily="2" charset="-122"/>
               </a:defRPr>
             </a:lvl9pPr>
@@ -14101,13 +13446,7 @@
       </p:cxnSp>
       <p:sp>
         <p:nvSpPr>
-          <p:cNvPr id="10" name="文本占位符 9">
-            <a:extLst>
-              <a:ext uri="{FF2B5EF4-FFF2-40B4-BE49-F238E27FC236}">
-                <a16:creationId xmlns:a16="http://schemas.microsoft.com/office/drawing/2014/main" id="{563E3FE4-40DC-4936-8DC9-F02E36351CCF}"/>
-              </a:ext>
-            </a:extLst>
-          </p:cNvPr>
+          <p:cNvPr id="10" name="文本占位符 9"/>
           <p:cNvSpPr>
             <a:spLocks noGrp="1"/>
           </p:cNvSpPr>
@@ -14135,13 +13474,7 @@
       </p:sp>
       <p:sp>
         <p:nvSpPr>
-          <p:cNvPr id="3" name="文本占位符 2">
-            <a:extLst>
-              <a:ext uri="{FF2B5EF4-FFF2-40B4-BE49-F238E27FC236}">
-                <a16:creationId xmlns:a16="http://schemas.microsoft.com/office/drawing/2014/main" id="{E87D59D1-518F-430B-B5D8-3112FDE77DEA}"/>
-              </a:ext>
-            </a:extLst>
-          </p:cNvPr>
+          <p:cNvPr id="3" name="文本占位符 2"/>
           <p:cNvSpPr>
             <a:spLocks noGrp="1"/>
           </p:cNvSpPr>
@@ -14163,11 +13496,11 @@
   <p:clrMapOvr>
     <a:masterClrMapping/>
   </p:clrMapOvr>
-  <mc:AlternateContent xmlns:mc="http://schemas.openxmlformats.org/markup-compatibility/2006" xmlns:p14="http://schemas.microsoft.com/office/powerpoint/2010/main">
-    <mc:Choice Requires="p14">
+  <mc:AlternateContent xmlns:mc="http://schemas.openxmlformats.org/markup-compatibility/2006">
+    <mc:Choice xmlns:p14="http://schemas.microsoft.com/office/powerpoint/2010/main" Requires="p14">
       <p:transition spd="med" p14:dur="700"/>
     </mc:Choice>
-    <mc:Fallback xmlns="">
+    <mc:Fallback>
       <p:transition spd="med"/>
     </mc:Fallback>
   </mc:AlternateContent>
@@ -14200,13 +13533,7 @@
       </p:grpSpPr>
       <p:sp>
         <p:nvSpPr>
-          <p:cNvPr id="2" name="标题 1">
-            <a:extLst>
-              <a:ext uri="{FF2B5EF4-FFF2-40B4-BE49-F238E27FC236}">
-                <a16:creationId xmlns:a16="http://schemas.microsoft.com/office/drawing/2014/main" id="{BB47D595-0AFD-4AAA-AC88-9D2DBBC5E29D}"/>
-              </a:ext>
-            </a:extLst>
-          </p:cNvPr>
+          <p:cNvPr id="2" name="标题 1"/>
           <p:cNvSpPr>
             <a:spLocks noGrp="1"/>
           </p:cNvSpPr>
@@ -14234,13 +13561,7 @@
       </p:sp>
       <p:sp>
         <p:nvSpPr>
-          <p:cNvPr id="27" name="圆角矩形">
-            <a:extLst>
-              <a:ext uri="{FF2B5EF4-FFF2-40B4-BE49-F238E27FC236}">
-                <a16:creationId xmlns:a16="http://schemas.microsoft.com/office/drawing/2014/main" id="{26AF8EEF-2EA4-4D71-89A1-9EE841153794}"/>
-              </a:ext>
-            </a:extLst>
-          </p:cNvPr>
+          <p:cNvPr id="27" name="圆角矩形"/>
           <p:cNvSpPr/>
           <p:nvPr/>
         </p:nvSpPr>
@@ -14265,28 +13586,22 @@
           <a:p>
             <a:pPr algn="just">
               <a:defRPr>
-                <a:latin typeface="Helvetica Neue Medium"/>
-                <a:ea typeface="Helvetica Neue Medium"/>
-                <a:cs typeface="Helvetica Neue Medium"/>
-                <a:sym typeface="Helvetica Neue Medium"/>
+                <a:latin typeface="Helvetica Neue Medium" panose="02000503000000020004"/>
+                <a:ea typeface="Helvetica Neue Medium" panose="02000503000000020004"/>
+                <a:cs typeface="Helvetica Neue Medium" panose="02000503000000020004"/>
+                <a:sym typeface="Helvetica Neue Medium" panose="02000503000000020004"/>
               </a:defRPr>
             </a:pPr>
             <a:endParaRPr>
-              <a:latin typeface="思源黑体 CN Normal" panose="020B0400000000000000" pitchFamily="34" charset="-122"/>
-              <a:ea typeface="思源黑体 CN Normal" panose="020B0400000000000000" pitchFamily="34" charset="-122"/>
+              <a:latin typeface="思源黑体 CN Normal" panose="020B0400000000000000" charset="-122"/>
+              <a:ea typeface="思源黑体 CN Normal" panose="020B0400000000000000" charset="-122"/>
             </a:endParaRPr>
           </a:p>
         </p:txBody>
       </p:sp>
       <p:sp>
         <p:nvSpPr>
-          <p:cNvPr id="28" name="文本框 27">
-            <a:extLst>
-              <a:ext uri="{FF2B5EF4-FFF2-40B4-BE49-F238E27FC236}">
-                <a16:creationId xmlns:a16="http://schemas.microsoft.com/office/drawing/2014/main" id="{A6498ECA-03ED-450A-800C-D485D3B2AA20}"/>
-              </a:ext>
-            </a:extLst>
-          </p:cNvPr>
+          <p:cNvPr id="28" name="文本框 27"/>
           <p:cNvSpPr txBox="1"/>
           <p:nvPr/>
         </p:nvSpPr>
@@ -14321,28 +13636,18 @@
                 <a:solidFill>
                   <a:schemeClr val="tx2"/>
                 </a:solidFill>
-                <a:latin typeface="思源黑体 CN Normal" panose="020B0400000000000000" pitchFamily="34" charset="-122"/>
-                <a:ea typeface="思源黑体 CN Normal" panose="020B0400000000000000" pitchFamily="34" charset="-122"/>
+                <a:latin typeface="思源黑体 CN Normal" panose="020B0400000000000000" charset="-122"/>
+                <a:ea typeface="思源黑体 CN Normal" panose="020B0400000000000000" charset="-122"/>
               </a:rPr>
-              <a:t>适配器</a:t>
-            </a:r>
-            <a:r>
-              <a:rPr lang="zh-CN" altLang="en-US" sz="3600" dirty="0" smtClean="0">
+              <a:t>适配器模式</a:t>
+            </a:r>
+            <a:r>
+              <a:rPr lang="en-US" altLang="zh-CN" sz="3600" dirty="0" smtClean="0">
                 <a:solidFill>
                   <a:schemeClr val="tx2"/>
                 </a:solidFill>
-                <a:latin typeface="思源黑体 CN Normal" panose="020B0400000000000000" pitchFamily="34" charset="-122"/>
-                <a:ea typeface="思源黑体 CN Normal" panose="020B0400000000000000" pitchFamily="34" charset="-122"/>
-              </a:rPr>
-              <a:t>模式</a:t>
-            </a:r>
-            <a:r>
-              <a:rPr lang="en-US" altLang="zh-CN" sz="3600" dirty="0" smtClean="0">
-                <a:solidFill>
-                  <a:schemeClr val="tx2"/>
-                </a:solidFill>
-                <a:latin typeface="思源黑体 CN Normal" panose="020B0400000000000000" pitchFamily="34" charset="-122"/>
-                <a:ea typeface="思源黑体 CN Normal" panose="020B0400000000000000" pitchFamily="34" charset="-122"/>
+                <a:latin typeface="思源黑体 CN Normal" panose="020B0400000000000000" charset="-122"/>
+                <a:ea typeface="思源黑体 CN Normal" panose="020B0400000000000000" charset="-122"/>
               </a:rPr>
               <a:t>-</a:t>
             </a:r>
@@ -14351,8 +13656,8 @@
                 <a:solidFill>
                   <a:schemeClr val="tx2"/>
                 </a:solidFill>
-                <a:latin typeface="思源黑体 CN Normal" panose="020B0400000000000000" pitchFamily="34" charset="-122"/>
-                <a:ea typeface="思源黑体 CN Normal" panose="020B0400000000000000" pitchFamily="34" charset="-122"/>
+                <a:latin typeface="思源黑体 CN Normal" panose="020B0400000000000000" charset="-122"/>
+                <a:ea typeface="思源黑体 CN Normal" panose="020B0400000000000000" charset="-122"/>
               </a:rPr>
               <a:t>接口</a:t>
             </a:r>
@@ -14360,21 +13665,15 @@
               <a:solidFill>
                 <a:schemeClr val="tx2"/>
               </a:solidFill>
-              <a:latin typeface="思源黑体 CN Normal" panose="020B0400000000000000" pitchFamily="34" charset="-122"/>
-              <a:ea typeface="思源黑体 CN Normal" panose="020B0400000000000000" pitchFamily="34" charset="-122"/>
+              <a:latin typeface="思源黑体 CN Normal" panose="020B0400000000000000" charset="-122"/>
+              <a:ea typeface="思源黑体 CN Normal" panose="020B0400000000000000" charset="-122"/>
             </a:endParaRPr>
           </a:p>
         </p:txBody>
       </p:sp>
       <p:sp>
         <p:nvSpPr>
-          <p:cNvPr id="29" name="文本框 28">
-            <a:extLst>
-              <a:ext uri="{FF2B5EF4-FFF2-40B4-BE49-F238E27FC236}">
-                <a16:creationId xmlns:a16="http://schemas.microsoft.com/office/drawing/2014/main" id="{C94A4F83-1BFF-4DD3-A7DF-B2CFAA5AE421}"/>
-              </a:ext>
-            </a:extLst>
-          </p:cNvPr>
+          <p:cNvPr id="29" name="文本框 28"/>
           <p:cNvSpPr txBox="1"/>
           <p:nvPr/>
         </p:nvSpPr>
@@ -14404,8 +13703,8 @@
                 <a:solidFill>
                   <a:schemeClr val="tx2"/>
                 </a:solidFill>
-                <a:latin typeface="思源黑体 CN Normal" panose="020B0400000000000000" pitchFamily="34" charset="-122"/>
-                <a:ea typeface="思源黑体 CN Normal" panose="020B0400000000000000" pitchFamily="34" charset="-122"/>
+                <a:latin typeface="思源黑体 CN Normal" panose="020B0400000000000000" charset="-122"/>
+                <a:ea typeface="思源黑体 CN Normal" panose="020B0400000000000000" charset="-122"/>
               </a:rPr>
               <a:t>适配器</a:t>
             </a:r>
@@ -14414,8 +13713,8 @@
                 <a:solidFill>
                   <a:schemeClr val="tx2"/>
                 </a:solidFill>
-                <a:latin typeface="思源黑体 CN Normal" panose="020B0400000000000000" pitchFamily="34" charset="-122"/>
-                <a:ea typeface="思源黑体 CN Normal" panose="020B0400000000000000" pitchFamily="34" charset="-122"/>
+                <a:latin typeface="思源黑体 CN Normal" panose="020B0400000000000000" charset="-122"/>
+                <a:ea typeface="思源黑体 CN Normal" panose="020B0400000000000000" charset="-122"/>
               </a:rPr>
               <a:t>模式的目的：通过写一个适配器，来代替替换</a:t>
             </a:r>
@@ -14423,8 +13722,8 @@
               <a:solidFill>
                 <a:schemeClr val="tx2"/>
               </a:solidFill>
-              <a:latin typeface="思源黑体 CN Normal" panose="020B0400000000000000" pitchFamily="34" charset="-122"/>
-              <a:ea typeface="思源黑体 CN Normal" panose="020B0400000000000000" pitchFamily="34" charset="-122"/>
+              <a:latin typeface="思源黑体 CN Normal" panose="020B0400000000000000" charset="-122"/>
+              <a:ea typeface="思源黑体 CN Normal" panose="020B0400000000000000" charset="-122"/>
             </a:endParaRPr>
           </a:p>
           <a:p>
@@ -14438,8 +13737,8 @@
                 <a:solidFill>
                   <a:schemeClr val="tx2"/>
                 </a:solidFill>
-                <a:latin typeface="思源黑体 CN Normal" panose="020B0400000000000000" pitchFamily="34" charset="-122"/>
-                <a:ea typeface="思源黑体 CN Normal" panose="020B0400000000000000" pitchFamily="34" charset="-122"/>
+                <a:latin typeface="思源黑体 CN Normal" panose="020B0400000000000000" charset="-122"/>
+                <a:ea typeface="思源黑体 CN Normal" panose="020B0400000000000000" charset="-122"/>
               </a:rPr>
               <a:t>适配器</a:t>
             </a:r>
@@ -14448,8 +13747,8 @@
                 <a:solidFill>
                   <a:schemeClr val="tx2"/>
                 </a:solidFill>
-                <a:latin typeface="思源黑体 CN Normal" panose="020B0400000000000000" pitchFamily="34" charset="-122"/>
-                <a:ea typeface="思源黑体 CN Normal" panose="020B0400000000000000" pitchFamily="34" charset="-122"/>
+                <a:latin typeface="思源黑体 CN Normal" panose="020B0400000000000000" charset="-122"/>
+                <a:ea typeface="思源黑体 CN Normal" panose="020B0400000000000000" charset="-122"/>
               </a:rPr>
               <a:t>模式的</a:t>
             </a:r>
@@ -14458,8 +13757,8 @@
                 <a:solidFill>
                   <a:schemeClr val="tx2"/>
                 </a:solidFill>
-                <a:latin typeface="思源黑体 CN Normal" panose="020B0400000000000000" pitchFamily="34" charset="-122"/>
-                <a:ea typeface="思源黑体 CN Normal" panose="020B0400000000000000" pitchFamily="34" charset="-122"/>
+                <a:latin typeface="思源黑体 CN Normal" panose="020B0400000000000000" charset="-122"/>
+                <a:ea typeface="思源黑体 CN Normal" panose="020B0400000000000000" charset="-122"/>
               </a:rPr>
               <a:t>应用场景：面临接口不通用的问题</a:t>
             </a:r>
@@ -14467,21 +13766,15 @@
               <a:solidFill>
                 <a:schemeClr val="tx2"/>
               </a:solidFill>
-              <a:latin typeface="思源黑体 CN Normal" panose="020B0400000000000000" pitchFamily="34" charset="-122"/>
-              <a:ea typeface="思源黑体 CN Normal" panose="020B0400000000000000" pitchFamily="34" charset="-122"/>
+              <a:latin typeface="思源黑体 CN Normal" panose="020B0400000000000000" charset="-122"/>
+              <a:ea typeface="思源黑体 CN Normal" panose="020B0400000000000000" charset="-122"/>
             </a:endParaRPr>
           </a:p>
         </p:txBody>
       </p:sp>
       <p:sp>
         <p:nvSpPr>
-          <p:cNvPr id="30" name="圆角矩形">
-            <a:extLst>
-              <a:ext uri="{FF2B5EF4-FFF2-40B4-BE49-F238E27FC236}">
-                <a16:creationId xmlns:a16="http://schemas.microsoft.com/office/drawing/2014/main" id="{26AF8EEF-2EA4-4D71-89A1-9EE841153794}"/>
-              </a:ext>
-            </a:extLst>
-          </p:cNvPr>
+          <p:cNvPr id="30" name="圆角矩形"/>
           <p:cNvSpPr/>
           <p:nvPr/>
         </p:nvSpPr>
@@ -14506,28 +13799,22 @@
           <a:p>
             <a:pPr algn="just">
               <a:defRPr>
-                <a:latin typeface="Helvetica Neue Medium"/>
-                <a:ea typeface="Helvetica Neue Medium"/>
-                <a:cs typeface="Helvetica Neue Medium"/>
-                <a:sym typeface="Helvetica Neue Medium"/>
+                <a:latin typeface="Helvetica Neue Medium" panose="02000503000000020004"/>
+                <a:ea typeface="Helvetica Neue Medium" panose="02000503000000020004"/>
+                <a:cs typeface="Helvetica Neue Medium" panose="02000503000000020004"/>
+                <a:sym typeface="Helvetica Neue Medium" panose="02000503000000020004"/>
               </a:defRPr>
             </a:pPr>
             <a:endParaRPr>
-              <a:latin typeface="思源黑体 CN Normal" panose="020B0400000000000000" pitchFamily="34" charset="-122"/>
-              <a:ea typeface="思源黑体 CN Normal" panose="020B0400000000000000" pitchFamily="34" charset="-122"/>
+              <a:latin typeface="思源黑体 CN Normal" panose="020B0400000000000000" charset="-122"/>
+              <a:ea typeface="思源黑体 CN Normal" panose="020B0400000000000000" charset="-122"/>
             </a:endParaRPr>
           </a:p>
         </p:txBody>
       </p:sp>
       <p:sp>
         <p:nvSpPr>
-          <p:cNvPr id="31" name="文本框 30">
-            <a:extLst>
-              <a:ext uri="{FF2B5EF4-FFF2-40B4-BE49-F238E27FC236}">
-                <a16:creationId xmlns:a16="http://schemas.microsoft.com/office/drawing/2014/main" id="{A6498ECA-03ED-450A-800C-D485D3B2AA20}"/>
-              </a:ext>
-            </a:extLst>
-          </p:cNvPr>
+          <p:cNvPr id="31" name="文本框 30"/>
           <p:cNvSpPr txBox="1"/>
           <p:nvPr/>
         </p:nvSpPr>
@@ -14562,28 +13849,18 @@
                 <a:solidFill>
                   <a:schemeClr val="tx2"/>
                 </a:solidFill>
-                <a:latin typeface="思源黑体 CN Normal" panose="020B0400000000000000" pitchFamily="34" charset="-122"/>
-                <a:ea typeface="思源黑体 CN Normal" panose="020B0400000000000000" pitchFamily="34" charset="-122"/>
+                <a:latin typeface="思源黑体 CN Normal" panose="020B0400000000000000" charset="-122"/>
+                <a:ea typeface="思源黑体 CN Normal" panose="020B0400000000000000" charset="-122"/>
               </a:rPr>
-              <a:t>装饰者</a:t>
-            </a:r>
-            <a:r>
-              <a:rPr lang="zh-CN" altLang="en-US" sz="3600" dirty="0" smtClean="0">
+              <a:t>装饰者模式</a:t>
+            </a:r>
+            <a:r>
+              <a:rPr lang="en-US" altLang="zh-CN" sz="3600" dirty="0" smtClean="0">
                 <a:solidFill>
                   <a:schemeClr val="tx2"/>
                 </a:solidFill>
-                <a:latin typeface="思源黑体 CN Normal" panose="020B0400000000000000" pitchFamily="34" charset="-122"/>
-                <a:ea typeface="思源黑体 CN Normal" panose="020B0400000000000000" pitchFamily="34" charset="-122"/>
-              </a:rPr>
-              <a:t>模式</a:t>
-            </a:r>
-            <a:r>
-              <a:rPr lang="en-US" altLang="zh-CN" sz="3600" dirty="0" smtClean="0">
-                <a:solidFill>
-                  <a:schemeClr val="tx2"/>
-                </a:solidFill>
-                <a:latin typeface="思源黑体 CN Normal" panose="020B0400000000000000" pitchFamily="34" charset="-122"/>
-                <a:ea typeface="思源黑体 CN Normal" panose="020B0400000000000000" pitchFamily="34" charset="-122"/>
+                <a:latin typeface="思源黑体 CN Normal" panose="020B0400000000000000" charset="-122"/>
+                <a:ea typeface="思源黑体 CN Normal" panose="020B0400000000000000" charset="-122"/>
               </a:rPr>
               <a:t>-</a:t>
             </a:r>
@@ -14592,8 +13869,8 @@
                 <a:solidFill>
                   <a:schemeClr val="tx2"/>
                 </a:solidFill>
-                <a:latin typeface="思源黑体 CN Normal" panose="020B0400000000000000" pitchFamily="34" charset="-122"/>
-                <a:ea typeface="思源黑体 CN Normal" panose="020B0400000000000000" pitchFamily="34" charset="-122"/>
+                <a:latin typeface="思源黑体 CN Normal" panose="020B0400000000000000" charset="-122"/>
+                <a:ea typeface="思源黑体 CN Normal" panose="020B0400000000000000" charset="-122"/>
               </a:rPr>
               <a:t>方法作用</a:t>
             </a:r>
@@ -14601,21 +13878,15 @@
               <a:solidFill>
                 <a:schemeClr val="tx2"/>
               </a:solidFill>
-              <a:latin typeface="思源黑体 CN Normal" panose="020B0400000000000000" pitchFamily="34" charset="-122"/>
-              <a:ea typeface="思源黑体 CN Normal" panose="020B0400000000000000" pitchFamily="34" charset="-122"/>
+              <a:latin typeface="思源黑体 CN Normal" panose="020B0400000000000000" charset="-122"/>
+              <a:ea typeface="思源黑体 CN Normal" panose="020B0400000000000000" charset="-122"/>
             </a:endParaRPr>
           </a:p>
         </p:txBody>
       </p:sp>
       <p:sp>
         <p:nvSpPr>
-          <p:cNvPr id="32" name="文本框 31">
-            <a:extLst>
-              <a:ext uri="{FF2B5EF4-FFF2-40B4-BE49-F238E27FC236}">
-                <a16:creationId xmlns:a16="http://schemas.microsoft.com/office/drawing/2014/main" id="{C94A4F83-1BFF-4DD3-A7DF-B2CFAA5AE421}"/>
-              </a:ext>
-            </a:extLst>
-          </p:cNvPr>
+          <p:cNvPr id="32" name="文本框 31"/>
           <p:cNvSpPr txBox="1"/>
           <p:nvPr/>
         </p:nvSpPr>
@@ -14645,8 +13916,8 @@
                 <a:solidFill>
                   <a:schemeClr val="tx2"/>
                 </a:solidFill>
-                <a:latin typeface="思源黑体 CN Normal" panose="020B0400000000000000" pitchFamily="34" charset="-122"/>
-                <a:ea typeface="思源黑体 CN Normal" panose="020B0400000000000000" pitchFamily="34" charset="-122"/>
+                <a:latin typeface="思源黑体 CN Normal" panose="020B0400000000000000" charset="-122"/>
+                <a:ea typeface="思源黑体 CN Normal" panose="020B0400000000000000" charset="-122"/>
               </a:rPr>
               <a:t>装饰者模式</a:t>
             </a:r>
@@ -14655,8 +13926,8 @@
                 <a:solidFill>
                   <a:schemeClr val="tx2"/>
                 </a:solidFill>
-                <a:latin typeface="思源黑体 CN Normal" panose="020B0400000000000000" pitchFamily="34" charset="-122"/>
-                <a:ea typeface="思源黑体 CN Normal" panose="020B0400000000000000" pitchFamily="34" charset="-122"/>
+                <a:latin typeface="思源黑体 CN Normal" panose="020B0400000000000000" charset="-122"/>
+                <a:ea typeface="思源黑体 CN Normal" panose="020B0400000000000000" charset="-122"/>
               </a:rPr>
               <a:t>的目的：不重写方法的扩展方法</a:t>
             </a:r>
@@ -14664,8 +13935,8 @@
               <a:solidFill>
                 <a:schemeClr val="tx2"/>
               </a:solidFill>
-              <a:latin typeface="思源黑体 CN Normal" panose="020B0400000000000000" pitchFamily="34" charset="-122"/>
-              <a:ea typeface="思源黑体 CN Normal" panose="020B0400000000000000" pitchFamily="34" charset="-122"/>
+              <a:latin typeface="思源黑体 CN Normal" panose="020B0400000000000000" charset="-122"/>
+              <a:ea typeface="思源黑体 CN Normal" panose="020B0400000000000000" charset="-122"/>
             </a:endParaRPr>
           </a:p>
           <a:p>
@@ -14679,8 +13950,8 @@
                 <a:solidFill>
                   <a:schemeClr val="tx2"/>
                 </a:solidFill>
-                <a:latin typeface="思源黑体 CN Normal" panose="020B0400000000000000" pitchFamily="34" charset="-122"/>
-                <a:ea typeface="思源黑体 CN Normal" panose="020B0400000000000000" pitchFamily="34" charset="-122"/>
+                <a:latin typeface="思源黑体 CN Normal" panose="020B0400000000000000" charset="-122"/>
+                <a:ea typeface="思源黑体 CN Normal" panose="020B0400000000000000" charset="-122"/>
               </a:rPr>
               <a:t>装饰者模式的</a:t>
             </a:r>
@@ -14689,8 +13960,8 @@
                 <a:solidFill>
                   <a:schemeClr val="tx2"/>
                 </a:solidFill>
-                <a:latin typeface="思源黑体 CN Normal" panose="020B0400000000000000" pitchFamily="34" charset="-122"/>
-                <a:ea typeface="思源黑体 CN Normal" panose="020B0400000000000000" pitchFamily="34" charset="-122"/>
+                <a:latin typeface="思源黑体 CN Normal" panose="020B0400000000000000" charset="-122"/>
+                <a:ea typeface="思源黑体 CN Normal" panose="020B0400000000000000" charset="-122"/>
               </a:rPr>
               <a:t>应用场景：当一个方法需要扩展，但是又不好去修改方法。</a:t>
             </a:r>
@@ -14698,27 +13969,22 @@
               <a:solidFill>
                 <a:schemeClr val="tx2"/>
               </a:solidFill>
-              <a:latin typeface="思源黑体 CN Normal" panose="020B0400000000000000" pitchFamily="34" charset="-122"/>
-              <a:ea typeface="思源黑体 CN Normal" panose="020B0400000000000000" pitchFamily="34" charset="-122"/>
+              <a:latin typeface="思源黑体 CN Normal" panose="020B0400000000000000" charset="-122"/>
+              <a:ea typeface="思源黑体 CN Normal" panose="020B0400000000000000" charset="-122"/>
             </a:endParaRPr>
           </a:p>
         </p:txBody>
       </p:sp>
     </p:spTree>
-    <p:extLst>
-      <p:ext uri="{BB962C8B-B14F-4D97-AF65-F5344CB8AC3E}">
-        <p14:creationId xmlns:p14="http://schemas.microsoft.com/office/powerpoint/2010/main" val="1868759490"/>
-      </p:ext>
-    </p:extLst>
   </p:cSld>
   <p:clrMapOvr>
     <a:masterClrMapping/>
   </p:clrMapOvr>
-  <mc:AlternateContent xmlns:mc="http://schemas.openxmlformats.org/markup-compatibility/2006" xmlns:p14="http://schemas.microsoft.com/office/powerpoint/2010/main">
-    <mc:Choice Requires="p14">
+  <mc:AlternateContent xmlns:mc="http://schemas.openxmlformats.org/markup-compatibility/2006">
+    <mc:Choice xmlns:p14="http://schemas.microsoft.com/office/powerpoint/2010/main" Requires="p14">
       <p:transition p14:dur="250"/>
     </mc:Choice>
-    <mc:Fallback xmlns="">
+    <mc:Fallback>
       <p:transition/>
     </mc:Fallback>
   </mc:AlternateContent>
@@ -14751,13 +14017,7 @@
       </p:grpSpPr>
       <p:sp>
         <p:nvSpPr>
-          <p:cNvPr id="2" name="标题 1">
-            <a:extLst>
-              <a:ext uri="{FF2B5EF4-FFF2-40B4-BE49-F238E27FC236}">
-                <a16:creationId xmlns:a16="http://schemas.microsoft.com/office/drawing/2014/main" id="{BB47D595-0AFD-4AAA-AC88-9D2DBBC5E29D}"/>
-              </a:ext>
-            </a:extLst>
-          </p:cNvPr>
+          <p:cNvPr id="2" name="标题 1"/>
           <p:cNvSpPr>
             <a:spLocks noGrp="1"/>
           </p:cNvSpPr>
@@ -14785,13 +14045,7 @@
       </p:sp>
       <p:sp>
         <p:nvSpPr>
-          <p:cNvPr id="27" name="圆角矩形">
-            <a:extLst>
-              <a:ext uri="{FF2B5EF4-FFF2-40B4-BE49-F238E27FC236}">
-                <a16:creationId xmlns:a16="http://schemas.microsoft.com/office/drawing/2014/main" id="{26AF8EEF-2EA4-4D71-89A1-9EE841153794}"/>
-              </a:ext>
-            </a:extLst>
-          </p:cNvPr>
+          <p:cNvPr id="27" name="圆角矩形"/>
           <p:cNvSpPr/>
           <p:nvPr/>
         </p:nvSpPr>
@@ -14816,28 +14070,22 @@
           <a:p>
             <a:pPr algn="just">
               <a:defRPr>
-                <a:latin typeface="Helvetica Neue Medium"/>
-                <a:ea typeface="Helvetica Neue Medium"/>
-                <a:cs typeface="Helvetica Neue Medium"/>
-                <a:sym typeface="Helvetica Neue Medium"/>
+                <a:latin typeface="Helvetica Neue Medium" panose="02000503000000020004"/>
+                <a:ea typeface="Helvetica Neue Medium" panose="02000503000000020004"/>
+                <a:cs typeface="Helvetica Neue Medium" panose="02000503000000020004"/>
+                <a:sym typeface="Helvetica Neue Medium" panose="02000503000000020004"/>
               </a:defRPr>
             </a:pPr>
             <a:endParaRPr>
-              <a:latin typeface="思源黑体 CN Normal" panose="020B0400000000000000" pitchFamily="34" charset="-122"/>
-              <a:ea typeface="思源黑体 CN Normal" panose="020B0400000000000000" pitchFamily="34" charset="-122"/>
+              <a:latin typeface="思源黑体 CN Normal" panose="020B0400000000000000" charset="-122"/>
+              <a:ea typeface="思源黑体 CN Normal" panose="020B0400000000000000" charset="-122"/>
             </a:endParaRPr>
           </a:p>
         </p:txBody>
       </p:sp>
       <p:sp>
         <p:nvSpPr>
-          <p:cNvPr id="28" name="文本框 27">
-            <a:extLst>
-              <a:ext uri="{FF2B5EF4-FFF2-40B4-BE49-F238E27FC236}">
-                <a16:creationId xmlns:a16="http://schemas.microsoft.com/office/drawing/2014/main" id="{A6498ECA-03ED-450A-800C-D485D3B2AA20}"/>
-              </a:ext>
-            </a:extLst>
-          </p:cNvPr>
+          <p:cNvPr id="28" name="文本框 27"/>
           <p:cNvSpPr txBox="1"/>
           <p:nvPr/>
         </p:nvSpPr>
@@ -14872,8 +14120,8 @@
                 <a:solidFill>
                   <a:schemeClr val="tx2"/>
                 </a:solidFill>
-                <a:latin typeface="思源黑体 CN Normal" panose="020B0400000000000000" pitchFamily="34" charset="-122"/>
-                <a:ea typeface="思源黑体 CN Normal" panose="020B0400000000000000" pitchFamily="34" charset="-122"/>
+                <a:latin typeface="思源黑体 CN Normal" panose="020B0400000000000000" charset="-122"/>
+                <a:ea typeface="思源黑体 CN Normal" panose="020B0400000000000000" charset="-122"/>
               </a:rPr>
               <a:t>命令模式</a:t>
             </a:r>
@@ -14881,21 +14129,15 @@
               <a:solidFill>
                 <a:schemeClr val="tx2"/>
               </a:solidFill>
-              <a:latin typeface="思源黑体 CN Normal" panose="020B0400000000000000" pitchFamily="34" charset="-122"/>
-              <a:ea typeface="思源黑体 CN Normal" panose="020B0400000000000000" pitchFamily="34" charset="-122"/>
+              <a:latin typeface="思源黑体 CN Normal" panose="020B0400000000000000" charset="-122"/>
+              <a:ea typeface="思源黑体 CN Normal" panose="020B0400000000000000" charset="-122"/>
             </a:endParaRPr>
           </a:p>
         </p:txBody>
       </p:sp>
       <p:sp>
         <p:nvSpPr>
-          <p:cNvPr id="29" name="文本框 28">
-            <a:extLst>
-              <a:ext uri="{FF2B5EF4-FFF2-40B4-BE49-F238E27FC236}">
-                <a16:creationId xmlns:a16="http://schemas.microsoft.com/office/drawing/2014/main" id="{C94A4F83-1BFF-4DD3-A7DF-B2CFAA5AE421}"/>
-              </a:ext>
-            </a:extLst>
-          </p:cNvPr>
+          <p:cNvPr id="29" name="文本框 28"/>
           <p:cNvSpPr txBox="1"/>
           <p:nvPr/>
         </p:nvSpPr>
@@ -14925,37 +14167,17 @@
                 <a:solidFill>
                   <a:schemeClr val="tx2"/>
                 </a:solidFill>
-                <a:latin typeface="思源黑体 CN Normal" panose="020B0400000000000000" pitchFamily="34" charset="-122"/>
-                <a:ea typeface="思源黑体 CN Normal" panose="020B0400000000000000" pitchFamily="34" charset="-122"/>
+                <a:latin typeface="思源黑体 CN Normal" panose="020B0400000000000000" charset="-122"/>
+                <a:ea typeface="思源黑体 CN Normal" panose="020B0400000000000000" charset="-122"/>
               </a:rPr>
-              <a:t>命令模式</a:t>
-            </a:r>
-            <a:r>
-              <a:rPr lang="zh-CN" altLang="en-US" sz="3600" dirty="0" smtClean="0">
-                <a:solidFill>
-                  <a:schemeClr val="tx2"/>
-                </a:solidFill>
-                <a:latin typeface="思源黑体 CN Normal" panose="020B0400000000000000" pitchFamily="34" charset="-122"/>
-                <a:ea typeface="思源黑体 CN Normal" panose="020B0400000000000000" pitchFamily="34" charset="-122"/>
-              </a:rPr>
-              <a:t>的目的</a:t>
-            </a:r>
-            <a:r>
-              <a:rPr lang="zh-CN" altLang="en-US" sz="3600" dirty="0" smtClean="0">
-                <a:solidFill>
-                  <a:schemeClr val="tx2"/>
-                </a:solidFill>
-                <a:latin typeface="思源黑体 CN Normal" panose="020B0400000000000000" pitchFamily="34" charset="-122"/>
-                <a:ea typeface="思源黑体 CN Normal" panose="020B0400000000000000" pitchFamily="34" charset="-122"/>
-              </a:rPr>
-              <a:t>：解耦实现和调用，让双方互不干扰</a:t>
+              <a:t>命令模式的目的：解耦实现和调用，让双方互不干扰</a:t>
             </a:r>
             <a:endParaRPr lang="en-US" altLang="zh-CN" sz="3600" dirty="0" smtClean="0">
               <a:solidFill>
                 <a:schemeClr val="tx2"/>
               </a:solidFill>
-              <a:latin typeface="思源黑体 CN Normal" panose="020B0400000000000000" pitchFamily="34" charset="-122"/>
-              <a:ea typeface="思源黑体 CN Normal" panose="020B0400000000000000" pitchFamily="34" charset="-122"/>
+              <a:latin typeface="思源黑体 CN Normal" panose="020B0400000000000000" charset="-122"/>
+              <a:ea typeface="思源黑体 CN Normal" panose="020B0400000000000000" charset="-122"/>
             </a:endParaRPr>
           </a:p>
           <a:p>
@@ -14969,8 +14191,8 @@
                 <a:solidFill>
                   <a:schemeClr val="tx2"/>
                 </a:solidFill>
-                <a:latin typeface="思源黑体 CN Normal" panose="020B0400000000000000" pitchFamily="34" charset="-122"/>
-                <a:ea typeface="思源黑体 CN Normal" panose="020B0400000000000000" pitchFamily="34" charset="-122"/>
+                <a:latin typeface="思源黑体 CN Normal" panose="020B0400000000000000" charset="-122"/>
+                <a:ea typeface="思源黑体 CN Normal" panose="020B0400000000000000" charset="-122"/>
               </a:rPr>
               <a:t>命令模式</a:t>
             </a:r>
@@ -14979,8 +14201,8 @@
                 <a:solidFill>
                   <a:schemeClr val="tx2"/>
                 </a:solidFill>
-                <a:latin typeface="思源黑体 CN Normal" panose="020B0400000000000000" pitchFamily="34" charset="-122"/>
-                <a:ea typeface="思源黑体 CN Normal" panose="020B0400000000000000" pitchFamily="34" charset="-122"/>
+                <a:latin typeface="思源黑体 CN Normal" panose="020B0400000000000000" charset="-122"/>
+                <a:ea typeface="思源黑体 CN Normal" panose="020B0400000000000000" charset="-122"/>
               </a:rPr>
               <a:t>的</a:t>
             </a:r>
@@ -14989,28 +14211,18 @@
                 <a:solidFill>
                   <a:schemeClr val="tx2"/>
                 </a:solidFill>
-                <a:latin typeface="思源黑体 CN Normal" panose="020B0400000000000000" pitchFamily="34" charset="-122"/>
-                <a:ea typeface="思源黑体 CN Normal" panose="020B0400000000000000" pitchFamily="34" charset="-122"/>
+                <a:latin typeface="思源黑体 CN Normal" panose="020B0400000000000000" charset="-122"/>
+                <a:ea typeface="思源黑体 CN Normal" panose="020B0400000000000000" charset="-122"/>
               </a:rPr>
-              <a:t>应用场景</a:t>
-            </a:r>
-            <a:r>
-              <a:rPr lang="zh-CN" altLang="en-US" sz="3600" dirty="0" smtClean="0">
+              <a:t>应用场景：</a:t>
+            </a:r>
+            <a:r>
+              <a:rPr lang="zh-CN" altLang="en-US" sz="3600" dirty="0">
                 <a:solidFill>
                   <a:schemeClr val="tx2"/>
                 </a:solidFill>
-                <a:latin typeface="思源黑体 CN Normal" panose="020B0400000000000000" pitchFamily="34" charset="-122"/>
-                <a:ea typeface="思源黑体 CN Normal" panose="020B0400000000000000" pitchFamily="34" charset="-122"/>
-              </a:rPr>
-              <a:t>：</a:t>
-            </a:r>
-            <a:r>
-              <a:rPr lang="zh-CN" altLang="en-US" sz="3600" dirty="0">
-                <a:solidFill>
-                  <a:schemeClr val="tx2"/>
-                </a:solidFill>
-                <a:latin typeface="思源黑体 CN Normal" panose="020B0400000000000000" pitchFamily="34" charset="-122"/>
-                <a:ea typeface="思源黑体 CN Normal" panose="020B0400000000000000" pitchFamily="34" charset="-122"/>
+                <a:latin typeface="思源黑体 CN Normal" panose="020B0400000000000000" charset="-122"/>
+                <a:ea typeface="思源黑体 CN Normal" panose="020B0400000000000000" charset="-122"/>
               </a:rPr>
               <a:t>调用</a:t>
             </a:r>
@@ -15019,8 +14231,8 @@
                 <a:solidFill>
                   <a:schemeClr val="tx2"/>
                 </a:solidFill>
-                <a:latin typeface="思源黑体 CN Normal" panose="020B0400000000000000" pitchFamily="34" charset="-122"/>
-                <a:ea typeface="思源黑体 CN Normal" panose="020B0400000000000000" pitchFamily="34" charset="-122"/>
+                <a:latin typeface="思源黑体 CN Normal" panose="020B0400000000000000" charset="-122"/>
+                <a:ea typeface="思源黑体 CN Normal" panose="020B0400000000000000" charset="-122"/>
               </a:rPr>
               <a:t>的命令充满不确定性</a:t>
             </a:r>
@@ -15028,27 +14240,22 @@
               <a:solidFill>
                 <a:schemeClr val="tx2"/>
               </a:solidFill>
-              <a:latin typeface="思源黑体 CN Normal" panose="020B0400000000000000" pitchFamily="34" charset="-122"/>
-              <a:ea typeface="思源黑体 CN Normal" panose="020B0400000000000000" pitchFamily="34" charset="-122"/>
+              <a:latin typeface="思源黑体 CN Normal" panose="020B0400000000000000" charset="-122"/>
+              <a:ea typeface="思源黑体 CN Normal" panose="020B0400000000000000" charset="-122"/>
             </a:endParaRPr>
           </a:p>
         </p:txBody>
       </p:sp>
     </p:spTree>
-    <p:extLst>
-      <p:ext uri="{BB962C8B-B14F-4D97-AF65-F5344CB8AC3E}">
-        <p14:creationId xmlns:p14="http://schemas.microsoft.com/office/powerpoint/2010/main" val="1795947141"/>
-      </p:ext>
-    </p:extLst>
   </p:cSld>
   <p:clrMapOvr>
     <a:masterClrMapping/>
   </p:clrMapOvr>
-  <mc:AlternateContent xmlns:mc="http://schemas.openxmlformats.org/markup-compatibility/2006" xmlns:p14="http://schemas.microsoft.com/office/powerpoint/2010/main">
-    <mc:Choice Requires="p14">
+  <mc:AlternateContent xmlns:mc="http://schemas.openxmlformats.org/markup-compatibility/2006">
+    <mc:Choice xmlns:p14="http://schemas.microsoft.com/office/powerpoint/2010/main" Requires="p14">
       <p:transition p14:dur="250"/>
     </mc:Choice>
-    <mc:Fallback xmlns="">
+    <mc:Fallback>
       <p:transition/>
     </mc:Fallback>
   </mc:AlternateContent>
@@ -15110,7 +14317,7 @@
                 <a:solidFill>
                   <a:schemeClr val="tx1"/>
                 </a:solidFill>
-                <a:latin typeface="Arial" panose="020B0604020202020204" pitchFamily="34" charset="0"/>
+                <a:latin typeface="Arial" panose="020B0604020202090204" pitchFamily="34" charset="0"/>
                 <a:ea typeface="宋体" panose="02010600030101010101" pitchFamily="2" charset="-122"/>
               </a:defRPr>
             </a:lvl1pPr>
@@ -15119,7 +14326,7 @@
                 <a:solidFill>
                   <a:schemeClr val="tx1"/>
                 </a:solidFill>
-                <a:latin typeface="Arial" panose="020B0604020202020204" pitchFamily="34" charset="0"/>
+                <a:latin typeface="Arial" panose="020B0604020202090204" pitchFamily="34" charset="0"/>
                 <a:ea typeface="宋体" panose="02010600030101010101" pitchFamily="2" charset="-122"/>
               </a:defRPr>
             </a:lvl2pPr>
@@ -15128,7 +14335,7 @@
                 <a:solidFill>
                   <a:schemeClr val="tx1"/>
                 </a:solidFill>
-                <a:latin typeface="Arial" panose="020B0604020202020204" pitchFamily="34" charset="0"/>
+                <a:latin typeface="Arial" panose="020B0604020202090204" pitchFamily="34" charset="0"/>
                 <a:ea typeface="宋体" panose="02010600030101010101" pitchFamily="2" charset="-122"/>
               </a:defRPr>
             </a:lvl3pPr>
@@ -15137,7 +14344,7 @@
                 <a:solidFill>
                   <a:schemeClr val="tx1"/>
                 </a:solidFill>
-                <a:latin typeface="Arial" panose="020B0604020202020204" pitchFamily="34" charset="0"/>
+                <a:latin typeface="Arial" panose="020B0604020202090204" pitchFamily="34" charset="0"/>
                 <a:ea typeface="宋体" panose="02010600030101010101" pitchFamily="2" charset="-122"/>
               </a:defRPr>
             </a:lvl4pPr>
@@ -15146,7 +14353,7 @@
                 <a:solidFill>
                   <a:schemeClr val="tx1"/>
                 </a:solidFill>
-                <a:latin typeface="Arial" panose="020B0604020202020204" pitchFamily="34" charset="0"/>
+                <a:latin typeface="Arial" panose="020B0604020202090204" pitchFamily="34" charset="0"/>
                 <a:ea typeface="宋体" panose="02010600030101010101" pitchFamily="2" charset="-122"/>
               </a:defRPr>
             </a:lvl5pPr>
@@ -15157,12 +14364,12 @@
               <a:spcAft>
                 <a:spcPct val="0"/>
               </a:spcAft>
-              <a:buFont typeface="Arial" panose="020B0604020202020204" pitchFamily="34" charset="0"/>
+              <a:buFont typeface="Arial" panose="020B0604020202090204" pitchFamily="34" charset="0"/>
               <a:defRPr>
                 <a:solidFill>
                   <a:schemeClr val="tx1"/>
                 </a:solidFill>
-                <a:latin typeface="Arial" panose="020B0604020202020204" pitchFamily="34" charset="0"/>
+                <a:latin typeface="Arial" panose="020B0604020202090204" pitchFamily="34" charset="0"/>
                 <a:ea typeface="宋体" panose="02010600030101010101" pitchFamily="2" charset="-122"/>
               </a:defRPr>
             </a:lvl6pPr>
@@ -15173,12 +14380,12 @@
               <a:spcAft>
                 <a:spcPct val="0"/>
               </a:spcAft>
-              <a:buFont typeface="Arial" panose="020B0604020202020204" pitchFamily="34" charset="0"/>
+              <a:buFont typeface="Arial" panose="020B0604020202090204" pitchFamily="34" charset="0"/>
               <a:defRPr>
                 <a:solidFill>
                   <a:schemeClr val="tx1"/>
                 </a:solidFill>
-                <a:latin typeface="Arial" panose="020B0604020202020204" pitchFamily="34" charset="0"/>
+                <a:latin typeface="Arial" panose="020B0604020202090204" pitchFamily="34" charset="0"/>
                 <a:ea typeface="宋体" panose="02010600030101010101" pitchFamily="2" charset="-122"/>
               </a:defRPr>
             </a:lvl7pPr>
@@ -15189,12 +14396,12 @@
               <a:spcAft>
                 <a:spcPct val="0"/>
               </a:spcAft>
-              <a:buFont typeface="Arial" panose="020B0604020202020204" pitchFamily="34" charset="0"/>
+              <a:buFont typeface="Arial" panose="020B0604020202090204" pitchFamily="34" charset="0"/>
               <a:defRPr>
                 <a:solidFill>
                   <a:schemeClr val="tx1"/>
                 </a:solidFill>
-                <a:latin typeface="Arial" panose="020B0604020202020204" pitchFamily="34" charset="0"/>
+                <a:latin typeface="Arial" panose="020B0604020202090204" pitchFamily="34" charset="0"/>
                 <a:ea typeface="宋体" panose="02010600030101010101" pitchFamily="2" charset="-122"/>
               </a:defRPr>
             </a:lvl8pPr>
@@ -15205,19 +14412,19 @@
               <a:spcAft>
                 <a:spcPct val="0"/>
               </a:spcAft>
-              <a:buFont typeface="Arial" panose="020B0604020202020204" pitchFamily="34" charset="0"/>
+              <a:buFont typeface="Arial" panose="020B0604020202090204" pitchFamily="34" charset="0"/>
               <a:defRPr>
                 <a:solidFill>
                   <a:schemeClr val="tx1"/>
                 </a:solidFill>
-                <a:latin typeface="Arial" panose="020B0604020202020204" pitchFamily="34" charset="0"/>
+                <a:latin typeface="Arial" panose="020B0604020202090204" pitchFamily="34" charset="0"/>
                 <a:ea typeface="宋体" panose="02010600030101010101" pitchFamily="2" charset="-122"/>
               </a:defRPr>
             </a:lvl9pPr>
           </a:lstStyle>
           <a:p>
             <a:pPr eaLnBrk="1" hangingPunct="1"/>
-            <a:endParaRPr lang="zh-CN" altLang="en-US" sz="4533">
+            <a:endParaRPr lang="zh-CN" altLang="en-US" sz="4535">
               <a:solidFill>
                 <a:srgbClr val="1475B2"/>
               </a:solidFill>
@@ -15311,7 +14518,7 @@
           <a:bodyPr/>
           <a:lstStyle/>
           <a:p>
-            <a:endParaRPr lang="zh-CN" altLang="en-US" sz="4533">
+            <a:endParaRPr lang="zh-CN" altLang="en-US" sz="4535">
               <a:latin typeface="微软雅黑" panose="020B0503020204020204" pitchFamily="34" charset="-122"/>
               <a:ea typeface="微软雅黑" panose="020B0503020204020204" pitchFamily="34" charset="-122"/>
             </a:endParaRPr>
@@ -15340,7 +14547,6 @@
           <a:ln>
             <a:noFill/>
           </a:ln>
-          <a:extLst/>
         </p:spPr>
         <p:txBody>
           <a:bodyPr/>
@@ -15350,7 +14556,7 @@
                 <a:solidFill>
                   <a:schemeClr val="tx1"/>
                 </a:solidFill>
-                <a:latin typeface="Arial" panose="020B0604020202020204" pitchFamily="34" charset="0"/>
+                <a:latin typeface="Arial" panose="020B0604020202090204" pitchFamily="34" charset="0"/>
                 <a:ea typeface="宋体" panose="02010600030101010101" pitchFamily="2" charset="-122"/>
               </a:defRPr>
             </a:lvl1pPr>
@@ -15359,7 +14565,7 @@
                 <a:solidFill>
                   <a:schemeClr val="tx1"/>
                 </a:solidFill>
-                <a:latin typeface="Arial" panose="020B0604020202020204" pitchFamily="34" charset="0"/>
+                <a:latin typeface="Arial" panose="020B0604020202090204" pitchFamily="34" charset="0"/>
                 <a:ea typeface="宋体" panose="02010600030101010101" pitchFamily="2" charset="-122"/>
               </a:defRPr>
             </a:lvl2pPr>
@@ -15368,7 +14574,7 @@
                 <a:solidFill>
                   <a:schemeClr val="tx1"/>
                 </a:solidFill>
-                <a:latin typeface="Arial" panose="020B0604020202020204" pitchFamily="34" charset="0"/>
+                <a:latin typeface="Arial" panose="020B0604020202090204" pitchFamily="34" charset="0"/>
                 <a:ea typeface="宋体" panose="02010600030101010101" pitchFamily="2" charset="-122"/>
               </a:defRPr>
             </a:lvl3pPr>
@@ -15377,7 +14583,7 @@
                 <a:solidFill>
                   <a:schemeClr val="tx1"/>
                 </a:solidFill>
-                <a:latin typeface="Arial" panose="020B0604020202020204" pitchFamily="34" charset="0"/>
+                <a:latin typeface="Arial" panose="020B0604020202090204" pitchFamily="34" charset="0"/>
                 <a:ea typeface="宋体" panose="02010600030101010101" pitchFamily="2" charset="-122"/>
               </a:defRPr>
             </a:lvl4pPr>
@@ -15386,7 +14592,7 @@
                 <a:solidFill>
                   <a:schemeClr val="tx1"/>
                 </a:solidFill>
-                <a:latin typeface="Arial" panose="020B0604020202020204" pitchFamily="34" charset="0"/>
+                <a:latin typeface="Arial" panose="020B0604020202090204" pitchFamily="34" charset="0"/>
                 <a:ea typeface="宋体" panose="02010600030101010101" pitchFamily="2" charset="-122"/>
               </a:defRPr>
             </a:lvl5pPr>
@@ -15397,12 +14603,12 @@
               <a:spcAft>
                 <a:spcPct val="0"/>
               </a:spcAft>
-              <a:buFont typeface="Arial" panose="020B0604020202020204" pitchFamily="34" charset="0"/>
+              <a:buFont typeface="Arial" panose="020B0604020202090204" pitchFamily="34" charset="0"/>
               <a:defRPr>
                 <a:solidFill>
                   <a:schemeClr val="tx1"/>
                 </a:solidFill>
-                <a:latin typeface="Arial" panose="020B0604020202020204" pitchFamily="34" charset="0"/>
+                <a:latin typeface="Arial" panose="020B0604020202090204" pitchFamily="34" charset="0"/>
                 <a:ea typeface="宋体" panose="02010600030101010101" pitchFamily="2" charset="-122"/>
               </a:defRPr>
             </a:lvl6pPr>
@@ -15413,12 +14619,12 @@
               <a:spcAft>
                 <a:spcPct val="0"/>
               </a:spcAft>
-              <a:buFont typeface="Arial" panose="020B0604020202020204" pitchFamily="34" charset="0"/>
+              <a:buFont typeface="Arial" panose="020B0604020202090204" pitchFamily="34" charset="0"/>
               <a:defRPr>
                 <a:solidFill>
                   <a:schemeClr val="tx1"/>
                 </a:solidFill>
-                <a:latin typeface="Arial" panose="020B0604020202020204" pitchFamily="34" charset="0"/>
+                <a:latin typeface="Arial" panose="020B0604020202090204" pitchFamily="34" charset="0"/>
                 <a:ea typeface="宋体" panose="02010600030101010101" pitchFamily="2" charset="-122"/>
               </a:defRPr>
             </a:lvl7pPr>
@@ -15429,12 +14635,12 @@
               <a:spcAft>
                 <a:spcPct val="0"/>
               </a:spcAft>
-              <a:buFont typeface="Arial" panose="020B0604020202020204" pitchFamily="34" charset="0"/>
+              <a:buFont typeface="Arial" panose="020B0604020202090204" pitchFamily="34" charset="0"/>
               <a:defRPr>
                 <a:solidFill>
                   <a:schemeClr val="tx1"/>
                 </a:solidFill>
-                <a:latin typeface="Arial" panose="020B0604020202020204" pitchFamily="34" charset="0"/>
+                <a:latin typeface="Arial" panose="020B0604020202090204" pitchFamily="34" charset="0"/>
                 <a:ea typeface="宋体" panose="02010600030101010101" pitchFamily="2" charset="-122"/>
               </a:defRPr>
             </a:lvl8pPr>
@@ -15445,19 +14651,19 @@
               <a:spcAft>
                 <a:spcPct val="0"/>
               </a:spcAft>
-              <a:buFont typeface="Arial" panose="020B0604020202020204" pitchFamily="34" charset="0"/>
+              <a:buFont typeface="Arial" panose="020B0604020202090204" pitchFamily="34" charset="0"/>
               <a:defRPr>
                 <a:solidFill>
                   <a:schemeClr val="tx1"/>
                 </a:solidFill>
-                <a:latin typeface="Arial" panose="020B0604020202020204" pitchFamily="34" charset="0"/>
+                <a:latin typeface="Arial" panose="020B0604020202090204" pitchFamily="34" charset="0"/>
                 <a:ea typeface="宋体" panose="02010600030101010101" pitchFamily="2" charset="-122"/>
               </a:defRPr>
             </a:lvl9pPr>
           </a:lstStyle>
           <a:p>
             <a:pPr eaLnBrk="1" hangingPunct="1"/>
-            <a:endParaRPr lang="zh-CN" altLang="en-US" sz="4533">
+            <a:endParaRPr lang="zh-CN" altLang="en-US" sz="4535">
               <a:latin typeface="微软雅黑" panose="020B0503020204020204" pitchFamily="34" charset="-122"/>
               <a:ea typeface="微软雅黑" panose="020B0503020204020204" pitchFamily="34" charset="-122"/>
             </a:endParaRPr>
@@ -15486,7 +14692,6 @@
           <a:ln>
             <a:noFill/>
           </a:ln>
-          <a:extLst/>
         </p:spPr>
         <p:txBody>
           <a:bodyPr/>
@@ -15496,7 +14701,7 @@
                 <a:solidFill>
                   <a:schemeClr val="tx1"/>
                 </a:solidFill>
-                <a:latin typeface="Arial" panose="020B0604020202020204" pitchFamily="34" charset="0"/>
+                <a:latin typeface="Arial" panose="020B0604020202090204" pitchFamily="34" charset="0"/>
                 <a:ea typeface="宋体" panose="02010600030101010101" pitchFamily="2" charset="-122"/>
               </a:defRPr>
             </a:lvl1pPr>
@@ -15505,7 +14710,7 @@
                 <a:solidFill>
                   <a:schemeClr val="tx1"/>
                 </a:solidFill>
-                <a:latin typeface="Arial" panose="020B0604020202020204" pitchFamily="34" charset="0"/>
+                <a:latin typeface="Arial" panose="020B0604020202090204" pitchFamily="34" charset="0"/>
                 <a:ea typeface="宋体" panose="02010600030101010101" pitchFamily="2" charset="-122"/>
               </a:defRPr>
             </a:lvl2pPr>
@@ -15514,7 +14719,7 @@
                 <a:solidFill>
                   <a:schemeClr val="tx1"/>
                 </a:solidFill>
-                <a:latin typeface="Arial" panose="020B0604020202020204" pitchFamily="34" charset="0"/>
+                <a:latin typeface="Arial" panose="020B0604020202090204" pitchFamily="34" charset="0"/>
                 <a:ea typeface="宋体" panose="02010600030101010101" pitchFamily="2" charset="-122"/>
               </a:defRPr>
             </a:lvl3pPr>
@@ -15523,7 +14728,7 @@
                 <a:solidFill>
                   <a:schemeClr val="tx1"/>
                 </a:solidFill>
-                <a:latin typeface="Arial" panose="020B0604020202020204" pitchFamily="34" charset="0"/>
+                <a:latin typeface="Arial" panose="020B0604020202090204" pitchFamily="34" charset="0"/>
                 <a:ea typeface="宋体" panose="02010600030101010101" pitchFamily="2" charset="-122"/>
               </a:defRPr>
             </a:lvl4pPr>
@@ -15532,7 +14737,7 @@
                 <a:solidFill>
                   <a:schemeClr val="tx1"/>
                 </a:solidFill>
-                <a:latin typeface="Arial" panose="020B0604020202020204" pitchFamily="34" charset="0"/>
+                <a:latin typeface="Arial" panose="020B0604020202090204" pitchFamily="34" charset="0"/>
                 <a:ea typeface="宋体" panose="02010600030101010101" pitchFamily="2" charset="-122"/>
               </a:defRPr>
             </a:lvl5pPr>
@@ -15543,12 +14748,12 @@
               <a:spcAft>
                 <a:spcPct val="0"/>
               </a:spcAft>
-              <a:buFont typeface="Arial" panose="020B0604020202020204" pitchFamily="34" charset="0"/>
+              <a:buFont typeface="Arial" panose="020B0604020202090204" pitchFamily="34" charset="0"/>
               <a:defRPr>
                 <a:solidFill>
                   <a:schemeClr val="tx1"/>
                 </a:solidFill>
-                <a:latin typeface="Arial" panose="020B0604020202020204" pitchFamily="34" charset="0"/>
+                <a:latin typeface="Arial" panose="020B0604020202090204" pitchFamily="34" charset="0"/>
                 <a:ea typeface="宋体" panose="02010600030101010101" pitchFamily="2" charset="-122"/>
               </a:defRPr>
             </a:lvl6pPr>
@@ -15559,12 +14764,12 @@
               <a:spcAft>
                 <a:spcPct val="0"/>
               </a:spcAft>
-              <a:buFont typeface="Arial" panose="020B0604020202020204" pitchFamily="34" charset="0"/>
+              <a:buFont typeface="Arial" panose="020B0604020202090204" pitchFamily="34" charset="0"/>
               <a:defRPr>
                 <a:solidFill>
                   <a:schemeClr val="tx1"/>
                 </a:solidFill>
-                <a:latin typeface="Arial" panose="020B0604020202020204" pitchFamily="34" charset="0"/>
+                <a:latin typeface="Arial" panose="020B0604020202090204" pitchFamily="34" charset="0"/>
                 <a:ea typeface="宋体" panose="02010600030101010101" pitchFamily="2" charset="-122"/>
               </a:defRPr>
             </a:lvl7pPr>
@@ -15575,12 +14780,12 @@
               <a:spcAft>
                 <a:spcPct val="0"/>
               </a:spcAft>
-              <a:buFont typeface="Arial" panose="020B0604020202020204" pitchFamily="34" charset="0"/>
+              <a:buFont typeface="Arial" panose="020B0604020202090204" pitchFamily="34" charset="0"/>
               <a:defRPr>
                 <a:solidFill>
                   <a:schemeClr val="tx1"/>
                 </a:solidFill>
-                <a:latin typeface="Arial" panose="020B0604020202020204" pitchFamily="34" charset="0"/>
+                <a:latin typeface="Arial" panose="020B0604020202090204" pitchFamily="34" charset="0"/>
                 <a:ea typeface="宋体" panose="02010600030101010101" pitchFamily="2" charset="-122"/>
               </a:defRPr>
             </a:lvl8pPr>
@@ -15591,19 +14796,19 @@
               <a:spcAft>
                 <a:spcPct val="0"/>
               </a:spcAft>
-              <a:buFont typeface="Arial" panose="020B0604020202020204" pitchFamily="34" charset="0"/>
+              <a:buFont typeface="Arial" panose="020B0604020202090204" pitchFamily="34" charset="0"/>
               <a:defRPr>
                 <a:solidFill>
                   <a:schemeClr val="tx1"/>
                 </a:solidFill>
-                <a:latin typeface="Arial" panose="020B0604020202020204" pitchFamily="34" charset="0"/>
+                <a:latin typeface="Arial" panose="020B0604020202090204" pitchFamily="34" charset="0"/>
                 <a:ea typeface="宋体" panose="02010600030101010101" pitchFamily="2" charset="-122"/>
               </a:defRPr>
             </a:lvl9pPr>
           </a:lstStyle>
           <a:p>
             <a:pPr eaLnBrk="1" hangingPunct="1"/>
-            <a:endParaRPr lang="zh-CN" altLang="en-US" sz="4533">
+            <a:endParaRPr lang="zh-CN" altLang="en-US" sz="4535">
               <a:latin typeface="微软雅黑" panose="020B0503020204020204" pitchFamily="34" charset="-122"/>
               <a:ea typeface="微软雅黑" panose="020B0503020204020204" pitchFamily="34" charset="-122"/>
             </a:endParaRPr>
@@ -15660,7 +14865,7 @@
                 <a:solidFill>
                   <a:schemeClr val="tx1"/>
                 </a:solidFill>
-                <a:latin typeface="Arial" panose="020B0604020202020204" pitchFamily="34" charset="0"/>
+                <a:latin typeface="Arial" panose="020B0604020202090204" pitchFamily="34" charset="0"/>
                 <a:ea typeface="宋体" panose="02010600030101010101" pitchFamily="2" charset="-122"/>
               </a:defRPr>
             </a:lvl1pPr>
@@ -15669,7 +14874,7 @@
                 <a:solidFill>
                   <a:schemeClr val="tx1"/>
                 </a:solidFill>
-                <a:latin typeface="Arial" panose="020B0604020202020204" pitchFamily="34" charset="0"/>
+                <a:latin typeface="Arial" panose="020B0604020202090204" pitchFamily="34" charset="0"/>
                 <a:ea typeface="宋体" panose="02010600030101010101" pitchFamily="2" charset="-122"/>
               </a:defRPr>
             </a:lvl2pPr>
@@ -15678,7 +14883,7 @@
                 <a:solidFill>
                   <a:schemeClr val="tx1"/>
                 </a:solidFill>
-                <a:latin typeface="Arial" panose="020B0604020202020204" pitchFamily="34" charset="0"/>
+                <a:latin typeface="Arial" panose="020B0604020202090204" pitchFamily="34" charset="0"/>
                 <a:ea typeface="宋体" panose="02010600030101010101" pitchFamily="2" charset="-122"/>
               </a:defRPr>
             </a:lvl3pPr>
@@ -15687,7 +14892,7 @@
                 <a:solidFill>
                   <a:schemeClr val="tx1"/>
                 </a:solidFill>
-                <a:latin typeface="Arial" panose="020B0604020202020204" pitchFamily="34" charset="0"/>
+                <a:latin typeface="Arial" panose="020B0604020202090204" pitchFamily="34" charset="0"/>
                 <a:ea typeface="宋体" panose="02010600030101010101" pitchFamily="2" charset="-122"/>
               </a:defRPr>
             </a:lvl4pPr>
@@ -15696,7 +14901,7 @@
                 <a:solidFill>
                   <a:schemeClr val="tx1"/>
                 </a:solidFill>
-                <a:latin typeface="Arial" panose="020B0604020202020204" pitchFamily="34" charset="0"/>
+                <a:latin typeface="Arial" panose="020B0604020202090204" pitchFamily="34" charset="0"/>
                 <a:ea typeface="宋体" panose="02010600030101010101" pitchFamily="2" charset="-122"/>
               </a:defRPr>
             </a:lvl5pPr>
@@ -15707,12 +14912,12 @@
               <a:spcAft>
                 <a:spcPct val="0"/>
               </a:spcAft>
-              <a:buFont typeface="Arial" panose="020B0604020202020204" pitchFamily="34" charset="0"/>
+              <a:buFont typeface="Arial" panose="020B0604020202090204" pitchFamily="34" charset="0"/>
               <a:defRPr>
                 <a:solidFill>
                   <a:schemeClr val="tx1"/>
                 </a:solidFill>
-                <a:latin typeface="Arial" panose="020B0604020202020204" pitchFamily="34" charset="0"/>
+                <a:latin typeface="Arial" panose="020B0604020202090204" pitchFamily="34" charset="0"/>
                 <a:ea typeface="宋体" panose="02010600030101010101" pitchFamily="2" charset="-122"/>
               </a:defRPr>
             </a:lvl6pPr>
@@ -15723,12 +14928,12 @@
               <a:spcAft>
                 <a:spcPct val="0"/>
               </a:spcAft>
-              <a:buFont typeface="Arial" panose="020B0604020202020204" pitchFamily="34" charset="0"/>
+              <a:buFont typeface="Arial" panose="020B0604020202090204" pitchFamily="34" charset="0"/>
               <a:defRPr>
                 <a:solidFill>
                   <a:schemeClr val="tx1"/>
                 </a:solidFill>
-                <a:latin typeface="Arial" panose="020B0604020202020204" pitchFamily="34" charset="0"/>
+                <a:latin typeface="Arial" panose="020B0604020202090204" pitchFamily="34" charset="0"/>
                 <a:ea typeface="宋体" panose="02010600030101010101" pitchFamily="2" charset="-122"/>
               </a:defRPr>
             </a:lvl7pPr>
@@ -15739,12 +14944,12 @@
               <a:spcAft>
                 <a:spcPct val="0"/>
               </a:spcAft>
-              <a:buFont typeface="Arial" panose="020B0604020202020204" pitchFamily="34" charset="0"/>
+              <a:buFont typeface="Arial" panose="020B0604020202090204" pitchFamily="34" charset="0"/>
               <a:defRPr>
                 <a:solidFill>
                   <a:schemeClr val="tx1"/>
                 </a:solidFill>
-                <a:latin typeface="Arial" panose="020B0604020202020204" pitchFamily="34" charset="0"/>
+                <a:latin typeface="Arial" panose="020B0604020202090204" pitchFamily="34" charset="0"/>
                 <a:ea typeface="宋体" panose="02010600030101010101" pitchFamily="2" charset="-122"/>
               </a:defRPr>
             </a:lvl8pPr>
@@ -15755,12 +14960,12 @@
               <a:spcAft>
                 <a:spcPct val="0"/>
               </a:spcAft>
-              <a:buFont typeface="Arial" panose="020B0604020202020204" pitchFamily="34" charset="0"/>
+              <a:buFont typeface="Arial" panose="020B0604020202090204" pitchFamily="34" charset="0"/>
               <a:defRPr>
                 <a:solidFill>
                   <a:schemeClr val="tx1"/>
                 </a:solidFill>
-                <a:latin typeface="Arial" panose="020B0604020202020204" pitchFamily="34" charset="0"/>
+                <a:latin typeface="Arial" panose="020B0604020202090204" pitchFamily="34" charset="0"/>
                 <a:ea typeface="宋体" panose="02010600030101010101" pitchFamily="2" charset="-122"/>
               </a:defRPr>
             </a:lvl9pPr>
@@ -15841,13 +15046,7 @@
       </p:cxnSp>
       <p:sp>
         <p:nvSpPr>
-          <p:cNvPr id="10" name="文本占位符 9">
-            <a:extLst>
-              <a:ext uri="{FF2B5EF4-FFF2-40B4-BE49-F238E27FC236}">
-                <a16:creationId xmlns:a16="http://schemas.microsoft.com/office/drawing/2014/main" id="{563E3FE4-40DC-4936-8DC9-F02E36351CCF}"/>
-              </a:ext>
-            </a:extLst>
-          </p:cNvPr>
+          <p:cNvPr id="10" name="文本占位符 9"/>
           <p:cNvSpPr>
             <a:spLocks noGrp="1"/>
           </p:cNvSpPr>
@@ -15875,13 +15074,7 @@
       </p:sp>
       <p:sp>
         <p:nvSpPr>
-          <p:cNvPr id="3" name="文本占位符 2">
-            <a:extLst>
-              <a:ext uri="{FF2B5EF4-FFF2-40B4-BE49-F238E27FC236}">
-                <a16:creationId xmlns:a16="http://schemas.microsoft.com/office/drawing/2014/main" id="{E87D59D1-518F-430B-B5D8-3112FDE77DEA}"/>
-              </a:ext>
-            </a:extLst>
-          </p:cNvPr>
+          <p:cNvPr id="3" name="文本占位符 2"/>
           <p:cNvSpPr>
             <a:spLocks noGrp="1"/>
           </p:cNvSpPr>
@@ -15908,20 +15101,15 @@
         </p:txBody>
       </p:sp>
     </p:spTree>
-    <p:extLst>
-      <p:ext uri="{BB962C8B-B14F-4D97-AF65-F5344CB8AC3E}">
-        <p14:creationId xmlns:p14="http://schemas.microsoft.com/office/powerpoint/2010/main" val="892071425"/>
-      </p:ext>
-    </p:extLst>
   </p:cSld>
   <p:clrMapOvr>
     <a:masterClrMapping/>
   </p:clrMapOvr>
-  <mc:AlternateContent xmlns:mc="http://schemas.openxmlformats.org/markup-compatibility/2006" xmlns:p14="http://schemas.microsoft.com/office/powerpoint/2010/main">
-    <mc:Choice Requires="p14">
+  <mc:AlternateContent xmlns:mc="http://schemas.openxmlformats.org/markup-compatibility/2006">
+    <mc:Choice xmlns:p14="http://schemas.microsoft.com/office/powerpoint/2010/main" Requires="p14">
       <p:transition spd="med" p14:dur="700"/>
     </mc:Choice>
-    <mc:Fallback xmlns="">
+    <mc:Fallback>
       <p:transition spd="med"/>
     </mc:Fallback>
   </mc:AlternateContent>
@@ -15954,13 +15142,7 @@
       </p:grpSpPr>
       <p:sp>
         <p:nvSpPr>
-          <p:cNvPr id="2" name="标题 1">
-            <a:extLst>
-              <a:ext uri="{FF2B5EF4-FFF2-40B4-BE49-F238E27FC236}">
-                <a16:creationId xmlns:a16="http://schemas.microsoft.com/office/drawing/2014/main" id="{7696DFAD-5D60-4A4E-9357-D1CC052F52E4}"/>
-              </a:ext>
-            </a:extLst>
-          </p:cNvPr>
+          <p:cNvPr id="2" name="标题 1"/>
           <p:cNvSpPr>
             <a:spLocks noGrp="1"/>
           </p:cNvSpPr>
@@ -15983,13 +15165,7 @@
       </p:sp>
       <p:sp>
         <p:nvSpPr>
-          <p:cNvPr id="28" name="矩形 27">
-            <a:extLst>
-              <a:ext uri="{FF2B5EF4-FFF2-40B4-BE49-F238E27FC236}">
-                <a16:creationId xmlns:a16="http://schemas.microsoft.com/office/drawing/2014/main" id="{5C115680-B283-4F0D-8FAB-16C24DEA3D48}"/>
-              </a:ext>
-            </a:extLst>
-          </p:cNvPr>
+          <p:cNvPr id="28" name="矩形 27"/>
           <p:cNvSpPr/>
           <p:nvPr/>
         </p:nvSpPr>
@@ -16035,13 +15211,7 @@
       </p:sp>
       <p:sp>
         <p:nvSpPr>
-          <p:cNvPr id="29" name="统计每日学习时长…">
-            <a:extLst>
-              <a:ext uri="{FF2B5EF4-FFF2-40B4-BE49-F238E27FC236}">
-                <a16:creationId xmlns:a16="http://schemas.microsoft.com/office/drawing/2014/main" id="{2A438058-9625-422A-8F1B-63D2D81603E5}"/>
-              </a:ext>
-            </a:extLst>
-          </p:cNvPr>
+          <p:cNvPr id="29" name="统计每日学习时长…"/>
           <p:cNvSpPr txBox="1"/>
           <p:nvPr/>
         </p:nvSpPr>
@@ -16056,11 +15226,6 @@
           <a:ln w="12700">
             <a:miter lim="400000"/>
           </a:ln>
-          <a:extLst>
-            <a:ext uri="{C572A759-6A51-4108-AA02-DFA0A04FC94B}">
-              <ma14:wrappingTextBoxFlag xmlns="" xmlns:ma14="http://schemas.microsoft.com/office/mac/drawingml/2011/main" val="1"/>
-            </a:ext>
-          </a:extLst>
         </p:spPr>
         <p:txBody>
           <a:bodyPr wrap="square" lIns="45721" tIns="45721" rIns="45721" bIns="45721">
@@ -16084,7 +15249,7 @@
           </a:lstStyle>
           <a:p>
             <a:pPr marL="457200" indent="-457200" defTabSz="914400">
-              <a:buFont typeface="Wingdings" charset="2"/>
+              <a:buFont typeface="Wingdings" panose="05000000000000000000" pitchFamily="2" charset="2"/>
               <a:buChar char="l"/>
               <a:defRPr sz="3400">
                 <a:solidFill>
@@ -16098,62 +15263,49 @@
             </a:pPr>
             <a:r>
               <a:rPr lang="zh-CN" altLang="en-US" dirty="0" smtClean="0">
-                <a:latin typeface="思源黑体 CN Normal" panose="020B0400000000000000" pitchFamily="34" charset="-122"/>
-                <a:ea typeface="思源黑体 CN Normal" panose="020B0400000000000000" pitchFamily="34" charset="-122"/>
+                <a:latin typeface="思源黑体 CN Normal" panose="020B0400000000000000" charset="-122"/>
+                <a:ea typeface="思源黑体 CN Normal" panose="020B0400000000000000" charset="-122"/>
               </a:rPr>
               <a:t>我们公司想用</a:t>
             </a:r>
             <a:r>
               <a:rPr lang="en-US" altLang="zh-CN" dirty="0" smtClean="0">
-                <a:latin typeface="思源黑体 CN Normal" panose="020B0400000000000000" pitchFamily="34" charset="-122"/>
-                <a:ea typeface="思源黑体 CN Normal" panose="020B0400000000000000" pitchFamily="34" charset="-122"/>
+                <a:latin typeface="思源黑体 CN Normal" panose="020B0400000000000000" charset="-122"/>
+                <a:ea typeface="思源黑体 CN Normal" panose="020B0400000000000000" charset="-122"/>
               </a:rPr>
               <a:t>log</a:t>
             </a:r>
             <a:r>
               <a:rPr lang="zh-CN" altLang="en-US" dirty="0" smtClean="0">
-                <a:latin typeface="思源黑体 CN Normal" panose="020B0400000000000000" pitchFamily="34" charset="-122"/>
-                <a:ea typeface="思源黑体 CN Normal" panose="020B0400000000000000" pitchFamily="34" charset="-122"/>
+                <a:latin typeface="思源黑体 CN Normal" panose="020B0400000000000000" charset="-122"/>
+                <a:ea typeface="思源黑体 CN Normal" panose="020B0400000000000000" charset="-122"/>
               </a:rPr>
               <a:t>来代替</a:t>
             </a:r>
             <a:r>
               <a:rPr lang="en-US" altLang="zh-CN" dirty="0" smtClean="0">
-                <a:latin typeface="思源黑体 CN Normal" panose="020B0400000000000000" pitchFamily="34" charset="-122"/>
-                <a:ea typeface="思源黑体 CN Normal" panose="020B0400000000000000" pitchFamily="34" charset="-122"/>
+                <a:latin typeface="思源黑体 CN Normal" panose="020B0400000000000000" charset="-122"/>
+                <a:ea typeface="思源黑体 CN Normal" panose="020B0400000000000000" charset="-122"/>
               </a:rPr>
               <a:t>console.log,</a:t>
             </a:r>
             <a:r>
               <a:rPr lang="zh-CN" altLang="en-US" dirty="0" smtClean="0">
-                <a:latin typeface="思源黑体 CN Normal" panose="020B0400000000000000" pitchFamily="34" charset="-122"/>
-                <a:ea typeface="思源黑体 CN Normal" panose="020B0400000000000000" pitchFamily="34" charset="-122"/>
+                <a:latin typeface="思源黑体 CN Normal" panose="020B0400000000000000" charset="-122"/>
+                <a:ea typeface="思源黑体 CN Normal" panose="020B0400000000000000" charset="-122"/>
               </a:rPr>
-              <a:t>这就是典型的接口</a:t>
-            </a:r>
-            <a:r>
-              <a:rPr lang="zh-CN" altLang="en-US" dirty="0" smtClean="0">
-                <a:latin typeface="思源黑体 CN Normal" panose="020B0400000000000000" pitchFamily="34" charset="-122"/>
-                <a:ea typeface="思源黑体 CN Normal" panose="020B0400000000000000" pitchFamily="34" charset="-122"/>
-              </a:rPr>
-              <a:t>发生了改变</a:t>
+              <a:t>这就是典型的接口发生了改变</a:t>
             </a:r>
             <a:endParaRPr lang="zh-CN" altLang="en-US" dirty="0">
-              <a:latin typeface="思源黑体 CN Normal" panose="020B0400000000000000" pitchFamily="34" charset="-122"/>
-              <a:ea typeface="思源黑体 CN Normal" panose="020B0400000000000000" pitchFamily="34" charset="-122"/>
+              <a:latin typeface="思源黑体 CN Normal" panose="020B0400000000000000" charset="-122"/>
+              <a:ea typeface="思源黑体 CN Normal" panose="020B0400000000000000" charset="-122"/>
             </a:endParaRPr>
           </a:p>
         </p:txBody>
       </p:sp>
       <p:sp>
         <p:nvSpPr>
-          <p:cNvPr id="31" name="矩形 30">
-            <a:extLst>
-              <a:ext uri="{FF2B5EF4-FFF2-40B4-BE49-F238E27FC236}">
-                <a16:creationId xmlns:a16="http://schemas.microsoft.com/office/drawing/2014/main" id="{DD4663EC-2B6E-484A-8652-B4D4FE5658C8}"/>
-              </a:ext>
-            </a:extLst>
-          </p:cNvPr>
+          <p:cNvPr id="31" name="矩形 30"/>
           <p:cNvSpPr/>
           <p:nvPr/>
         </p:nvSpPr>
@@ -16224,7 +15376,7 @@
           <p:nvPr/>
         </p:nvPicPr>
         <p:blipFill>
-          <a:blip r:embed="rId2">
+          <a:blip r:embed="rId1">
             <a:extLst>
               <a:ext uri="{28A0092B-C50C-407E-A947-70E740481C1C}">
                 <a14:useLocalDpi xmlns:a14="http://schemas.microsoft.com/office/drawing/2010/main" val="0"/>
@@ -16246,20 +15398,15 @@
         </p:spPr>
       </p:pic>
     </p:spTree>
-    <p:extLst>
-      <p:ext uri="{BB962C8B-B14F-4D97-AF65-F5344CB8AC3E}">
-        <p14:creationId xmlns:p14="http://schemas.microsoft.com/office/powerpoint/2010/main" val="3284310607"/>
-      </p:ext>
-    </p:extLst>
   </p:cSld>
   <p:clrMapOvr>
     <a:masterClrMapping/>
   </p:clrMapOvr>
-  <mc:AlternateContent xmlns:mc="http://schemas.openxmlformats.org/markup-compatibility/2006" xmlns:p14="http://schemas.microsoft.com/office/powerpoint/2010/main">
-    <mc:Choice Requires="p14">
+  <mc:AlternateContent xmlns:mc="http://schemas.openxmlformats.org/markup-compatibility/2006">
+    <mc:Choice xmlns:p14="http://schemas.microsoft.com/office/powerpoint/2010/main" Requires="p14">
       <p:transition p14:dur="250"/>
     </mc:Choice>
-    <mc:Fallback xmlns="">
+    <mc:Fallback>
       <p:transition/>
     </mc:Fallback>
   </mc:AlternateContent>
@@ -16376,13 +15523,7 @@
       </p:grpSpPr>
       <p:sp>
         <p:nvSpPr>
-          <p:cNvPr id="2" name="标题 1">
-            <a:extLst>
-              <a:ext uri="{FF2B5EF4-FFF2-40B4-BE49-F238E27FC236}">
-                <a16:creationId xmlns:a16="http://schemas.microsoft.com/office/drawing/2014/main" id="{7696DFAD-5D60-4A4E-9357-D1CC052F52E4}"/>
-              </a:ext>
-            </a:extLst>
-          </p:cNvPr>
+          <p:cNvPr id="2" name="标题 1"/>
           <p:cNvSpPr>
             <a:spLocks noGrp="1"/>
           </p:cNvSpPr>
@@ -16403,19 +15544,13 @@
               <a:rPr lang="zh-CN" altLang="en-US" dirty="0" smtClean="0"/>
               <a:t>模式的基本结构</a:t>
             </a:r>
-            <a:endParaRPr lang="zh-CN" altLang="en-US" dirty="0"/>
+            <a:endParaRPr lang="zh-CN" altLang="en-US" dirty="0" smtClean="0"/>
           </a:p>
         </p:txBody>
       </p:sp>
       <p:sp>
         <p:nvSpPr>
-          <p:cNvPr id="28" name="矩形 27">
-            <a:extLst>
-              <a:ext uri="{FF2B5EF4-FFF2-40B4-BE49-F238E27FC236}">
-                <a16:creationId xmlns:a16="http://schemas.microsoft.com/office/drawing/2014/main" id="{5C115680-B283-4F0D-8FAB-16C24DEA3D48}"/>
-              </a:ext>
-            </a:extLst>
-          </p:cNvPr>
+          <p:cNvPr id="28" name="矩形 27"/>
           <p:cNvSpPr/>
           <p:nvPr/>
         </p:nvSpPr>
@@ -16461,20 +15596,14 @@
       </p:sp>
       <p:sp>
         <p:nvSpPr>
-          <p:cNvPr id="29" name="统计每日学习时长…">
-            <a:extLst>
-              <a:ext uri="{FF2B5EF4-FFF2-40B4-BE49-F238E27FC236}">
-                <a16:creationId xmlns:a16="http://schemas.microsoft.com/office/drawing/2014/main" id="{2A438058-9625-422A-8F1B-63D2D81603E5}"/>
-              </a:ext>
-            </a:extLst>
-          </p:cNvPr>
+          <p:cNvPr id="29" name="统计每日学习时长…"/>
           <p:cNvSpPr txBox="1"/>
           <p:nvPr/>
         </p:nvSpPr>
         <p:spPr>
           <a:xfrm>
             <a:off x="3282205" y="9090328"/>
-            <a:ext cx="16826809" cy="1348063"/>
+            <a:ext cx="16826809" cy="1974215"/>
           </a:xfrm>
           <a:prstGeom prst="rect">
             <a:avLst/>
@@ -16482,11 +15611,6 @@
           <a:ln w="12700">
             <a:miter lim="400000"/>
           </a:ln>
-          <a:extLst>
-            <a:ext uri="{C572A759-6A51-4108-AA02-DFA0A04FC94B}">
-              <ma14:wrappingTextBoxFlag xmlns="" xmlns:ma14="http://schemas.microsoft.com/office/mac/drawingml/2011/main" val="1"/>
-            </a:ext>
-          </a:extLst>
         </p:spPr>
         <p:txBody>
           <a:bodyPr wrap="square" lIns="45721" tIns="45721" rIns="45721" bIns="45721">
@@ -16510,7 +15634,7 @@
           </a:lstStyle>
           <a:p>
             <a:pPr marL="457200" indent="-457200" defTabSz="914400">
-              <a:buFont typeface="Wingdings" charset="2"/>
+              <a:buFont typeface="Wingdings" panose="05000000000000000000" pitchFamily="2" charset="2"/>
               <a:buChar char="l"/>
               <a:defRPr sz="3400">
                 <a:solidFill>
@@ -16524,41 +15648,61 @@
             </a:pPr>
             <a:r>
               <a:rPr lang="zh-CN" altLang="en-US" dirty="0" smtClean="0">
-                <a:latin typeface="思源黑体 CN Normal" panose="020B0400000000000000" pitchFamily="34" charset="-122"/>
-                <a:ea typeface="思源黑体 CN Normal" panose="020B0400000000000000" pitchFamily="34" charset="-122"/>
+                <a:latin typeface="思源黑体 CN Normal" panose="020B0400000000000000" charset="-122"/>
+                <a:ea typeface="思源黑体 CN Normal" panose="020B0400000000000000" charset="-122"/>
               </a:rPr>
               <a:t>我们新建一个自己的方法，在其内部调用</a:t>
             </a:r>
             <a:r>
               <a:rPr lang="en-US" altLang="zh-CN" dirty="0" smtClean="0">
-                <a:latin typeface="思源黑体 CN Normal" panose="020B0400000000000000" pitchFamily="34" charset="-122"/>
-                <a:ea typeface="思源黑体 CN Normal" panose="020B0400000000000000" pitchFamily="34" charset="-122"/>
+                <a:latin typeface="思源黑体 CN Normal" panose="020B0400000000000000" charset="-122"/>
+                <a:ea typeface="思源黑体 CN Normal" panose="020B0400000000000000" charset="-122"/>
               </a:rPr>
               <a:t>b</a:t>
             </a:r>
             <a:r>
               <a:rPr lang="zh-CN" altLang="en-US" dirty="0" smtClean="0">
-                <a:latin typeface="思源黑体 CN Normal" panose="020B0400000000000000" pitchFamily="34" charset="-122"/>
-                <a:ea typeface="思源黑体 CN Normal" panose="020B0400000000000000" pitchFamily="34" charset="-122"/>
+                <a:latin typeface="思源黑体 CN Normal" panose="020B0400000000000000" charset="-122"/>
+                <a:ea typeface="思源黑体 CN Normal" panose="020B0400000000000000" charset="-122"/>
               </a:rPr>
               <a:t>方法，并且再执行自己的方法。这样可以再不修改原对象的情况下，扩展行为</a:t>
             </a:r>
+            <a:endParaRPr lang="zh-CN" altLang="en-US" dirty="0" smtClean="0">
+              <a:latin typeface="思源黑体 CN Normal" panose="020B0400000000000000" charset="-122"/>
+              <a:ea typeface="思源黑体 CN Normal" panose="020B0400000000000000" charset="-122"/>
+            </a:endParaRPr>
+          </a:p>
+          <a:p>
+            <a:pPr marL="457200" indent="-457200" defTabSz="914400">
+              <a:buFont typeface="Wingdings" panose="05000000000000000000" pitchFamily="2" charset="2"/>
+              <a:buChar char="l"/>
+              <a:defRPr sz="3400">
+                <a:solidFill>
+                  <a:srgbClr val="FFFFFF"/>
+                </a:solidFill>
+                <a:latin typeface="Source Han Sans CN Normal"/>
+                <a:ea typeface="Source Han Sans CN Normal"/>
+                <a:cs typeface="Source Han Sans CN Normal"/>
+                <a:sym typeface="Source Han Sans CN Normal"/>
+              </a:defRPr>
+            </a:pPr>
+            <a:r>
+              <a:rPr lang="zh-CN" altLang="en-US" dirty="0">
+                <a:latin typeface="思源黑体 CN Normal" panose="020B0400000000000000" charset="-122"/>
+                <a:ea typeface="思源黑体 CN Normal" panose="020B0400000000000000" charset="-122"/>
+              </a:rPr>
+              <a:t>三步走：封装新方法，调用老方法，加入扩展操作</a:t>
+            </a:r>
             <a:endParaRPr lang="zh-CN" altLang="en-US" dirty="0">
-              <a:latin typeface="思源黑体 CN Normal" panose="020B0400000000000000" pitchFamily="34" charset="-122"/>
-              <a:ea typeface="思源黑体 CN Normal" panose="020B0400000000000000" pitchFamily="34" charset="-122"/>
+              <a:latin typeface="思源黑体 CN Normal" panose="020B0400000000000000" charset="-122"/>
+              <a:ea typeface="思源黑体 CN Normal" panose="020B0400000000000000" charset="-122"/>
             </a:endParaRPr>
           </a:p>
         </p:txBody>
       </p:sp>
       <p:sp>
         <p:nvSpPr>
-          <p:cNvPr id="31" name="矩形 30">
-            <a:extLst>
-              <a:ext uri="{FF2B5EF4-FFF2-40B4-BE49-F238E27FC236}">
-                <a16:creationId xmlns:a16="http://schemas.microsoft.com/office/drawing/2014/main" id="{DD4663EC-2B6E-484A-8652-B4D4FE5658C8}"/>
-              </a:ext>
-            </a:extLst>
-          </p:cNvPr>
+          <p:cNvPr id="31" name="矩形 30"/>
           <p:cNvSpPr/>
           <p:nvPr/>
         </p:nvSpPr>
@@ -16708,6 +15852,14 @@
               </a:rPr>
               <a:t>?</a:t>
             </a:r>
+            <a:endParaRPr kumimoji="1" lang="en-US" altLang="zh-CN" sz="2800" dirty="0">
+              <a:solidFill>
+                <a:srgbClr val="C9C9C9"/>
+              </a:solidFill>
+              <a:latin typeface="DejaVu Sans Mono" panose="020B0609030804020204" pitchFamily="49" charset="0"/>
+              <a:ea typeface="DejaVu Sans Mono" panose="020B0609030804020204" pitchFamily="49" charset="0"/>
+              <a:cs typeface="DejaVu Sans Mono" panose="020B0609030804020204" pitchFamily="49" charset="0"/>
+            </a:endParaRPr>
           </a:p>
           <a:p>
             <a:pPr lvl="1"/>
@@ -16755,6 +15907,14 @@
               </a:rPr>
               <a:t> {</a:t>
             </a:r>
+            <a:endParaRPr kumimoji="1" lang="en-US" altLang="zh-CN" sz="2800" dirty="0">
+              <a:solidFill>
+                <a:schemeClr val="bg1"/>
+              </a:solidFill>
+              <a:latin typeface="DejaVu Sans Mono" panose="020B0609030804020204" pitchFamily="49" charset="0"/>
+              <a:ea typeface="DejaVu Sans Mono" panose="020B0609030804020204" pitchFamily="49" charset="0"/>
+              <a:cs typeface="DejaVu Sans Mono" panose="020B0609030804020204" pitchFamily="49" charset="0"/>
+            </a:endParaRPr>
           </a:p>
           <a:p>
             <a:pPr lvl="1"/>
@@ -16813,6 +15973,14 @@
               </a:rPr>
               <a:t>(){</a:t>
             </a:r>
+            <a:endParaRPr kumimoji="1" lang="en-US" altLang="zh-CN" sz="2800" dirty="0">
+              <a:solidFill>
+                <a:schemeClr val="bg1"/>
+              </a:solidFill>
+              <a:latin typeface="DejaVu Sans Mono" panose="020B0609030804020204" pitchFamily="49" charset="0"/>
+              <a:ea typeface="DejaVu Sans Mono" panose="020B0609030804020204" pitchFamily="49" charset="0"/>
+              <a:cs typeface="DejaVu Sans Mono" panose="020B0609030804020204" pitchFamily="49" charset="0"/>
+            </a:endParaRPr>
           </a:p>
           <a:p>
             <a:pPr lvl="1"/>
@@ -16849,6 +16017,14 @@
               </a:rPr>
               <a:t>}</a:t>
             </a:r>
+            <a:endParaRPr kumimoji="1" lang="en-US" altLang="zh-CN" sz="2800" dirty="0">
+              <a:solidFill>
+                <a:schemeClr val="bg1"/>
+              </a:solidFill>
+              <a:latin typeface="DejaVu Sans Mono" panose="020B0609030804020204" pitchFamily="49" charset="0"/>
+              <a:ea typeface="DejaVu Sans Mono" panose="020B0609030804020204" pitchFamily="49" charset="0"/>
+              <a:cs typeface="DejaVu Sans Mono" panose="020B0609030804020204" pitchFamily="49" charset="0"/>
+            </a:endParaRPr>
           </a:p>
           <a:p>
             <a:pPr lvl="1"/>
@@ -16874,6 +16050,14 @@
               </a:rPr>
               <a:t>};</a:t>
             </a:r>
+            <a:endParaRPr kumimoji="1" lang="en-US" altLang="zh-CN" sz="2800" dirty="0">
+              <a:solidFill>
+                <a:schemeClr val="bg1"/>
+              </a:solidFill>
+              <a:latin typeface="DejaVu Sans Mono" panose="020B0609030804020204" pitchFamily="49" charset="0"/>
+              <a:ea typeface="DejaVu Sans Mono" panose="020B0609030804020204" pitchFamily="49" charset="0"/>
+              <a:cs typeface="DejaVu Sans Mono" panose="020B0609030804020204" pitchFamily="49" charset="0"/>
+            </a:endParaRPr>
           </a:p>
           <a:p>
             <a:pPr lvl="1"/>
@@ -16932,6 +16116,14 @@
               </a:rPr>
               <a:t>(){</a:t>
             </a:r>
+            <a:endParaRPr kumimoji="1" lang="en-US" altLang="zh-CN" sz="2800" dirty="0">
+              <a:solidFill>
+                <a:schemeClr val="bg1"/>
+              </a:solidFill>
+              <a:latin typeface="DejaVu Sans Mono" panose="020B0609030804020204" pitchFamily="49" charset="0"/>
+              <a:ea typeface="DejaVu Sans Mono" panose="020B0609030804020204" pitchFamily="49" charset="0"/>
+              <a:cs typeface="DejaVu Sans Mono" panose="020B0609030804020204" pitchFamily="49" charset="0"/>
+            </a:endParaRPr>
           </a:p>
           <a:p>
             <a:pPr lvl="1"/>
@@ -16979,6 +16171,14 @@
               </a:rPr>
               <a:t>();</a:t>
             </a:r>
+            <a:endParaRPr kumimoji="1" lang="en-US" altLang="zh-CN" sz="2800" dirty="0">
+              <a:solidFill>
+                <a:schemeClr val="bg1"/>
+              </a:solidFill>
+              <a:latin typeface="DejaVu Sans Mono" panose="020B0609030804020204" pitchFamily="49" charset="0"/>
+              <a:ea typeface="DejaVu Sans Mono" panose="020B0609030804020204" pitchFamily="49" charset="0"/>
+              <a:cs typeface="DejaVu Sans Mono" panose="020B0609030804020204" pitchFamily="49" charset="0"/>
+            </a:endParaRPr>
           </a:p>
           <a:p>
             <a:pPr lvl="1"/>
@@ -17015,6 +16215,14 @@
               </a:rPr>
               <a:t>要扩展得方法</a:t>
             </a:r>
+            <a:endParaRPr kumimoji="1" lang="zh-CN" altLang="en-US" sz="2800" dirty="0">
+              <a:solidFill>
+                <a:srgbClr val="C9C9C9"/>
+              </a:solidFill>
+              <a:latin typeface="DejaVu Sans Mono" panose="020B0609030804020204" pitchFamily="49" charset="0"/>
+              <a:ea typeface="DejaVu Sans Mono" panose="020B0609030804020204" pitchFamily="49" charset="0"/>
+              <a:cs typeface="DejaVu Sans Mono" panose="020B0609030804020204" pitchFamily="49" charset="0"/>
+            </a:endParaRPr>
           </a:p>
           <a:p>
             <a:pPr lvl="1"/>
@@ -17060,7 +16268,7 @@
           <p:nvPr/>
         </p:nvPicPr>
         <p:blipFill>
-          <a:blip r:embed="rId2">
+          <a:blip r:embed="rId1">
             <a:extLst>
               <a:ext uri="{28A0092B-C50C-407E-A947-70E740481C1C}">
                 <a14:useLocalDpi xmlns:a14="http://schemas.microsoft.com/office/drawing/2010/main" val="0"/>
@@ -17082,20 +16290,15 @@
         </p:spPr>
       </p:pic>
     </p:spTree>
-    <p:extLst>
-      <p:ext uri="{BB962C8B-B14F-4D97-AF65-F5344CB8AC3E}">
-        <p14:creationId xmlns:p14="http://schemas.microsoft.com/office/powerpoint/2010/main" val="2605619958"/>
-      </p:ext>
-    </p:extLst>
   </p:cSld>
   <p:clrMapOvr>
     <a:masterClrMapping/>
   </p:clrMapOvr>
-  <mc:AlternateContent xmlns:mc="http://schemas.openxmlformats.org/markup-compatibility/2006" xmlns:p14="http://schemas.microsoft.com/office/powerpoint/2010/main">
-    <mc:Choice Requires="p14">
+  <mc:AlternateContent xmlns:mc="http://schemas.openxmlformats.org/markup-compatibility/2006">
+    <mc:Choice xmlns:p14="http://schemas.microsoft.com/office/powerpoint/2010/main" Requires="p14">
       <p:transition p14:dur="250"/>
     </mc:Choice>
-    <mc:Fallback xmlns="">
+    <mc:Fallback>
       <p:transition/>
     </mc:Fallback>
   </mc:AlternateContent>
@@ -17959,8 +17162,6 @@
       </a:bgFillStyleLst>
     </a:fmtScheme>
   </a:themeElements>
-  <a:objectDefaults/>
-  <a:extraClrSchemeLst/>
   <a:extLst>
     <a:ext uri="{05A4C25C-085E-4340-85A3-A5531E510DB2}">
       <thm15:themeFamily xmlns:thm15="http://schemas.microsoft.com/office/thememl/2012/main" name="Office Theme" id="{62F939B6-93AF-4DB8-9C6B-D6C7DFDC589F}" vid="{4A3C46E8-61CC-4603-A589-7422A47A8E4A}"/>
@@ -18247,8 +17448,6 @@
       </a:bgFillStyleLst>
     </a:fmtScheme>
   </a:themeElements>
-  <a:objectDefaults/>
-  <a:extraClrSchemeLst/>
   <a:extLst>
     <a:ext uri="{05A4C25C-085E-4340-85A3-A5531E510DB2}">
       <thm15:themeFamily xmlns:thm15="http://schemas.microsoft.com/office/thememl/2012/main" name="Office Theme" id="{62F939B6-93AF-4DB8-9C6B-D6C7DFDC589F}" vid="{4A3C46E8-61CC-4603-A589-7422A47A8E4A}"/>
@@ -18535,8 +17734,6 @@
       </a:bgFillStyleLst>
     </a:fmtScheme>
   </a:themeElements>
-  <a:objectDefaults/>
-  <a:extraClrSchemeLst/>
   <a:extLst>
     <a:ext uri="{05A4C25C-085E-4340-85A3-A5531E510DB2}">
       <thm15:themeFamily xmlns:thm15="http://schemas.microsoft.com/office/thememl/2012/main" name="Office Theme" id="{62F939B6-93AF-4DB8-9C6B-D6C7DFDC589F}" vid="{4A3C46E8-61CC-4603-A589-7422A47A8E4A}"/>
